--- a/slides/11_exceptions.pptx
+++ b/slides/11_exceptions.pptx
@@ -358,104 +358,239 @@
             <a:noAutofit/>
           </a:bodyPr>
           <a:lstStyle>
-            <a:lvl1pPr indent="-298450" lvl="0" marL="457200">
-              <a:spcBef>
-                <a:spcPts val="0"/>
-              </a:spcBef>
-              <a:spcAft>
-                <a:spcPts val="0"/>
-              </a:spcAft>
+            <a:lvl1pPr indent="-298450" lvl="0" marL="457200" marR="0" rtl="0" algn="l">
+              <a:lnSpc>
+                <a:spcPct val="100000"/>
+              </a:lnSpc>
+              <a:spcBef>
+                <a:spcPts val="0"/>
+              </a:spcBef>
+              <a:spcAft>
+                <a:spcPts val="0"/>
+              </a:spcAft>
+              <a:buClr>
+                <a:srgbClr val="000000"/>
+              </a:buClr>
               <a:buSzPts val="1100"/>
+              <a:buFont typeface="Arial"/>
               <a:buChar char="●"/>
-              <a:defRPr sz="1100"/>
+              <a:defRPr b="0" i="0" sz="1100" u="none" cap="none" strike="noStrike">
+                <a:solidFill>
+                  <a:srgbClr val="000000"/>
+                </a:solidFill>
+                <a:latin typeface="Arial"/>
+                <a:ea typeface="Arial"/>
+                <a:cs typeface="Arial"/>
+                <a:sym typeface="Arial"/>
+              </a:defRPr>
             </a:lvl1pPr>
-            <a:lvl2pPr indent="-298450" lvl="1" marL="914400">
-              <a:spcBef>
-                <a:spcPts val="0"/>
-              </a:spcBef>
-              <a:spcAft>
-                <a:spcPts val="0"/>
-              </a:spcAft>
+            <a:lvl2pPr indent="-298450" lvl="1" marL="914400" marR="0" rtl="0" algn="l">
+              <a:lnSpc>
+                <a:spcPct val="100000"/>
+              </a:lnSpc>
+              <a:spcBef>
+                <a:spcPts val="0"/>
+              </a:spcBef>
+              <a:spcAft>
+                <a:spcPts val="0"/>
+              </a:spcAft>
+              <a:buClr>
+                <a:srgbClr val="000000"/>
+              </a:buClr>
               <a:buSzPts val="1100"/>
+              <a:buFont typeface="Arial"/>
               <a:buChar char="○"/>
-              <a:defRPr sz="1100"/>
+              <a:defRPr b="0" i="0" sz="1100" u="none" cap="none" strike="noStrike">
+                <a:solidFill>
+                  <a:srgbClr val="000000"/>
+                </a:solidFill>
+                <a:latin typeface="Arial"/>
+                <a:ea typeface="Arial"/>
+                <a:cs typeface="Arial"/>
+                <a:sym typeface="Arial"/>
+              </a:defRPr>
             </a:lvl2pPr>
-            <a:lvl3pPr indent="-298450" lvl="2" marL="1371600">
-              <a:spcBef>
-                <a:spcPts val="0"/>
-              </a:spcBef>
-              <a:spcAft>
-                <a:spcPts val="0"/>
-              </a:spcAft>
+            <a:lvl3pPr indent="-298450" lvl="2" marL="1371600" marR="0" rtl="0" algn="l">
+              <a:lnSpc>
+                <a:spcPct val="100000"/>
+              </a:lnSpc>
+              <a:spcBef>
+                <a:spcPts val="0"/>
+              </a:spcBef>
+              <a:spcAft>
+                <a:spcPts val="0"/>
+              </a:spcAft>
+              <a:buClr>
+                <a:srgbClr val="000000"/>
+              </a:buClr>
               <a:buSzPts val="1100"/>
+              <a:buFont typeface="Arial"/>
               <a:buChar char="■"/>
-              <a:defRPr sz="1100"/>
+              <a:defRPr b="0" i="0" sz="1100" u="none" cap="none" strike="noStrike">
+                <a:solidFill>
+                  <a:srgbClr val="000000"/>
+                </a:solidFill>
+                <a:latin typeface="Arial"/>
+                <a:ea typeface="Arial"/>
+                <a:cs typeface="Arial"/>
+                <a:sym typeface="Arial"/>
+              </a:defRPr>
             </a:lvl3pPr>
-            <a:lvl4pPr indent="-298450" lvl="3" marL="1828800">
-              <a:spcBef>
-                <a:spcPts val="0"/>
-              </a:spcBef>
-              <a:spcAft>
-                <a:spcPts val="0"/>
-              </a:spcAft>
+            <a:lvl4pPr indent="-298450" lvl="3" marL="1828800" marR="0" rtl="0" algn="l">
+              <a:lnSpc>
+                <a:spcPct val="100000"/>
+              </a:lnSpc>
+              <a:spcBef>
+                <a:spcPts val="0"/>
+              </a:spcBef>
+              <a:spcAft>
+                <a:spcPts val="0"/>
+              </a:spcAft>
+              <a:buClr>
+                <a:srgbClr val="000000"/>
+              </a:buClr>
               <a:buSzPts val="1100"/>
+              <a:buFont typeface="Arial"/>
               <a:buChar char="●"/>
-              <a:defRPr sz="1100"/>
+              <a:defRPr b="0" i="0" sz="1100" u="none" cap="none" strike="noStrike">
+                <a:solidFill>
+                  <a:srgbClr val="000000"/>
+                </a:solidFill>
+                <a:latin typeface="Arial"/>
+                <a:ea typeface="Arial"/>
+                <a:cs typeface="Arial"/>
+                <a:sym typeface="Arial"/>
+              </a:defRPr>
             </a:lvl4pPr>
-            <a:lvl5pPr indent="-298450" lvl="4" marL="2286000">
-              <a:spcBef>
-                <a:spcPts val="0"/>
-              </a:spcBef>
-              <a:spcAft>
-                <a:spcPts val="0"/>
-              </a:spcAft>
+            <a:lvl5pPr indent="-298450" lvl="4" marL="2286000" marR="0" rtl="0" algn="l">
+              <a:lnSpc>
+                <a:spcPct val="100000"/>
+              </a:lnSpc>
+              <a:spcBef>
+                <a:spcPts val="0"/>
+              </a:spcBef>
+              <a:spcAft>
+                <a:spcPts val="0"/>
+              </a:spcAft>
+              <a:buClr>
+                <a:srgbClr val="000000"/>
+              </a:buClr>
               <a:buSzPts val="1100"/>
+              <a:buFont typeface="Arial"/>
               <a:buChar char="○"/>
-              <a:defRPr sz="1100"/>
+              <a:defRPr b="0" i="0" sz="1100" u="none" cap="none" strike="noStrike">
+                <a:solidFill>
+                  <a:srgbClr val="000000"/>
+                </a:solidFill>
+                <a:latin typeface="Arial"/>
+                <a:ea typeface="Arial"/>
+                <a:cs typeface="Arial"/>
+                <a:sym typeface="Arial"/>
+              </a:defRPr>
             </a:lvl5pPr>
-            <a:lvl6pPr indent="-298450" lvl="5" marL="2743200">
-              <a:spcBef>
-                <a:spcPts val="0"/>
-              </a:spcBef>
-              <a:spcAft>
-                <a:spcPts val="0"/>
-              </a:spcAft>
+            <a:lvl6pPr indent="-298450" lvl="5" marL="2743200" marR="0" rtl="0" algn="l">
+              <a:lnSpc>
+                <a:spcPct val="100000"/>
+              </a:lnSpc>
+              <a:spcBef>
+                <a:spcPts val="0"/>
+              </a:spcBef>
+              <a:spcAft>
+                <a:spcPts val="0"/>
+              </a:spcAft>
+              <a:buClr>
+                <a:srgbClr val="000000"/>
+              </a:buClr>
               <a:buSzPts val="1100"/>
+              <a:buFont typeface="Arial"/>
               <a:buChar char="■"/>
-              <a:defRPr sz="1100"/>
+              <a:defRPr b="0" i="0" sz="1100" u="none" cap="none" strike="noStrike">
+                <a:solidFill>
+                  <a:srgbClr val="000000"/>
+                </a:solidFill>
+                <a:latin typeface="Arial"/>
+                <a:ea typeface="Arial"/>
+                <a:cs typeface="Arial"/>
+                <a:sym typeface="Arial"/>
+              </a:defRPr>
             </a:lvl6pPr>
-            <a:lvl7pPr indent="-298450" lvl="6" marL="3200400">
-              <a:spcBef>
-                <a:spcPts val="0"/>
-              </a:spcBef>
-              <a:spcAft>
-                <a:spcPts val="0"/>
-              </a:spcAft>
+            <a:lvl7pPr indent="-298450" lvl="6" marL="3200400" marR="0" rtl="0" algn="l">
+              <a:lnSpc>
+                <a:spcPct val="100000"/>
+              </a:lnSpc>
+              <a:spcBef>
+                <a:spcPts val="0"/>
+              </a:spcBef>
+              <a:spcAft>
+                <a:spcPts val="0"/>
+              </a:spcAft>
+              <a:buClr>
+                <a:srgbClr val="000000"/>
+              </a:buClr>
               <a:buSzPts val="1100"/>
+              <a:buFont typeface="Arial"/>
               <a:buChar char="●"/>
-              <a:defRPr sz="1100"/>
+              <a:defRPr b="0" i="0" sz="1100" u="none" cap="none" strike="noStrike">
+                <a:solidFill>
+                  <a:srgbClr val="000000"/>
+                </a:solidFill>
+                <a:latin typeface="Arial"/>
+                <a:ea typeface="Arial"/>
+                <a:cs typeface="Arial"/>
+                <a:sym typeface="Arial"/>
+              </a:defRPr>
             </a:lvl7pPr>
-            <a:lvl8pPr indent="-298450" lvl="7" marL="3657600">
-              <a:spcBef>
-                <a:spcPts val="0"/>
-              </a:spcBef>
-              <a:spcAft>
-                <a:spcPts val="0"/>
-              </a:spcAft>
+            <a:lvl8pPr indent="-298450" lvl="7" marL="3657600" marR="0" rtl="0" algn="l">
+              <a:lnSpc>
+                <a:spcPct val="100000"/>
+              </a:lnSpc>
+              <a:spcBef>
+                <a:spcPts val="0"/>
+              </a:spcBef>
+              <a:spcAft>
+                <a:spcPts val="0"/>
+              </a:spcAft>
+              <a:buClr>
+                <a:srgbClr val="000000"/>
+              </a:buClr>
               <a:buSzPts val="1100"/>
+              <a:buFont typeface="Arial"/>
               <a:buChar char="○"/>
-              <a:defRPr sz="1100"/>
+              <a:defRPr b="0" i="0" sz="1100" u="none" cap="none" strike="noStrike">
+                <a:solidFill>
+                  <a:srgbClr val="000000"/>
+                </a:solidFill>
+                <a:latin typeface="Arial"/>
+                <a:ea typeface="Arial"/>
+                <a:cs typeface="Arial"/>
+                <a:sym typeface="Arial"/>
+              </a:defRPr>
             </a:lvl8pPr>
-            <a:lvl9pPr indent="-298450" lvl="8" marL="4114800">
-              <a:spcBef>
-                <a:spcPts val="0"/>
-              </a:spcBef>
-              <a:spcAft>
-                <a:spcPts val="0"/>
-              </a:spcAft>
+            <a:lvl9pPr indent="-298450" lvl="8" marL="4114800" marR="0" rtl="0" algn="l">
+              <a:lnSpc>
+                <a:spcPct val="100000"/>
+              </a:lnSpc>
+              <a:spcBef>
+                <a:spcPts val="0"/>
+              </a:spcBef>
+              <a:spcAft>
+                <a:spcPts val="0"/>
+              </a:spcAft>
+              <a:buClr>
+                <a:srgbClr val="000000"/>
+              </a:buClr>
               <a:buSzPts val="1100"/>
+              <a:buFont typeface="Arial"/>
               <a:buChar char="■"/>
-              <a:defRPr sz="1100"/>
+              <a:defRPr b="0" i="0" sz="1100" u="none" cap="none" strike="noStrike">
+                <a:solidFill>
+                  <a:srgbClr val="000000"/>
+                </a:solidFill>
+                <a:latin typeface="Arial"/>
+                <a:ea typeface="Arial"/>
+                <a:cs typeface="Arial"/>
+                <a:sym typeface="Arial"/>
+              </a:defRPr>
             </a:lvl9pPr>
           </a:lstStyle>
           <a:p/>
@@ -715,7 +850,7 @@
       </p:grpSpPr>
       <p:sp>
         <p:nvSpPr>
-          <p:cNvPr id="81" name="Google Shape;81;p:notes"/>
+          <p:cNvPr id="81" name="Google Shape;81;p1:notes"/>
           <p:cNvSpPr/>
           <p:nvPr>
             <p:ph idx="2" type="sldImg"/>
@@ -746,11 +881,21 @@
               </a:path>
             </a:pathLst>
           </a:custGeom>
+          <a:noFill/>
+          <a:ln cap="flat" cmpd="sng" w="9525">
+            <a:solidFill>
+              <a:srgbClr val="000000"/>
+            </a:solidFill>
+            <a:prstDash val="solid"/>
+            <a:round/>
+            <a:headEnd len="sm" w="sm" type="none"/>
+            <a:tailEnd len="sm" w="sm" type="none"/>
+          </a:ln>
         </p:spPr>
       </p:sp>
       <p:sp>
         <p:nvSpPr>
-          <p:cNvPr id="82" name="Google Shape;82;p:notes"/>
+          <p:cNvPr id="82" name="Google Shape;82;p1:notes"/>
           <p:cNvSpPr txBox="1"/>
           <p:nvPr>
             <p:ph idx="1" type="body"/>
@@ -764,6 +909,10 @@
           <a:prstGeom prst="rect">
             <a:avLst/>
           </a:prstGeom>
+          <a:noFill/>
+          <a:ln>
+            <a:noFill/>
+          </a:ln>
         </p:spPr>
         <p:txBody>
           <a:bodyPr anchorCtr="0" anchor="t" bIns="91425" lIns="91425" spcFirstLastPara="1" rIns="91425" wrap="square" tIns="91425">
@@ -772,12 +921,16 @@
           <a:lstStyle/>
           <a:p>
             <a:pPr indent="0" lvl="0" marL="0" rtl="0" algn="l">
-              <a:spcBef>
-                <a:spcPts val="0"/>
-              </a:spcBef>
-              <a:spcAft>
-                <a:spcPts val="0"/>
-              </a:spcAft>
+              <a:lnSpc>
+                <a:spcPct val="100000"/>
+              </a:lnSpc>
+              <a:spcBef>
+                <a:spcPts val="0"/>
+              </a:spcBef>
+              <a:spcAft>
+                <a:spcPts val="0"/>
+              </a:spcAft>
+              <a:buSzPts val="1100"/>
               <a:buNone/>
             </a:pPr>
             <a:r>
@@ -814,7 +967,7 @@
       </p:grpSpPr>
       <p:sp>
         <p:nvSpPr>
-          <p:cNvPr id="145" name="Google Shape;145;gfad821d872_0_88:notes"/>
+          <p:cNvPr id="145" name="Google Shape;145;p10:notes"/>
           <p:cNvSpPr/>
           <p:nvPr>
             <p:ph idx="2" type="sldImg"/>
@@ -845,11 +998,21 @@
               </a:path>
             </a:pathLst>
           </a:custGeom>
+          <a:noFill/>
+          <a:ln cap="flat" cmpd="sng" w="9525">
+            <a:solidFill>
+              <a:srgbClr val="000000"/>
+            </a:solidFill>
+            <a:prstDash val="solid"/>
+            <a:round/>
+            <a:headEnd len="sm" w="sm" type="none"/>
+            <a:tailEnd len="sm" w="sm" type="none"/>
+          </a:ln>
         </p:spPr>
       </p:sp>
       <p:sp>
         <p:nvSpPr>
-          <p:cNvPr id="146" name="Google Shape;146;gfad821d872_0_88:notes"/>
+          <p:cNvPr id="146" name="Google Shape;146;p10:notes"/>
           <p:cNvSpPr txBox="1"/>
           <p:nvPr>
             <p:ph idx="1" type="body"/>
@@ -863,6 +1026,10 @@
           <a:prstGeom prst="rect">
             <a:avLst/>
           </a:prstGeom>
+          <a:noFill/>
+          <a:ln>
+            <a:noFill/>
+          </a:ln>
         </p:spPr>
         <p:txBody>
           <a:bodyPr anchorCtr="0" anchor="t" bIns="91425" lIns="91425" spcFirstLastPara="1" rIns="91425" wrap="square" tIns="91425">
@@ -871,12 +1038,16 @@
           <a:lstStyle/>
           <a:p>
             <a:pPr indent="0" lvl="0" marL="0" rtl="0" algn="l">
-              <a:spcBef>
-                <a:spcPts val="0"/>
-              </a:spcBef>
-              <a:spcAft>
-                <a:spcPts val="0"/>
-              </a:spcAft>
+              <a:lnSpc>
+                <a:spcPct val="100000"/>
+              </a:lnSpc>
+              <a:spcBef>
+                <a:spcPts val="0"/>
+              </a:spcBef>
+              <a:spcAft>
+                <a:spcPts val="0"/>
+              </a:spcAft>
+              <a:buSzPts val="1100"/>
               <a:buNone/>
             </a:pPr>
             <a:r>
@@ -913,7 +1084,7 @@
       </p:grpSpPr>
       <p:sp>
         <p:nvSpPr>
-          <p:cNvPr id="151" name="Google Shape;151;gfad821d872_0_75:notes"/>
+          <p:cNvPr id="151" name="Google Shape;151;p11:notes"/>
           <p:cNvSpPr/>
           <p:nvPr>
             <p:ph idx="2" type="sldImg"/>
@@ -944,11 +1115,21 @@
               </a:path>
             </a:pathLst>
           </a:custGeom>
+          <a:noFill/>
+          <a:ln cap="flat" cmpd="sng" w="9525">
+            <a:solidFill>
+              <a:srgbClr val="000000"/>
+            </a:solidFill>
+            <a:prstDash val="solid"/>
+            <a:round/>
+            <a:headEnd len="sm" w="sm" type="none"/>
+            <a:tailEnd len="sm" w="sm" type="none"/>
+          </a:ln>
         </p:spPr>
       </p:sp>
       <p:sp>
         <p:nvSpPr>
-          <p:cNvPr id="152" name="Google Shape;152;gfad821d872_0_75:notes"/>
+          <p:cNvPr id="152" name="Google Shape;152;p11:notes"/>
           <p:cNvSpPr txBox="1"/>
           <p:nvPr>
             <p:ph idx="1" type="body"/>
@@ -962,6 +1143,10 @@
           <a:prstGeom prst="rect">
             <a:avLst/>
           </a:prstGeom>
+          <a:noFill/>
+          <a:ln>
+            <a:noFill/>
+          </a:ln>
         </p:spPr>
         <p:txBody>
           <a:bodyPr anchorCtr="0" anchor="t" bIns="91425" lIns="91425" spcFirstLastPara="1" rIns="91425" wrap="square" tIns="91425">
@@ -970,12 +1155,16 @@
           <a:lstStyle/>
           <a:p>
             <a:pPr indent="0" lvl="0" marL="0" rtl="0" algn="l">
-              <a:spcBef>
-                <a:spcPts val="0"/>
-              </a:spcBef>
-              <a:spcAft>
-                <a:spcPts val="0"/>
-              </a:spcAft>
+              <a:lnSpc>
+                <a:spcPct val="100000"/>
+              </a:lnSpc>
+              <a:spcBef>
+                <a:spcPts val="0"/>
+              </a:spcBef>
+              <a:spcAft>
+                <a:spcPts val="0"/>
+              </a:spcAft>
+              <a:buSzPts val="1100"/>
               <a:buNone/>
             </a:pPr>
             <a:r>
@@ -1012,7 +1201,7 @@
       </p:grpSpPr>
       <p:sp>
         <p:nvSpPr>
-          <p:cNvPr id="87" name="Google Shape;87;gfad821d872_0_82:notes"/>
+          <p:cNvPr id="87" name="Google Shape;87;p2:notes"/>
           <p:cNvSpPr/>
           <p:nvPr>
             <p:ph idx="2" type="sldImg"/>
@@ -1043,11 +1232,21 @@
               </a:path>
             </a:pathLst>
           </a:custGeom>
+          <a:noFill/>
+          <a:ln cap="flat" cmpd="sng" w="9525">
+            <a:solidFill>
+              <a:srgbClr val="000000"/>
+            </a:solidFill>
+            <a:prstDash val="solid"/>
+            <a:round/>
+            <a:headEnd len="sm" w="sm" type="none"/>
+            <a:tailEnd len="sm" w="sm" type="none"/>
+          </a:ln>
         </p:spPr>
       </p:sp>
       <p:sp>
         <p:nvSpPr>
-          <p:cNvPr id="88" name="Google Shape;88;gfad821d872_0_82:notes"/>
+          <p:cNvPr id="88" name="Google Shape;88;p2:notes"/>
           <p:cNvSpPr txBox="1"/>
           <p:nvPr>
             <p:ph idx="1" type="body"/>
@@ -1061,6 +1260,10 @@
           <a:prstGeom prst="rect">
             <a:avLst/>
           </a:prstGeom>
+          <a:noFill/>
+          <a:ln>
+            <a:noFill/>
+          </a:ln>
         </p:spPr>
         <p:txBody>
           <a:bodyPr anchorCtr="0" anchor="t" bIns="91425" lIns="91425" spcFirstLastPara="1" rIns="91425" wrap="square" tIns="91425">
@@ -1069,12 +1272,16 @@
           <a:lstStyle/>
           <a:p>
             <a:pPr indent="0" lvl="0" marL="0" rtl="0" algn="l">
-              <a:spcBef>
-                <a:spcPts val="0"/>
-              </a:spcBef>
-              <a:spcAft>
-                <a:spcPts val="0"/>
-              </a:spcAft>
+              <a:lnSpc>
+                <a:spcPct val="100000"/>
+              </a:lnSpc>
+              <a:spcBef>
+                <a:spcPts val="0"/>
+              </a:spcBef>
+              <a:spcAft>
+                <a:spcPts val="0"/>
+              </a:spcAft>
+              <a:buSzPts val="1100"/>
               <a:buNone/>
             </a:pPr>
             <a:r>
@@ -1111,7 +1318,7 @@
       </p:grpSpPr>
       <p:sp>
         <p:nvSpPr>
-          <p:cNvPr id="93" name="Google Shape;93;gfad821d872_0_93:notes"/>
+          <p:cNvPr id="93" name="Google Shape;93;p3:notes"/>
           <p:cNvSpPr/>
           <p:nvPr>
             <p:ph idx="2" type="sldImg"/>
@@ -1142,11 +1349,21 @@
               </a:path>
             </a:pathLst>
           </a:custGeom>
+          <a:noFill/>
+          <a:ln cap="flat" cmpd="sng" w="9525">
+            <a:solidFill>
+              <a:srgbClr val="000000"/>
+            </a:solidFill>
+            <a:prstDash val="solid"/>
+            <a:round/>
+            <a:headEnd len="sm" w="sm" type="none"/>
+            <a:tailEnd len="sm" w="sm" type="none"/>
+          </a:ln>
         </p:spPr>
       </p:sp>
       <p:sp>
         <p:nvSpPr>
-          <p:cNvPr id="94" name="Google Shape;94;gfad821d872_0_93:notes"/>
+          <p:cNvPr id="94" name="Google Shape;94;p3:notes"/>
           <p:cNvSpPr txBox="1"/>
           <p:nvPr>
             <p:ph idx="1" type="body"/>
@@ -1160,6 +1377,10 @@
           <a:prstGeom prst="rect">
             <a:avLst/>
           </a:prstGeom>
+          <a:noFill/>
+          <a:ln>
+            <a:noFill/>
+          </a:ln>
         </p:spPr>
         <p:txBody>
           <a:bodyPr anchorCtr="0" anchor="t" bIns="91425" lIns="91425" spcFirstLastPara="1" rIns="91425" wrap="square" tIns="91425">
@@ -1168,12 +1389,16 @@
           <a:lstStyle/>
           <a:p>
             <a:pPr indent="0" lvl="0" marL="0" rtl="0" algn="l">
-              <a:spcBef>
-                <a:spcPts val="0"/>
-              </a:spcBef>
-              <a:spcAft>
-                <a:spcPts val="0"/>
-              </a:spcAft>
+              <a:lnSpc>
+                <a:spcPct val="100000"/>
+              </a:lnSpc>
+              <a:spcBef>
+                <a:spcPts val="0"/>
+              </a:spcBef>
+              <a:spcAft>
+                <a:spcPts val="0"/>
+              </a:spcAft>
+              <a:buSzPts val="1100"/>
               <a:buNone/>
             </a:pPr>
             <a:r>
@@ -1210,7 +1435,7 @@
       </p:grpSpPr>
       <p:sp>
         <p:nvSpPr>
-          <p:cNvPr id="99" name="Google Shape;99;gfad821d872_0_98:notes"/>
+          <p:cNvPr id="99" name="Google Shape;99;p4:notes"/>
           <p:cNvSpPr/>
           <p:nvPr>
             <p:ph idx="2" type="sldImg"/>
@@ -1241,11 +1466,21 @@
               </a:path>
             </a:pathLst>
           </a:custGeom>
+          <a:noFill/>
+          <a:ln cap="flat" cmpd="sng" w="9525">
+            <a:solidFill>
+              <a:srgbClr val="000000"/>
+            </a:solidFill>
+            <a:prstDash val="solid"/>
+            <a:round/>
+            <a:headEnd len="sm" w="sm" type="none"/>
+            <a:tailEnd len="sm" w="sm" type="none"/>
+          </a:ln>
         </p:spPr>
       </p:sp>
       <p:sp>
         <p:nvSpPr>
-          <p:cNvPr id="100" name="Google Shape;100;gfad821d872_0_98:notes"/>
+          <p:cNvPr id="100" name="Google Shape;100;p4:notes"/>
           <p:cNvSpPr txBox="1"/>
           <p:nvPr>
             <p:ph idx="1" type="body"/>
@@ -1259,6 +1494,10 @@
           <a:prstGeom prst="rect">
             <a:avLst/>
           </a:prstGeom>
+          <a:noFill/>
+          <a:ln>
+            <a:noFill/>
+          </a:ln>
         </p:spPr>
         <p:txBody>
           <a:bodyPr anchorCtr="0" anchor="t" bIns="91425" lIns="91425" spcFirstLastPara="1" rIns="91425" wrap="square" tIns="91425">
@@ -1267,12 +1506,16 @@
           <a:lstStyle/>
           <a:p>
             <a:pPr indent="0" lvl="0" marL="0" rtl="0" algn="l">
-              <a:spcBef>
-                <a:spcPts val="0"/>
-              </a:spcBef>
-              <a:spcAft>
-                <a:spcPts val="0"/>
-              </a:spcAft>
+              <a:lnSpc>
+                <a:spcPct val="100000"/>
+              </a:lnSpc>
+              <a:spcBef>
+                <a:spcPts val="0"/>
+              </a:spcBef>
+              <a:spcAft>
+                <a:spcPts val="0"/>
+              </a:spcAft>
+              <a:buSzPts val="1100"/>
               <a:buNone/>
             </a:pPr>
             <a:r>
@@ -1309,7 +1552,7 @@
       </p:grpSpPr>
       <p:sp>
         <p:nvSpPr>
-          <p:cNvPr id="108" name="Google Shape;108;gfad821d872_0_107:notes"/>
+          <p:cNvPr id="108" name="Google Shape;108;p5:notes"/>
           <p:cNvSpPr/>
           <p:nvPr>
             <p:ph idx="2" type="sldImg"/>
@@ -1340,11 +1583,21 @@
               </a:path>
             </a:pathLst>
           </a:custGeom>
+          <a:noFill/>
+          <a:ln cap="flat" cmpd="sng" w="9525">
+            <a:solidFill>
+              <a:srgbClr val="000000"/>
+            </a:solidFill>
+            <a:prstDash val="solid"/>
+            <a:round/>
+            <a:headEnd len="sm" w="sm" type="none"/>
+            <a:tailEnd len="sm" w="sm" type="none"/>
+          </a:ln>
         </p:spPr>
       </p:sp>
       <p:sp>
         <p:nvSpPr>
-          <p:cNvPr id="109" name="Google Shape;109;gfad821d872_0_107:notes"/>
+          <p:cNvPr id="109" name="Google Shape;109;p5:notes"/>
           <p:cNvSpPr txBox="1"/>
           <p:nvPr>
             <p:ph idx="1" type="body"/>
@@ -1358,6 +1611,10 @@
           <a:prstGeom prst="rect">
             <a:avLst/>
           </a:prstGeom>
+          <a:noFill/>
+          <a:ln>
+            <a:noFill/>
+          </a:ln>
         </p:spPr>
         <p:txBody>
           <a:bodyPr anchorCtr="0" anchor="t" bIns="91425" lIns="91425" spcFirstLastPara="1" rIns="91425" wrap="square" tIns="91425">
@@ -1366,12 +1623,16 @@
           <a:lstStyle/>
           <a:p>
             <a:pPr indent="0" lvl="0" marL="0" rtl="0" algn="l">
-              <a:spcBef>
-                <a:spcPts val="0"/>
-              </a:spcBef>
-              <a:spcAft>
-                <a:spcPts val="0"/>
-              </a:spcAft>
+              <a:lnSpc>
+                <a:spcPct val="100000"/>
+              </a:lnSpc>
+              <a:spcBef>
+                <a:spcPts val="0"/>
+              </a:spcBef>
+              <a:spcAft>
+                <a:spcPts val="0"/>
+              </a:spcAft>
+              <a:buSzPts val="1100"/>
               <a:buNone/>
             </a:pPr>
             <a:r>
@@ -1408,7 +1669,7 @@
       </p:grpSpPr>
       <p:sp>
         <p:nvSpPr>
-          <p:cNvPr id="116" name="Google Shape;116;gfad821d872_0_114:notes"/>
+          <p:cNvPr id="116" name="Google Shape;116;p6:notes"/>
           <p:cNvSpPr/>
           <p:nvPr>
             <p:ph idx="2" type="sldImg"/>
@@ -1439,11 +1700,21 @@
               </a:path>
             </a:pathLst>
           </a:custGeom>
+          <a:noFill/>
+          <a:ln cap="flat" cmpd="sng" w="9525">
+            <a:solidFill>
+              <a:srgbClr val="000000"/>
+            </a:solidFill>
+            <a:prstDash val="solid"/>
+            <a:round/>
+            <a:headEnd len="sm" w="sm" type="none"/>
+            <a:tailEnd len="sm" w="sm" type="none"/>
+          </a:ln>
         </p:spPr>
       </p:sp>
       <p:sp>
         <p:nvSpPr>
-          <p:cNvPr id="117" name="Google Shape;117;gfad821d872_0_114:notes"/>
+          <p:cNvPr id="117" name="Google Shape;117;p6:notes"/>
           <p:cNvSpPr txBox="1"/>
           <p:nvPr>
             <p:ph idx="1" type="body"/>
@@ -1457,6 +1728,10 @@
           <a:prstGeom prst="rect">
             <a:avLst/>
           </a:prstGeom>
+          <a:noFill/>
+          <a:ln>
+            <a:noFill/>
+          </a:ln>
         </p:spPr>
         <p:txBody>
           <a:bodyPr anchorCtr="0" anchor="t" bIns="91425" lIns="91425" spcFirstLastPara="1" rIns="91425" wrap="square" tIns="91425">
@@ -1465,12 +1740,16 @@
           <a:lstStyle/>
           <a:p>
             <a:pPr indent="0" lvl="0" marL="0" rtl="0" algn="l">
-              <a:spcBef>
-                <a:spcPts val="0"/>
-              </a:spcBef>
-              <a:spcAft>
-                <a:spcPts val="0"/>
-              </a:spcAft>
+              <a:lnSpc>
+                <a:spcPct val="100000"/>
+              </a:lnSpc>
+              <a:spcBef>
+                <a:spcPts val="0"/>
+              </a:spcBef>
+              <a:spcAft>
+                <a:spcPts val="0"/>
+              </a:spcAft>
+              <a:buSzPts val="1100"/>
               <a:buNone/>
             </a:pPr>
             <a:r>
@@ -1507,7 +1786,7 @@
       </p:grpSpPr>
       <p:sp>
         <p:nvSpPr>
-          <p:cNvPr id="123" name="Google Shape;123;gfad821d872_0_122:notes"/>
+          <p:cNvPr id="123" name="Google Shape;123;p7:notes"/>
           <p:cNvSpPr/>
           <p:nvPr>
             <p:ph idx="2" type="sldImg"/>
@@ -1538,11 +1817,21 @@
               </a:path>
             </a:pathLst>
           </a:custGeom>
+          <a:noFill/>
+          <a:ln cap="flat" cmpd="sng" w="9525">
+            <a:solidFill>
+              <a:srgbClr val="000000"/>
+            </a:solidFill>
+            <a:prstDash val="solid"/>
+            <a:round/>
+            <a:headEnd len="sm" w="sm" type="none"/>
+            <a:tailEnd len="sm" w="sm" type="none"/>
+          </a:ln>
         </p:spPr>
       </p:sp>
       <p:sp>
         <p:nvSpPr>
-          <p:cNvPr id="124" name="Google Shape;124;gfad821d872_0_122:notes"/>
+          <p:cNvPr id="124" name="Google Shape;124;p7:notes"/>
           <p:cNvSpPr txBox="1"/>
           <p:nvPr>
             <p:ph idx="1" type="body"/>
@@ -1556,6 +1845,10 @@
           <a:prstGeom prst="rect">
             <a:avLst/>
           </a:prstGeom>
+          <a:noFill/>
+          <a:ln>
+            <a:noFill/>
+          </a:ln>
         </p:spPr>
         <p:txBody>
           <a:bodyPr anchorCtr="0" anchor="t" bIns="91425" lIns="91425" spcFirstLastPara="1" rIns="91425" wrap="square" tIns="91425">
@@ -1564,12 +1857,16 @@
           <a:lstStyle/>
           <a:p>
             <a:pPr indent="0" lvl="0" marL="0" rtl="0" algn="l">
-              <a:spcBef>
-                <a:spcPts val="0"/>
-              </a:spcBef>
-              <a:spcAft>
-                <a:spcPts val="0"/>
-              </a:spcAft>
+              <a:lnSpc>
+                <a:spcPct val="100000"/>
+              </a:lnSpc>
+              <a:spcBef>
+                <a:spcPts val="0"/>
+              </a:spcBef>
+              <a:spcAft>
+                <a:spcPts val="0"/>
+              </a:spcAft>
+              <a:buSzPts val="1100"/>
               <a:buNone/>
             </a:pPr>
             <a:r>
@@ -1606,7 +1903,7 @@
       </p:grpSpPr>
       <p:sp>
         <p:nvSpPr>
-          <p:cNvPr id="130" name="Google Shape;130;gfad821d872_0_128:notes"/>
+          <p:cNvPr id="130" name="Google Shape;130;p8:notes"/>
           <p:cNvSpPr/>
           <p:nvPr>
             <p:ph idx="2" type="sldImg"/>
@@ -1637,11 +1934,21 @@
               </a:path>
             </a:pathLst>
           </a:custGeom>
+          <a:noFill/>
+          <a:ln cap="flat" cmpd="sng" w="9525">
+            <a:solidFill>
+              <a:srgbClr val="000000"/>
+            </a:solidFill>
+            <a:prstDash val="solid"/>
+            <a:round/>
+            <a:headEnd len="sm" w="sm" type="none"/>
+            <a:tailEnd len="sm" w="sm" type="none"/>
+          </a:ln>
         </p:spPr>
       </p:sp>
       <p:sp>
         <p:nvSpPr>
-          <p:cNvPr id="131" name="Google Shape;131;gfad821d872_0_128:notes"/>
+          <p:cNvPr id="131" name="Google Shape;131;p8:notes"/>
           <p:cNvSpPr txBox="1"/>
           <p:nvPr>
             <p:ph idx="1" type="body"/>
@@ -1655,6 +1962,10 @@
           <a:prstGeom prst="rect">
             <a:avLst/>
           </a:prstGeom>
+          <a:noFill/>
+          <a:ln>
+            <a:noFill/>
+          </a:ln>
         </p:spPr>
         <p:txBody>
           <a:bodyPr anchorCtr="0" anchor="t" bIns="91425" lIns="91425" spcFirstLastPara="1" rIns="91425" wrap="square" tIns="91425">
@@ -1663,12 +1974,16 @@
           <a:lstStyle/>
           <a:p>
             <a:pPr indent="0" lvl="0" marL="0" rtl="0" algn="l">
-              <a:spcBef>
-                <a:spcPts val="0"/>
-              </a:spcBef>
-              <a:spcAft>
-                <a:spcPts val="0"/>
-              </a:spcAft>
+              <a:lnSpc>
+                <a:spcPct val="100000"/>
+              </a:lnSpc>
+              <a:spcBef>
+                <a:spcPts val="0"/>
+              </a:spcBef>
+              <a:spcAft>
+                <a:spcPts val="0"/>
+              </a:spcAft>
+              <a:buSzPts val="1100"/>
               <a:buNone/>
             </a:pPr>
             <a:r>
@@ -1705,7 +2020,7 @@
       </p:grpSpPr>
       <p:sp>
         <p:nvSpPr>
-          <p:cNvPr id="137" name="Google Shape;137;gfad821d872_0_135:notes"/>
+          <p:cNvPr id="137" name="Google Shape;137;p9:notes"/>
           <p:cNvSpPr/>
           <p:nvPr>
             <p:ph idx="2" type="sldImg"/>
@@ -1736,11 +2051,21 @@
               </a:path>
             </a:pathLst>
           </a:custGeom>
+          <a:noFill/>
+          <a:ln cap="flat" cmpd="sng" w="9525">
+            <a:solidFill>
+              <a:srgbClr val="000000"/>
+            </a:solidFill>
+            <a:prstDash val="solid"/>
+            <a:round/>
+            <a:headEnd len="sm" w="sm" type="none"/>
+            <a:tailEnd len="sm" w="sm" type="none"/>
+          </a:ln>
         </p:spPr>
       </p:sp>
       <p:sp>
         <p:nvSpPr>
-          <p:cNvPr id="138" name="Google Shape;138;gfad821d872_0_135:notes"/>
+          <p:cNvPr id="138" name="Google Shape;138;p9:notes"/>
           <p:cNvSpPr txBox="1"/>
           <p:nvPr>
             <p:ph idx="1" type="body"/>
@@ -1754,6 +2079,10 @@
           <a:prstGeom prst="rect">
             <a:avLst/>
           </a:prstGeom>
+          <a:noFill/>
+          <a:ln>
+            <a:noFill/>
+          </a:ln>
         </p:spPr>
         <p:txBody>
           <a:bodyPr anchorCtr="0" anchor="t" bIns="91425" lIns="91425" spcFirstLastPara="1" rIns="91425" wrap="square" tIns="91425">
@@ -1762,12 +2091,16 @@
           <a:lstStyle/>
           <a:p>
             <a:pPr indent="0" lvl="0" marL="0" rtl="0" algn="l">
-              <a:spcBef>
-                <a:spcPts val="0"/>
-              </a:spcBef>
-              <a:spcAft>
-                <a:spcPts val="0"/>
-              </a:spcAft>
+              <a:lnSpc>
+                <a:spcPct val="100000"/>
+              </a:lnSpc>
+              <a:spcBef>
+                <a:spcPts val="0"/>
+              </a:spcBef>
+              <a:spcAft>
+                <a:spcPts val="0"/>
+              </a:spcAft>
+              <a:buSzPts val="1100"/>
               <a:buNone/>
             </a:pPr>
             <a:r>
@@ -4731,8 +5064,8 @@
 </file>
 
 <file path=ppt/slideLayouts/slideLayout2.xml><?xml version="1.0" encoding="utf-8"?>
-<p:sldLayout xmlns:a="http://schemas.openxmlformats.org/drawingml/2006/main" xmlns:r="http://schemas.openxmlformats.org/officeDocument/2006/relationships" xmlns:mc="http://schemas.openxmlformats.org/markup-compatibility/2006" xmlns:mv="urn:schemas-microsoft-com:mac:vml" xmlns:p="http://schemas.openxmlformats.org/presentationml/2006/main" xmlns:c="http://schemas.openxmlformats.org/drawingml/2006/chart" xmlns:dgm="http://schemas.openxmlformats.org/drawingml/2006/diagram" xmlns:o="urn:schemas-microsoft-com:office:office" xmlns:v="urn:schemas-microsoft-com:vml" xmlns:pvml="urn:schemas-microsoft-com:office:powerpoint" xmlns:com="http://schemas.openxmlformats.org/drawingml/2006/compatibility" xmlns:p14="http://schemas.microsoft.com/office/powerpoint/2010/main" xmlns:p15="http://schemas.microsoft.com/office/powerpoint/2012/main" xmlns:ahyp="http://schemas.microsoft.com/office/drawing/2018/hyperlinkcolor" matchingName="1_Titel und Inhalt">
-  <p:cSld name="1_Titel und Inhalt">
+<p:sldLayout xmlns:a="http://schemas.openxmlformats.org/drawingml/2006/main" xmlns:r="http://schemas.openxmlformats.org/officeDocument/2006/relationships" xmlns:mc="http://schemas.openxmlformats.org/markup-compatibility/2006" xmlns:mv="urn:schemas-microsoft-com:mac:vml" xmlns:p="http://schemas.openxmlformats.org/presentationml/2006/main" xmlns:c="http://schemas.openxmlformats.org/drawingml/2006/chart" xmlns:dgm="http://schemas.openxmlformats.org/drawingml/2006/diagram" xmlns:o="urn:schemas-microsoft-com:office:office" xmlns:v="urn:schemas-microsoft-com:vml" xmlns:pvml="urn:schemas-microsoft-com:office:powerpoint" xmlns:com="http://schemas.openxmlformats.org/drawingml/2006/compatibility" xmlns:p14="http://schemas.microsoft.com/office/powerpoint/2010/main" xmlns:p15="http://schemas.microsoft.com/office/powerpoint/2012/main" xmlns:ahyp="http://schemas.microsoft.com/office/drawing/2018/hyperlinkcolor" matchingName="1_Titel und Diagramm">
+  <p:cSld name="1_Titel und Diagramm">
     <p:spTree>
       <p:nvGrpSpPr>
         <p:cNvPr id="20" name="Shape 20"/>
@@ -4965,6 +5298,510 @@
       <p:sp>
         <p:nvSpPr>
           <p:cNvPr id="23" name="Google Shape;23;p3"/>
+          <p:cNvSpPr/>
+          <p:nvPr>
+            <p:ph idx="2" type="chart"/>
+          </p:nvPr>
+        </p:nvSpPr>
+        <p:spPr>
+          <a:xfrm>
+            <a:off x="431800" y="782241"/>
+            <a:ext cx="8375700" cy="3579000"/>
+          </a:xfrm>
+          <a:prstGeom prst="rect">
+            <a:avLst/>
+          </a:prstGeom>
+          <a:noFill/>
+          <a:ln>
+            <a:noFill/>
+          </a:ln>
+        </p:spPr>
+        <p:txBody>
+          <a:bodyPr anchorCtr="0" anchor="t" bIns="0" lIns="0" spcFirstLastPara="1" rIns="0" wrap="square" tIns="0">
+            <a:noAutofit/>
+          </a:bodyPr>
+          <a:lstStyle>
+            <a:lvl1pPr lvl="0" marR="0" rtl="0" algn="l">
+              <a:lnSpc>
+                <a:spcPct val="100000"/>
+              </a:lnSpc>
+              <a:spcBef>
+                <a:spcPts val="320"/>
+              </a:spcBef>
+              <a:spcAft>
+                <a:spcPts val="0"/>
+              </a:spcAft>
+              <a:buClr>
+                <a:srgbClr val="000000"/>
+              </a:buClr>
+              <a:buSzPts val="1400"/>
+              <a:buFont typeface="Arial"/>
+              <a:buNone/>
+              <a:defRPr b="0" i="0" sz="1600" u="none" cap="none" strike="noStrike">
+                <a:solidFill>
+                  <a:schemeClr val="dk1"/>
+                </a:solidFill>
+                <a:latin typeface="Arial"/>
+                <a:ea typeface="Arial"/>
+                <a:cs typeface="Arial"/>
+                <a:sym typeface="Arial"/>
+              </a:defRPr>
+            </a:lvl1pPr>
+            <a:lvl2pPr lvl="1" marR="0" rtl="0" algn="l">
+              <a:lnSpc>
+                <a:spcPct val="100000"/>
+              </a:lnSpc>
+              <a:spcBef>
+                <a:spcPts val="320"/>
+              </a:spcBef>
+              <a:spcAft>
+                <a:spcPts val="0"/>
+              </a:spcAft>
+              <a:buClr>
+                <a:schemeClr val="dk1"/>
+              </a:buClr>
+              <a:buSzPts val="1600"/>
+              <a:buFont typeface="Noto Sans Symbols"/>
+              <a:buChar char="▪"/>
+              <a:defRPr b="0" i="0" sz="1600" u="none" cap="none" strike="noStrike">
+                <a:solidFill>
+                  <a:schemeClr val="dk1"/>
+                </a:solidFill>
+                <a:latin typeface="Arial"/>
+                <a:ea typeface="Arial"/>
+                <a:cs typeface="Arial"/>
+                <a:sym typeface="Arial"/>
+              </a:defRPr>
+            </a:lvl2pPr>
+            <a:lvl3pPr lvl="2" marR="0" rtl="0" algn="l">
+              <a:lnSpc>
+                <a:spcPct val="100000"/>
+              </a:lnSpc>
+              <a:spcBef>
+                <a:spcPts val="320"/>
+              </a:spcBef>
+              <a:spcAft>
+                <a:spcPts val="0"/>
+              </a:spcAft>
+              <a:buClr>
+                <a:schemeClr val="dk1"/>
+              </a:buClr>
+              <a:buSzPts val="1600"/>
+              <a:buFont typeface="Noto Sans Symbols"/>
+              <a:buChar char="▪"/>
+              <a:defRPr b="0" i="0" sz="1600" u="none" cap="none" strike="noStrike">
+                <a:solidFill>
+                  <a:schemeClr val="dk1"/>
+                </a:solidFill>
+                <a:latin typeface="Arial"/>
+                <a:ea typeface="Arial"/>
+                <a:cs typeface="Arial"/>
+                <a:sym typeface="Arial"/>
+              </a:defRPr>
+            </a:lvl3pPr>
+            <a:lvl4pPr lvl="3" marR="0" rtl="0" algn="l">
+              <a:lnSpc>
+                <a:spcPct val="100000"/>
+              </a:lnSpc>
+              <a:spcBef>
+                <a:spcPts val="320"/>
+              </a:spcBef>
+              <a:spcAft>
+                <a:spcPts val="0"/>
+              </a:spcAft>
+              <a:buClr>
+                <a:schemeClr val="dk1"/>
+              </a:buClr>
+              <a:buSzPts val="1600"/>
+              <a:buFont typeface="Noto Sans Symbols"/>
+              <a:buChar char="▪"/>
+              <a:defRPr b="0" i="0" sz="1600" u="none" cap="none" strike="noStrike">
+                <a:solidFill>
+                  <a:schemeClr val="dk1"/>
+                </a:solidFill>
+                <a:latin typeface="Arial"/>
+                <a:ea typeface="Arial"/>
+                <a:cs typeface="Arial"/>
+                <a:sym typeface="Arial"/>
+              </a:defRPr>
+            </a:lvl4pPr>
+            <a:lvl5pPr lvl="4" marR="0" rtl="0" algn="l">
+              <a:lnSpc>
+                <a:spcPct val="100000"/>
+              </a:lnSpc>
+              <a:spcBef>
+                <a:spcPts val="320"/>
+              </a:spcBef>
+              <a:spcAft>
+                <a:spcPts val="0"/>
+              </a:spcAft>
+              <a:buClr>
+                <a:schemeClr val="dk1"/>
+              </a:buClr>
+              <a:buSzPts val="1600"/>
+              <a:buFont typeface="Noto Sans Symbols"/>
+              <a:buChar char="▪"/>
+              <a:defRPr b="0" i="0" sz="1600" u="none" cap="none" strike="noStrike">
+                <a:solidFill>
+                  <a:schemeClr val="dk1"/>
+                </a:solidFill>
+                <a:latin typeface="Arial"/>
+                <a:ea typeface="Arial"/>
+                <a:cs typeface="Arial"/>
+                <a:sym typeface="Arial"/>
+              </a:defRPr>
+            </a:lvl5pPr>
+            <a:lvl6pPr lvl="5" marR="0" rtl="0" algn="l">
+              <a:lnSpc>
+                <a:spcPct val="100000"/>
+              </a:lnSpc>
+              <a:spcBef>
+                <a:spcPts val="320"/>
+              </a:spcBef>
+              <a:spcAft>
+                <a:spcPts val="0"/>
+              </a:spcAft>
+              <a:buClr>
+                <a:schemeClr val="dk1"/>
+              </a:buClr>
+              <a:buSzPts val="1600"/>
+              <a:buFont typeface="Noto Sans Symbols"/>
+              <a:buChar char="▪"/>
+              <a:defRPr b="0" i="0" sz="1600" u="none" cap="none" strike="noStrike">
+                <a:solidFill>
+                  <a:schemeClr val="dk1"/>
+                </a:solidFill>
+                <a:latin typeface="Arial"/>
+                <a:ea typeface="Arial"/>
+                <a:cs typeface="Arial"/>
+                <a:sym typeface="Arial"/>
+              </a:defRPr>
+            </a:lvl6pPr>
+            <a:lvl7pPr lvl="6" marR="0" rtl="0" algn="l">
+              <a:lnSpc>
+                <a:spcPct val="100000"/>
+              </a:lnSpc>
+              <a:spcBef>
+                <a:spcPts val="320"/>
+              </a:spcBef>
+              <a:spcAft>
+                <a:spcPts val="0"/>
+              </a:spcAft>
+              <a:buClr>
+                <a:schemeClr val="dk1"/>
+              </a:buClr>
+              <a:buSzPts val="1600"/>
+              <a:buFont typeface="Noto Sans Symbols"/>
+              <a:buChar char="▪"/>
+              <a:defRPr b="0" i="0" sz="1600" u="none" cap="none" strike="noStrike">
+                <a:solidFill>
+                  <a:schemeClr val="dk1"/>
+                </a:solidFill>
+                <a:latin typeface="Arial"/>
+                <a:ea typeface="Arial"/>
+                <a:cs typeface="Arial"/>
+                <a:sym typeface="Arial"/>
+              </a:defRPr>
+            </a:lvl7pPr>
+            <a:lvl8pPr lvl="7" marR="0" rtl="0" algn="l">
+              <a:lnSpc>
+                <a:spcPct val="100000"/>
+              </a:lnSpc>
+              <a:spcBef>
+                <a:spcPts val="320"/>
+              </a:spcBef>
+              <a:spcAft>
+                <a:spcPts val="0"/>
+              </a:spcAft>
+              <a:buClr>
+                <a:schemeClr val="dk1"/>
+              </a:buClr>
+              <a:buSzPts val="1600"/>
+              <a:buFont typeface="Noto Sans Symbols"/>
+              <a:buChar char="▪"/>
+              <a:defRPr b="0" i="0" sz="1600" u="none" cap="none" strike="noStrike">
+                <a:solidFill>
+                  <a:schemeClr val="dk1"/>
+                </a:solidFill>
+                <a:latin typeface="Arial"/>
+                <a:ea typeface="Arial"/>
+                <a:cs typeface="Arial"/>
+                <a:sym typeface="Arial"/>
+              </a:defRPr>
+            </a:lvl8pPr>
+            <a:lvl9pPr lvl="8" marR="0" rtl="0" algn="l">
+              <a:lnSpc>
+                <a:spcPct val="100000"/>
+              </a:lnSpc>
+              <a:spcBef>
+                <a:spcPts val="320"/>
+              </a:spcBef>
+              <a:spcAft>
+                <a:spcPts val="0"/>
+              </a:spcAft>
+              <a:buClr>
+                <a:schemeClr val="dk1"/>
+              </a:buClr>
+              <a:buSzPts val="1600"/>
+              <a:buFont typeface="Noto Sans Symbols"/>
+              <a:buChar char="▪"/>
+              <a:defRPr b="0" i="0" sz="1600" u="none" cap="none" strike="noStrike">
+                <a:solidFill>
+                  <a:schemeClr val="dk1"/>
+                </a:solidFill>
+                <a:latin typeface="Arial"/>
+                <a:ea typeface="Arial"/>
+                <a:cs typeface="Arial"/>
+                <a:sym typeface="Arial"/>
+              </a:defRPr>
+            </a:lvl9pPr>
+          </a:lstStyle>
+          <a:p/>
+        </p:txBody>
+      </p:sp>
+    </p:spTree>
+  </p:cSld>
+  <p:clrMapOvr>
+    <a:masterClrMapping/>
+  </p:clrMapOvr>
+</p:sldLayout>
+</file>
+
+<file path=ppt/slideLayouts/slideLayout3.xml><?xml version="1.0" encoding="utf-8"?>
+<p:sldLayout xmlns:a="http://schemas.openxmlformats.org/drawingml/2006/main" xmlns:r="http://schemas.openxmlformats.org/officeDocument/2006/relationships" xmlns:mc="http://schemas.openxmlformats.org/markup-compatibility/2006" xmlns:mv="urn:schemas-microsoft-com:mac:vml" xmlns:p="http://schemas.openxmlformats.org/presentationml/2006/main" xmlns:c="http://schemas.openxmlformats.org/drawingml/2006/chart" xmlns:dgm="http://schemas.openxmlformats.org/drawingml/2006/diagram" xmlns:o="urn:schemas-microsoft-com:office:office" xmlns:v="urn:schemas-microsoft-com:vml" xmlns:pvml="urn:schemas-microsoft-com:office:powerpoint" xmlns:com="http://schemas.openxmlformats.org/drawingml/2006/compatibility" xmlns:p14="http://schemas.microsoft.com/office/powerpoint/2010/main" xmlns:p15="http://schemas.microsoft.com/office/powerpoint/2012/main" xmlns:ahyp="http://schemas.microsoft.com/office/drawing/2018/hyperlinkcolor" matchingName="1_Titel und Inhalt">
+  <p:cSld name="1_Titel und Inhalt">
+    <p:spTree>
+      <p:nvGrpSpPr>
+        <p:cNvPr id="24" name="Shape 24"/>
+        <p:cNvGrpSpPr/>
+        <p:nvPr/>
+      </p:nvGrpSpPr>
+      <p:grpSpPr>
+        <a:xfrm>
+          <a:off x="0" y="0"/>
+          <a:ext cx="0" cy="0"/>
+          <a:chOff x="0" y="0"/>
+          <a:chExt cx="0" cy="0"/>
+        </a:xfrm>
+      </p:grpSpPr>
+      <p:sp>
+        <p:nvSpPr>
+          <p:cNvPr id="25" name="Google Shape;25;p4"/>
+          <p:cNvSpPr/>
+          <p:nvPr/>
+        </p:nvSpPr>
+        <p:spPr>
+          <a:xfrm>
+            <a:off x="0" y="0"/>
+            <a:ext cx="9144000" cy="647700"/>
+          </a:xfrm>
+          <a:prstGeom prst="rect">
+            <a:avLst/>
+          </a:prstGeom>
+          <a:solidFill>
+            <a:srgbClr val="DDDDDD"/>
+          </a:solidFill>
+          <a:ln>
+            <a:noFill/>
+          </a:ln>
+        </p:spPr>
+        <p:txBody>
+          <a:bodyPr anchorCtr="0" anchor="ctr" bIns="45700" lIns="91425" spcFirstLastPara="1" rIns="91425" wrap="square" tIns="45700">
+            <a:noAutofit/>
+          </a:bodyPr>
+          <a:lstStyle/>
+          <a:p>
+            <a:pPr indent="0" lvl="0" marL="0" marR="0" rtl="0" algn="ctr">
+              <a:lnSpc>
+                <a:spcPct val="100000"/>
+              </a:lnSpc>
+              <a:spcBef>
+                <a:spcPts val="0"/>
+              </a:spcBef>
+              <a:spcAft>
+                <a:spcPts val="0"/>
+              </a:spcAft>
+              <a:buClr>
+                <a:srgbClr val="000000"/>
+              </a:buClr>
+              <a:buSzPts val="1800"/>
+              <a:buFont typeface="Arial"/>
+              <a:buNone/>
+            </a:pPr>
+            <a:r>
+              <a:t/>
+            </a:r>
+            <a:endParaRPr b="0" i="0" sz="1800" u="none" cap="none" strike="noStrike">
+              <a:solidFill>
+                <a:schemeClr val="accent2"/>
+              </a:solidFill>
+              <a:latin typeface="Arial"/>
+              <a:ea typeface="Arial"/>
+              <a:cs typeface="Arial"/>
+              <a:sym typeface="Arial"/>
+            </a:endParaRPr>
+          </a:p>
+        </p:txBody>
+      </p:sp>
+      <p:sp>
+        <p:nvSpPr>
+          <p:cNvPr id="26" name="Google Shape;26;p4"/>
+          <p:cNvSpPr txBox="1"/>
+          <p:nvPr>
+            <p:ph type="title"/>
+          </p:nvPr>
+        </p:nvSpPr>
+        <p:spPr>
+          <a:xfrm>
+            <a:off x="431800" y="83344"/>
+            <a:ext cx="8375700" cy="531000"/>
+          </a:xfrm>
+          <a:prstGeom prst="rect">
+            <a:avLst/>
+          </a:prstGeom>
+          <a:noFill/>
+          <a:ln>
+            <a:noFill/>
+          </a:ln>
+        </p:spPr>
+        <p:txBody>
+          <a:bodyPr anchorCtr="0" anchor="b" bIns="0" lIns="0" spcFirstLastPara="1" rIns="0" wrap="square" tIns="0">
+            <a:noAutofit/>
+          </a:bodyPr>
+          <a:lstStyle>
+            <a:lvl1pPr lvl="0" algn="l">
+              <a:lnSpc>
+                <a:spcPct val="100000"/>
+              </a:lnSpc>
+              <a:spcBef>
+                <a:spcPts val="0"/>
+              </a:spcBef>
+              <a:spcAft>
+                <a:spcPts val="0"/>
+              </a:spcAft>
+              <a:buSzPts val="1400"/>
+              <a:buNone/>
+              <a:defRPr/>
+            </a:lvl1pPr>
+            <a:lvl2pPr lvl="1" algn="l">
+              <a:lnSpc>
+                <a:spcPct val="100000"/>
+              </a:lnSpc>
+              <a:spcBef>
+                <a:spcPts val="0"/>
+              </a:spcBef>
+              <a:spcAft>
+                <a:spcPts val="0"/>
+              </a:spcAft>
+              <a:buSzPts val="1400"/>
+              <a:buNone/>
+              <a:defRPr/>
+            </a:lvl2pPr>
+            <a:lvl3pPr lvl="2" algn="l">
+              <a:lnSpc>
+                <a:spcPct val="100000"/>
+              </a:lnSpc>
+              <a:spcBef>
+                <a:spcPts val="0"/>
+              </a:spcBef>
+              <a:spcAft>
+                <a:spcPts val="0"/>
+              </a:spcAft>
+              <a:buSzPts val="1400"/>
+              <a:buNone/>
+              <a:defRPr/>
+            </a:lvl3pPr>
+            <a:lvl4pPr lvl="3" algn="l">
+              <a:lnSpc>
+                <a:spcPct val="100000"/>
+              </a:lnSpc>
+              <a:spcBef>
+                <a:spcPts val="0"/>
+              </a:spcBef>
+              <a:spcAft>
+                <a:spcPts val="0"/>
+              </a:spcAft>
+              <a:buSzPts val="1400"/>
+              <a:buNone/>
+              <a:defRPr/>
+            </a:lvl4pPr>
+            <a:lvl5pPr lvl="4" algn="l">
+              <a:lnSpc>
+                <a:spcPct val="100000"/>
+              </a:lnSpc>
+              <a:spcBef>
+                <a:spcPts val="0"/>
+              </a:spcBef>
+              <a:spcAft>
+                <a:spcPts val="0"/>
+              </a:spcAft>
+              <a:buSzPts val="1400"/>
+              <a:buNone/>
+              <a:defRPr/>
+            </a:lvl5pPr>
+            <a:lvl6pPr lvl="5" algn="l">
+              <a:lnSpc>
+                <a:spcPct val="100000"/>
+              </a:lnSpc>
+              <a:spcBef>
+                <a:spcPts val="0"/>
+              </a:spcBef>
+              <a:spcAft>
+                <a:spcPts val="0"/>
+              </a:spcAft>
+              <a:buSzPts val="1400"/>
+              <a:buNone/>
+              <a:defRPr/>
+            </a:lvl6pPr>
+            <a:lvl7pPr lvl="6" algn="l">
+              <a:lnSpc>
+                <a:spcPct val="100000"/>
+              </a:lnSpc>
+              <a:spcBef>
+                <a:spcPts val="0"/>
+              </a:spcBef>
+              <a:spcAft>
+                <a:spcPts val="0"/>
+              </a:spcAft>
+              <a:buSzPts val="1400"/>
+              <a:buNone/>
+              <a:defRPr/>
+            </a:lvl7pPr>
+            <a:lvl8pPr lvl="7" algn="l">
+              <a:lnSpc>
+                <a:spcPct val="100000"/>
+              </a:lnSpc>
+              <a:spcBef>
+                <a:spcPts val="0"/>
+              </a:spcBef>
+              <a:spcAft>
+                <a:spcPts val="0"/>
+              </a:spcAft>
+              <a:buSzPts val="1400"/>
+              <a:buNone/>
+              <a:defRPr/>
+            </a:lvl8pPr>
+            <a:lvl9pPr lvl="8" algn="l">
+              <a:lnSpc>
+                <a:spcPct val="100000"/>
+              </a:lnSpc>
+              <a:spcBef>
+                <a:spcPts val="0"/>
+              </a:spcBef>
+              <a:spcAft>
+                <a:spcPts val="0"/>
+              </a:spcAft>
+              <a:buSzPts val="1400"/>
+              <a:buNone/>
+              <a:defRPr/>
+            </a:lvl9pPr>
+          </a:lstStyle>
+          <a:p/>
+        </p:txBody>
+      </p:sp>
+      <p:sp>
+        <p:nvSpPr>
+          <p:cNvPr id="27" name="Google Shape;27;p4"/>
           <p:cNvSpPr txBox="1"/>
           <p:nvPr>
             <p:ph idx="1" type="body"/>
@@ -5138,12 +5975,12 @@
 </p:sldLayout>
 </file>
 
-<file path=ppt/slideLayouts/slideLayout3.xml><?xml version="1.0" encoding="utf-8"?>
+<file path=ppt/slideLayouts/slideLayout4.xml><?xml version="1.0" encoding="utf-8"?>
 <p:sldLayout xmlns:a="http://schemas.openxmlformats.org/drawingml/2006/main" xmlns:r="http://schemas.openxmlformats.org/officeDocument/2006/relationships" xmlns:mc="http://schemas.openxmlformats.org/markup-compatibility/2006" xmlns:mv="urn:schemas-microsoft-com:mac:vml" xmlns:p="http://schemas.openxmlformats.org/presentationml/2006/main" xmlns:c="http://schemas.openxmlformats.org/drawingml/2006/chart" xmlns:dgm="http://schemas.openxmlformats.org/drawingml/2006/diagram" xmlns:o="urn:schemas-microsoft-com:office:office" xmlns:v="urn:schemas-microsoft-com:vml" xmlns:pvml="urn:schemas-microsoft-com:office:powerpoint" xmlns:com="http://schemas.openxmlformats.org/drawingml/2006/compatibility" xmlns:p14="http://schemas.microsoft.com/office/powerpoint/2010/main" xmlns:p15="http://schemas.microsoft.com/office/powerpoint/2012/main" xmlns:ahyp="http://schemas.microsoft.com/office/drawing/2018/hyperlinkcolor" matchingName="Titel und Inhalt">
   <p:cSld name="Titel und Inhalt">
     <p:spTree>
       <p:nvGrpSpPr>
-        <p:cNvPr id="24" name="Shape 24"/>
+        <p:cNvPr id="28" name="Shape 28"/>
         <p:cNvGrpSpPr/>
         <p:nvPr/>
       </p:nvGrpSpPr>
@@ -5157,7 +5994,7 @@
       </p:grpSpPr>
       <p:sp>
         <p:nvSpPr>
-          <p:cNvPr id="25" name="Google Shape;25;p4"/>
+          <p:cNvPr id="29" name="Google Shape;29;p5"/>
           <p:cNvSpPr txBox="1"/>
           <p:nvPr>
             <p:ph type="title"/>
@@ -5313,7 +6150,7 @@
       </p:sp>
       <p:sp>
         <p:nvSpPr>
-          <p:cNvPr id="26" name="Google Shape;26;p4"/>
+          <p:cNvPr id="30" name="Google Shape;30;p5"/>
           <p:cNvSpPr txBox="1"/>
           <p:nvPr>
             <p:ph idx="1" type="body"/>
@@ -5487,526 +6324,9 @@
 </p:sldLayout>
 </file>
 
-<file path=ppt/slideLayouts/slideLayout4.xml><?xml version="1.0" encoding="utf-8"?>
+<file path=ppt/slideLayouts/slideLayout5.xml><?xml version="1.0" encoding="utf-8"?>
 <p:sldLayout xmlns:a="http://schemas.openxmlformats.org/drawingml/2006/main" xmlns:r="http://schemas.openxmlformats.org/officeDocument/2006/relationships" xmlns:mc="http://schemas.openxmlformats.org/markup-compatibility/2006" xmlns:mv="urn:schemas-microsoft-com:mac:vml" xmlns:p="http://schemas.openxmlformats.org/presentationml/2006/main" xmlns:c="http://schemas.openxmlformats.org/drawingml/2006/chart" xmlns:dgm="http://schemas.openxmlformats.org/drawingml/2006/diagram" xmlns:o="urn:schemas-microsoft-com:office:office" xmlns:v="urn:schemas-microsoft-com:vml" xmlns:pvml="urn:schemas-microsoft-com:office:powerpoint" xmlns:com="http://schemas.openxmlformats.org/drawingml/2006/compatibility" xmlns:p14="http://schemas.microsoft.com/office/powerpoint/2010/main" xmlns:p15="http://schemas.microsoft.com/office/powerpoint/2012/main" xmlns:ahyp="http://schemas.microsoft.com/office/drawing/2018/hyperlinkcolor" matchingName="2_Titel und Inhalt">
   <p:cSld name="2_Titel und Inhalt">
-    <p:spTree>
-      <p:nvGrpSpPr>
-        <p:cNvPr id="27" name="Shape 27"/>
-        <p:cNvGrpSpPr/>
-        <p:nvPr/>
-      </p:nvGrpSpPr>
-      <p:grpSpPr>
-        <a:xfrm>
-          <a:off x="0" y="0"/>
-          <a:ext cx="0" cy="0"/>
-          <a:chOff x="0" y="0"/>
-          <a:chExt cx="0" cy="0"/>
-        </a:xfrm>
-      </p:grpSpPr>
-      <p:sp>
-        <p:nvSpPr>
-          <p:cNvPr id="28" name="Google Shape;28;p5"/>
-          <p:cNvSpPr txBox="1"/>
-          <p:nvPr>
-            <p:ph type="title"/>
-          </p:nvPr>
-        </p:nvSpPr>
-        <p:spPr>
-          <a:xfrm>
-            <a:off x="431800" y="83344"/>
-            <a:ext cx="8375700" cy="531000"/>
-          </a:xfrm>
-          <a:prstGeom prst="rect">
-            <a:avLst/>
-          </a:prstGeom>
-          <a:noFill/>
-          <a:ln>
-            <a:noFill/>
-          </a:ln>
-        </p:spPr>
-        <p:txBody>
-          <a:bodyPr anchorCtr="0" anchor="b" bIns="0" lIns="0" spcFirstLastPara="1" rIns="0" wrap="square" tIns="0">
-            <a:noAutofit/>
-          </a:bodyPr>
-          <a:lstStyle>
-            <a:lvl1pPr lvl="0" algn="l">
-              <a:lnSpc>
-                <a:spcPct val="100000"/>
-              </a:lnSpc>
-              <a:spcBef>
-                <a:spcPts val="0"/>
-              </a:spcBef>
-              <a:spcAft>
-                <a:spcPts val="0"/>
-              </a:spcAft>
-              <a:buSzPts val="1400"/>
-              <a:buNone/>
-              <a:defRPr/>
-            </a:lvl1pPr>
-            <a:lvl2pPr lvl="1" algn="l">
-              <a:lnSpc>
-                <a:spcPct val="100000"/>
-              </a:lnSpc>
-              <a:spcBef>
-                <a:spcPts val="0"/>
-              </a:spcBef>
-              <a:spcAft>
-                <a:spcPts val="0"/>
-              </a:spcAft>
-              <a:buSzPts val="1400"/>
-              <a:buNone/>
-              <a:defRPr/>
-            </a:lvl2pPr>
-            <a:lvl3pPr lvl="2" algn="l">
-              <a:lnSpc>
-                <a:spcPct val="100000"/>
-              </a:lnSpc>
-              <a:spcBef>
-                <a:spcPts val="0"/>
-              </a:spcBef>
-              <a:spcAft>
-                <a:spcPts val="0"/>
-              </a:spcAft>
-              <a:buSzPts val="1400"/>
-              <a:buNone/>
-              <a:defRPr/>
-            </a:lvl3pPr>
-            <a:lvl4pPr lvl="3" algn="l">
-              <a:lnSpc>
-                <a:spcPct val="100000"/>
-              </a:lnSpc>
-              <a:spcBef>
-                <a:spcPts val="0"/>
-              </a:spcBef>
-              <a:spcAft>
-                <a:spcPts val="0"/>
-              </a:spcAft>
-              <a:buSzPts val="1400"/>
-              <a:buNone/>
-              <a:defRPr/>
-            </a:lvl4pPr>
-            <a:lvl5pPr lvl="4" algn="l">
-              <a:lnSpc>
-                <a:spcPct val="100000"/>
-              </a:lnSpc>
-              <a:spcBef>
-                <a:spcPts val="0"/>
-              </a:spcBef>
-              <a:spcAft>
-                <a:spcPts val="0"/>
-              </a:spcAft>
-              <a:buSzPts val="1400"/>
-              <a:buNone/>
-              <a:defRPr/>
-            </a:lvl5pPr>
-            <a:lvl6pPr lvl="5" algn="l">
-              <a:lnSpc>
-                <a:spcPct val="100000"/>
-              </a:lnSpc>
-              <a:spcBef>
-                <a:spcPts val="0"/>
-              </a:spcBef>
-              <a:spcAft>
-                <a:spcPts val="0"/>
-              </a:spcAft>
-              <a:buSzPts val="1400"/>
-              <a:buNone/>
-              <a:defRPr/>
-            </a:lvl6pPr>
-            <a:lvl7pPr lvl="6" algn="l">
-              <a:lnSpc>
-                <a:spcPct val="100000"/>
-              </a:lnSpc>
-              <a:spcBef>
-                <a:spcPts val="0"/>
-              </a:spcBef>
-              <a:spcAft>
-                <a:spcPts val="0"/>
-              </a:spcAft>
-              <a:buSzPts val="1400"/>
-              <a:buNone/>
-              <a:defRPr/>
-            </a:lvl7pPr>
-            <a:lvl8pPr lvl="7" algn="l">
-              <a:lnSpc>
-                <a:spcPct val="100000"/>
-              </a:lnSpc>
-              <a:spcBef>
-                <a:spcPts val="0"/>
-              </a:spcBef>
-              <a:spcAft>
-                <a:spcPts val="0"/>
-              </a:spcAft>
-              <a:buSzPts val="1400"/>
-              <a:buNone/>
-              <a:defRPr/>
-            </a:lvl8pPr>
-            <a:lvl9pPr lvl="8" algn="l">
-              <a:lnSpc>
-                <a:spcPct val="100000"/>
-              </a:lnSpc>
-              <a:spcBef>
-                <a:spcPts val="0"/>
-              </a:spcBef>
-              <a:spcAft>
-                <a:spcPts val="0"/>
-              </a:spcAft>
-              <a:buSzPts val="1400"/>
-              <a:buNone/>
-              <a:defRPr/>
-            </a:lvl9pPr>
-          </a:lstStyle>
-          <a:p/>
-        </p:txBody>
-      </p:sp>
-      <p:sp>
-        <p:nvSpPr>
-          <p:cNvPr id="29" name="Google Shape;29;p5"/>
-          <p:cNvSpPr txBox="1"/>
-          <p:nvPr>
-            <p:ph idx="1" type="body"/>
-          </p:nvPr>
-        </p:nvSpPr>
-        <p:spPr>
-          <a:xfrm>
-            <a:off x="431800" y="945000"/>
-            <a:ext cx="3600000" cy="3375000"/>
-          </a:xfrm>
-          <a:prstGeom prst="rect">
-            <a:avLst/>
-          </a:prstGeom>
-          <a:noFill/>
-          <a:ln>
-            <a:noFill/>
-          </a:ln>
-        </p:spPr>
-        <p:txBody>
-          <a:bodyPr anchorCtr="0" anchor="t" bIns="0" lIns="0" spcFirstLastPara="1" rIns="0" wrap="square" tIns="0">
-            <a:noAutofit/>
-          </a:bodyPr>
-          <a:lstStyle>
-            <a:lvl1pPr indent="-228600" lvl="0" marL="457200" algn="l">
-              <a:lnSpc>
-                <a:spcPct val="100000"/>
-              </a:lnSpc>
-              <a:spcBef>
-                <a:spcPts val="360"/>
-              </a:spcBef>
-              <a:spcAft>
-                <a:spcPts val="0"/>
-              </a:spcAft>
-              <a:buSzPts val="1400"/>
-              <a:buNone/>
-              <a:defRPr/>
-            </a:lvl1pPr>
-            <a:lvl2pPr indent="-342900" lvl="1" marL="914400" algn="l">
-              <a:lnSpc>
-                <a:spcPct val="100000"/>
-              </a:lnSpc>
-              <a:spcBef>
-                <a:spcPts val="360"/>
-              </a:spcBef>
-              <a:spcAft>
-                <a:spcPts val="0"/>
-              </a:spcAft>
-              <a:buSzPts val="1800"/>
-              <a:buChar char="▪"/>
-              <a:defRPr/>
-            </a:lvl2pPr>
-            <a:lvl3pPr indent="-342900" lvl="2" marL="1371600" algn="l">
-              <a:lnSpc>
-                <a:spcPct val="100000"/>
-              </a:lnSpc>
-              <a:spcBef>
-                <a:spcPts val="360"/>
-              </a:spcBef>
-              <a:spcAft>
-                <a:spcPts val="0"/>
-              </a:spcAft>
-              <a:buSzPts val="1800"/>
-              <a:buChar char="▪"/>
-              <a:defRPr/>
-            </a:lvl3pPr>
-            <a:lvl4pPr indent="-342900" lvl="3" marL="1828800" algn="l">
-              <a:lnSpc>
-                <a:spcPct val="100000"/>
-              </a:lnSpc>
-              <a:spcBef>
-                <a:spcPts val="360"/>
-              </a:spcBef>
-              <a:spcAft>
-                <a:spcPts val="0"/>
-              </a:spcAft>
-              <a:buSzPts val="1800"/>
-              <a:buChar char="▪"/>
-              <a:defRPr/>
-            </a:lvl4pPr>
-            <a:lvl5pPr indent="-342900" lvl="4" marL="2286000" algn="l">
-              <a:lnSpc>
-                <a:spcPct val="100000"/>
-              </a:lnSpc>
-              <a:spcBef>
-                <a:spcPts val="360"/>
-              </a:spcBef>
-              <a:spcAft>
-                <a:spcPts val="0"/>
-              </a:spcAft>
-              <a:buSzPts val="1800"/>
-              <a:buChar char="▪"/>
-              <a:defRPr/>
-            </a:lvl5pPr>
-            <a:lvl6pPr indent="-342900" lvl="5" marL="2743200" algn="l">
-              <a:lnSpc>
-                <a:spcPct val="100000"/>
-              </a:lnSpc>
-              <a:spcBef>
-                <a:spcPts val="360"/>
-              </a:spcBef>
-              <a:spcAft>
-                <a:spcPts val="0"/>
-              </a:spcAft>
-              <a:buClr>
-                <a:schemeClr val="dk1"/>
-              </a:buClr>
-              <a:buSzPts val="1800"/>
-              <a:buChar char="▪"/>
-              <a:defRPr/>
-            </a:lvl6pPr>
-            <a:lvl7pPr indent="-342900" lvl="6" marL="3200400" algn="l">
-              <a:lnSpc>
-                <a:spcPct val="100000"/>
-              </a:lnSpc>
-              <a:spcBef>
-                <a:spcPts val="360"/>
-              </a:spcBef>
-              <a:spcAft>
-                <a:spcPts val="0"/>
-              </a:spcAft>
-              <a:buClr>
-                <a:schemeClr val="dk1"/>
-              </a:buClr>
-              <a:buSzPts val="1800"/>
-              <a:buChar char="▪"/>
-              <a:defRPr/>
-            </a:lvl7pPr>
-            <a:lvl8pPr indent="-342900" lvl="7" marL="3657600" algn="l">
-              <a:lnSpc>
-                <a:spcPct val="100000"/>
-              </a:lnSpc>
-              <a:spcBef>
-                <a:spcPts val="360"/>
-              </a:spcBef>
-              <a:spcAft>
-                <a:spcPts val="0"/>
-              </a:spcAft>
-              <a:buClr>
-                <a:schemeClr val="dk1"/>
-              </a:buClr>
-              <a:buSzPts val="1800"/>
-              <a:buChar char="▪"/>
-              <a:defRPr/>
-            </a:lvl8pPr>
-            <a:lvl9pPr indent="-342900" lvl="8" marL="4114800" algn="l">
-              <a:lnSpc>
-                <a:spcPct val="100000"/>
-              </a:lnSpc>
-              <a:spcBef>
-                <a:spcPts val="360"/>
-              </a:spcBef>
-              <a:spcAft>
-                <a:spcPts val="0"/>
-              </a:spcAft>
-              <a:buClr>
-                <a:schemeClr val="dk1"/>
-              </a:buClr>
-              <a:buSzPts val="1800"/>
-              <a:buChar char="▪"/>
-              <a:defRPr/>
-            </a:lvl9pPr>
-          </a:lstStyle>
-          <a:p/>
-        </p:txBody>
-      </p:sp>
-      <p:sp>
-        <p:nvSpPr>
-          <p:cNvPr id="30" name="Google Shape;30;p5"/>
-          <p:cNvSpPr txBox="1"/>
-          <p:nvPr>
-            <p:ph idx="2" type="body"/>
-          </p:nvPr>
-        </p:nvSpPr>
-        <p:spPr>
-          <a:xfrm>
-            <a:off x="4860000" y="945000"/>
-            <a:ext cx="3600000" cy="3375000"/>
-          </a:xfrm>
-          <a:prstGeom prst="rect">
-            <a:avLst/>
-          </a:prstGeom>
-          <a:noFill/>
-          <a:ln>
-            <a:noFill/>
-          </a:ln>
-        </p:spPr>
-        <p:txBody>
-          <a:bodyPr anchorCtr="0" anchor="t" bIns="0" lIns="0" spcFirstLastPara="1" rIns="0" wrap="square" tIns="0">
-            <a:noAutofit/>
-          </a:bodyPr>
-          <a:lstStyle>
-            <a:lvl1pPr indent="-228600" lvl="0" marL="457200" algn="l">
-              <a:lnSpc>
-                <a:spcPct val="100000"/>
-              </a:lnSpc>
-              <a:spcBef>
-                <a:spcPts val="360"/>
-              </a:spcBef>
-              <a:spcAft>
-                <a:spcPts val="0"/>
-              </a:spcAft>
-              <a:buSzPts val="1400"/>
-              <a:buNone/>
-              <a:defRPr/>
-            </a:lvl1pPr>
-            <a:lvl2pPr indent="-342900" lvl="1" marL="914400" algn="l">
-              <a:lnSpc>
-                <a:spcPct val="100000"/>
-              </a:lnSpc>
-              <a:spcBef>
-                <a:spcPts val="360"/>
-              </a:spcBef>
-              <a:spcAft>
-                <a:spcPts val="0"/>
-              </a:spcAft>
-              <a:buSzPts val="1800"/>
-              <a:buChar char="▪"/>
-              <a:defRPr/>
-            </a:lvl2pPr>
-            <a:lvl3pPr indent="-342900" lvl="2" marL="1371600" algn="l">
-              <a:lnSpc>
-                <a:spcPct val="100000"/>
-              </a:lnSpc>
-              <a:spcBef>
-                <a:spcPts val="360"/>
-              </a:spcBef>
-              <a:spcAft>
-                <a:spcPts val="0"/>
-              </a:spcAft>
-              <a:buSzPts val="1800"/>
-              <a:buChar char="▪"/>
-              <a:defRPr/>
-            </a:lvl3pPr>
-            <a:lvl4pPr indent="-342900" lvl="3" marL="1828800" algn="l">
-              <a:lnSpc>
-                <a:spcPct val="100000"/>
-              </a:lnSpc>
-              <a:spcBef>
-                <a:spcPts val="360"/>
-              </a:spcBef>
-              <a:spcAft>
-                <a:spcPts val="0"/>
-              </a:spcAft>
-              <a:buSzPts val="1800"/>
-              <a:buChar char="▪"/>
-              <a:defRPr/>
-            </a:lvl4pPr>
-            <a:lvl5pPr indent="-342900" lvl="4" marL="2286000" algn="l">
-              <a:lnSpc>
-                <a:spcPct val="100000"/>
-              </a:lnSpc>
-              <a:spcBef>
-                <a:spcPts val="360"/>
-              </a:spcBef>
-              <a:spcAft>
-                <a:spcPts val="0"/>
-              </a:spcAft>
-              <a:buSzPts val="1800"/>
-              <a:buChar char="▪"/>
-              <a:defRPr/>
-            </a:lvl5pPr>
-            <a:lvl6pPr indent="-342900" lvl="5" marL="2743200" algn="l">
-              <a:lnSpc>
-                <a:spcPct val="100000"/>
-              </a:lnSpc>
-              <a:spcBef>
-                <a:spcPts val="360"/>
-              </a:spcBef>
-              <a:spcAft>
-                <a:spcPts val="0"/>
-              </a:spcAft>
-              <a:buClr>
-                <a:schemeClr val="dk1"/>
-              </a:buClr>
-              <a:buSzPts val="1800"/>
-              <a:buChar char="▪"/>
-              <a:defRPr/>
-            </a:lvl6pPr>
-            <a:lvl7pPr indent="-342900" lvl="6" marL="3200400" algn="l">
-              <a:lnSpc>
-                <a:spcPct val="100000"/>
-              </a:lnSpc>
-              <a:spcBef>
-                <a:spcPts val="360"/>
-              </a:spcBef>
-              <a:spcAft>
-                <a:spcPts val="0"/>
-              </a:spcAft>
-              <a:buClr>
-                <a:schemeClr val="dk1"/>
-              </a:buClr>
-              <a:buSzPts val="1800"/>
-              <a:buChar char="▪"/>
-              <a:defRPr/>
-            </a:lvl7pPr>
-            <a:lvl8pPr indent="-342900" lvl="7" marL="3657600" algn="l">
-              <a:lnSpc>
-                <a:spcPct val="100000"/>
-              </a:lnSpc>
-              <a:spcBef>
-                <a:spcPts val="360"/>
-              </a:spcBef>
-              <a:spcAft>
-                <a:spcPts val="0"/>
-              </a:spcAft>
-              <a:buClr>
-                <a:schemeClr val="dk1"/>
-              </a:buClr>
-              <a:buSzPts val="1800"/>
-              <a:buChar char="▪"/>
-              <a:defRPr/>
-            </a:lvl8pPr>
-            <a:lvl9pPr indent="-342900" lvl="8" marL="4114800" algn="l">
-              <a:lnSpc>
-                <a:spcPct val="100000"/>
-              </a:lnSpc>
-              <a:spcBef>
-                <a:spcPts val="360"/>
-              </a:spcBef>
-              <a:spcAft>
-                <a:spcPts val="0"/>
-              </a:spcAft>
-              <a:buClr>
-                <a:schemeClr val="dk1"/>
-              </a:buClr>
-              <a:buSzPts val="1800"/>
-              <a:buChar char="▪"/>
-              <a:defRPr/>
-            </a:lvl9pPr>
-          </a:lstStyle>
-          <a:p/>
-        </p:txBody>
-      </p:sp>
-    </p:spTree>
-  </p:cSld>
-  <p:clrMapOvr>
-    <a:masterClrMapping/>
-  </p:clrMapOvr>
-</p:sldLayout>
-</file>
-
-<file path=ppt/slideLayouts/slideLayout5.xml><?xml version="1.0" encoding="utf-8"?>
-<p:sldLayout xmlns:a="http://schemas.openxmlformats.org/drawingml/2006/main" xmlns:r="http://schemas.openxmlformats.org/officeDocument/2006/relationships" xmlns:mc="http://schemas.openxmlformats.org/markup-compatibility/2006" xmlns:mv="urn:schemas-microsoft-com:mac:vml" xmlns:p="http://schemas.openxmlformats.org/presentationml/2006/main" xmlns:c="http://schemas.openxmlformats.org/drawingml/2006/chart" xmlns:dgm="http://schemas.openxmlformats.org/drawingml/2006/diagram" xmlns:o="urn:schemas-microsoft-com:office:office" xmlns:v="urn:schemas-microsoft-com:vml" xmlns:pvml="urn:schemas-microsoft-com:office:powerpoint" xmlns:com="http://schemas.openxmlformats.org/drawingml/2006/compatibility" xmlns:p14="http://schemas.microsoft.com/office/powerpoint/2010/main" xmlns:p15="http://schemas.microsoft.com/office/powerpoint/2012/main" xmlns:ahyp="http://schemas.microsoft.com/office/drawing/2018/hyperlinkcolor" matchingName="Titel und Diagramm" type="chart">
-  <p:cSld name="CHART">
     <p:spTree>
       <p:nvGrpSpPr>
         <p:cNvPr id="31" name="Shape 31"/>
@@ -6180,6 +6500,523 @@
       <p:sp>
         <p:nvSpPr>
           <p:cNvPr id="33" name="Google Shape;33;p6"/>
+          <p:cNvSpPr txBox="1"/>
+          <p:nvPr>
+            <p:ph idx="1" type="body"/>
+          </p:nvPr>
+        </p:nvSpPr>
+        <p:spPr>
+          <a:xfrm>
+            <a:off x="431800" y="945000"/>
+            <a:ext cx="3600000" cy="3375000"/>
+          </a:xfrm>
+          <a:prstGeom prst="rect">
+            <a:avLst/>
+          </a:prstGeom>
+          <a:noFill/>
+          <a:ln>
+            <a:noFill/>
+          </a:ln>
+        </p:spPr>
+        <p:txBody>
+          <a:bodyPr anchorCtr="0" anchor="t" bIns="0" lIns="0" spcFirstLastPara="1" rIns="0" wrap="square" tIns="0">
+            <a:noAutofit/>
+          </a:bodyPr>
+          <a:lstStyle>
+            <a:lvl1pPr indent="-228600" lvl="0" marL="457200" algn="l">
+              <a:lnSpc>
+                <a:spcPct val="100000"/>
+              </a:lnSpc>
+              <a:spcBef>
+                <a:spcPts val="360"/>
+              </a:spcBef>
+              <a:spcAft>
+                <a:spcPts val="0"/>
+              </a:spcAft>
+              <a:buSzPts val="1400"/>
+              <a:buNone/>
+              <a:defRPr/>
+            </a:lvl1pPr>
+            <a:lvl2pPr indent="-342900" lvl="1" marL="914400" algn="l">
+              <a:lnSpc>
+                <a:spcPct val="100000"/>
+              </a:lnSpc>
+              <a:spcBef>
+                <a:spcPts val="360"/>
+              </a:spcBef>
+              <a:spcAft>
+                <a:spcPts val="0"/>
+              </a:spcAft>
+              <a:buSzPts val="1800"/>
+              <a:buChar char="▪"/>
+              <a:defRPr/>
+            </a:lvl2pPr>
+            <a:lvl3pPr indent="-342900" lvl="2" marL="1371600" algn="l">
+              <a:lnSpc>
+                <a:spcPct val="100000"/>
+              </a:lnSpc>
+              <a:spcBef>
+                <a:spcPts val="360"/>
+              </a:spcBef>
+              <a:spcAft>
+                <a:spcPts val="0"/>
+              </a:spcAft>
+              <a:buSzPts val="1800"/>
+              <a:buChar char="▪"/>
+              <a:defRPr/>
+            </a:lvl3pPr>
+            <a:lvl4pPr indent="-342900" lvl="3" marL="1828800" algn="l">
+              <a:lnSpc>
+                <a:spcPct val="100000"/>
+              </a:lnSpc>
+              <a:spcBef>
+                <a:spcPts val="360"/>
+              </a:spcBef>
+              <a:spcAft>
+                <a:spcPts val="0"/>
+              </a:spcAft>
+              <a:buSzPts val="1800"/>
+              <a:buChar char="▪"/>
+              <a:defRPr/>
+            </a:lvl4pPr>
+            <a:lvl5pPr indent="-342900" lvl="4" marL="2286000" algn="l">
+              <a:lnSpc>
+                <a:spcPct val="100000"/>
+              </a:lnSpc>
+              <a:spcBef>
+                <a:spcPts val="360"/>
+              </a:spcBef>
+              <a:spcAft>
+                <a:spcPts val="0"/>
+              </a:spcAft>
+              <a:buSzPts val="1800"/>
+              <a:buChar char="▪"/>
+              <a:defRPr/>
+            </a:lvl5pPr>
+            <a:lvl6pPr indent="-342900" lvl="5" marL="2743200" algn="l">
+              <a:lnSpc>
+                <a:spcPct val="100000"/>
+              </a:lnSpc>
+              <a:spcBef>
+                <a:spcPts val="360"/>
+              </a:spcBef>
+              <a:spcAft>
+                <a:spcPts val="0"/>
+              </a:spcAft>
+              <a:buClr>
+                <a:schemeClr val="dk1"/>
+              </a:buClr>
+              <a:buSzPts val="1800"/>
+              <a:buChar char="▪"/>
+              <a:defRPr/>
+            </a:lvl6pPr>
+            <a:lvl7pPr indent="-342900" lvl="6" marL="3200400" algn="l">
+              <a:lnSpc>
+                <a:spcPct val="100000"/>
+              </a:lnSpc>
+              <a:spcBef>
+                <a:spcPts val="360"/>
+              </a:spcBef>
+              <a:spcAft>
+                <a:spcPts val="0"/>
+              </a:spcAft>
+              <a:buClr>
+                <a:schemeClr val="dk1"/>
+              </a:buClr>
+              <a:buSzPts val="1800"/>
+              <a:buChar char="▪"/>
+              <a:defRPr/>
+            </a:lvl7pPr>
+            <a:lvl8pPr indent="-342900" lvl="7" marL="3657600" algn="l">
+              <a:lnSpc>
+                <a:spcPct val="100000"/>
+              </a:lnSpc>
+              <a:spcBef>
+                <a:spcPts val="360"/>
+              </a:spcBef>
+              <a:spcAft>
+                <a:spcPts val="0"/>
+              </a:spcAft>
+              <a:buClr>
+                <a:schemeClr val="dk1"/>
+              </a:buClr>
+              <a:buSzPts val="1800"/>
+              <a:buChar char="▪"/>
+              <a:defRPr/>
+            </a:lvl8pPr>
+            <a:lvl9pPr indent="-342900" lvl="8" marL="4114800" algn="l">
+              <a:lnSpc>
+                <a:spcPct val="100000"/>
+              </a:lnSpc>
+              <a:spcBef>
+                <a:spcPts val="360"/>
+              </a:spcBef>
+              <a:spcAft>
+                <a:spcPts val="0"/>
+              </a:spcAft>
+              <a:buClr>
+                <a:schemeClr val="dk1"/>
+              </a:buClr>
+              <a:buSzPts val="1800"/>
+              <a:buChar char="▪"/>
+              <a:defRPr/>
+            </a:lvl9pPr>
+          </a:lstStyle>
+          <a:p/>
+        </p:txBody>
+      </p:sp>
+      <p:sp>
+        <p:nvSpPr>
+          <p:cNvPr id="34" name="Google Shape;34;p6"/>
+          <p:cNvSpPr txBox="1"/>
+          <p:nvPr>
+            <p:ph idx="2" type="body"/>
+          </p:nvPr>
+        </p:nvSpPr>
+        <p:spPr>
+          <a:xfrm>
+            <a:off x="4860000" y="945000"/>
+            <a:ext cx="3600000" cy="3375000"/>
+          </a:xfrm>
+          <a:prstGeom prst="rect">
+            <a:avLst/>
+          </a:prstGeom>
+          <a:noFill/>
+          <a:ln>
+            <a:noFill/>
+          </a:ln>
+        </p:spPr>
+        <p:txBody>
+          <a:bodyPr anchorCtr="0" anchor="t" bIns="0" lIns="0" spcFirstLastPara="1" rIns="0" wrap="square" tIns="0">
+            <a:noAutofit/>
+          </a:bodyPr>
+          <a:lstStyle>
+            <a:lvl1pPr indent="-228600" lvl="0" marL="457200" algn="l">
+              <a:lnSpc>
+                <a:spcPct val="100000"/>
+              </a:lnSpc>
+              <a:spcBef>
+                <a:spcPts val="360"/>
+              </a:spcBef>
+              <a:spcAft>
+                <a:spcPts val="0"/>
+              </a:spcAft>
+              <a:buSzPts val="1400"/>
+              <a:buNone/>
+              <a:defRPr/>
+            </a:lvl1pPr>
+            <a:lvl2pPr indent="-342900" lvl="1" marL="914400" algn="l">
+              <a:lnSpc>
+                <a:spcPct val="100000"/>
+              </a:lnSpc>
+              <a:spcBef>
+                <a:spcPts val="360"/>
+              </a:spcBef>
+              <a:spcAft>
+                <a:spcPts val="0"/>
+              </a:spcAft>
+              <a:buSzPts val="1800"/>
+              <a:buChar char="▪"/>
+              <a:defRPr/>
+            </a:lvl2pPr>
+            <a:lvl3pPr indent="-342900" lvl="2" marL="1371600" algn="l">
+              <a:lnSpc>
+                <a:spcPct val="100000"/>
+              </a:lnSpc>
+              <a:spcBef>
+                <a:spcPts val="360"/>
+              </a:spcBef>
+              <a:spcAft>
+                <a:spcPts val="0"/>
+              </a:spcAft>
+              <a:buSzPts val="1800"/>
+              <a:buChar char="▪"/>
+              <a:defRPr/>
+            </a:lvl3pPr>
+            <a:lvl4pPr indent="-342900" lvl="3" marL="1828800" algn="l">
+              <a:lnSpc>
+                <a:spcPct val="100000"/>
+              </a:lnSpc>
+              <a:spcBef>
+                <a:spcPts val="360"/>
+              </a:spcBef>
+              <a:spcAft>
+                <a:spcPts val="0"/>
+              </a:spcAft>
+              <a:buSzPts val="1800"/>
+              <a:buChar char="▪"/>
+              <a:defRPr/>
+            </a:lvl4pPr>
+            <a:lvl5pPr indent="-342900" lvl="4" marL="2286000" algn="l">
+              <a:lnSpc>
+                <a:spcPct val="100000"/>
+              </a:lnSpc>
+              <a:spcBef>
+                <a:spcPts val="360"/>
+              </a:spcBef>
+              <a:spcAft>
+                <a:spcPts val="0"/>
+              </a:spcAft>
+              <a:buSzPts val="1800"/>
+              <a:buChar char="▪"/>
+              <a:defRPr/>
+            </a:lvl5pPr>
+            <a:lvl6pPr indent="-342900" lvl="5" marL="2743200" algn="l">
+              <a:lnSpc>
+                <a:spcPct val="100000"/>
+              </a:lnSpc>
+              <a:spcBef>
+                <a:spcPts val="360"/>
+              </a:spcBef>
+              <a:spcAft>
+                <a:spcPts val="0"/>
+              </a:spcAft>
+              <a:buClr>
+                <a:schemeClr val="dk1"/>
+              </a:buClr>
+              <a:buSzPts val="1800"/>
+              <a:buChar char="▪"/>
+              <a:defRPr/>
+            </a:lvl6pPr>
+            <a:lvl7pPr indent="-342900" lvl="6" marL="3200400" algn="l">
+              <a:lnSpc>
+                <a:spcPct val="100000"/>
+              </a:lnSpc>
+              <a:spcBef>
+                <a:spcPts val="360"/>
+              </a:spcBef>
+              <a:spcAft>
+                <a:spcPts val="0"/>
+              </a:spcAft>
+              <a:buClr>
+                <a:schemeClr val="dk1"/>
+              </a:buClr>
+              <a:buSzPts val="1800"/>
+              <a:buChar char="▪"/>
+              <a:defRPr/>
+            </a:lvl7pPr>
+            <a:lvl8pPr indent="-342900" lvl="7" marL="3657600" algn="l">
+              <a:lnSpc>
+                <a:spcPct val="100000"/>
+              </a:lnSpc>
+              <a:spcBef>
+                <a:spcPts val="360"/>
+              </a:spcBef>
+              <a:spcAft>
+                <a:spcPts val="0"/>
+              </a:spcAft>
+              <a:buClr>
+                <a:schemeClr val="dk1"/>
+              </a:buClr>
+              <a:buSzPts val="1800"/>
+              <a:buChar char="▪"/>
+              <a:defRPr/>
+            </a:lvl8pPr>
+            <a:lvl9pPr indent="-342900" lvl="8" marL="4114800" algn="l">
+              <a:lnSpc>
+                <a:spcPct val="100000"/>
+              </a:lnSpc>
+              <a:spcBef>
+                <a:spcPts val="360"/>
+              </a:spcBef>
+              <a:spcAft>
+                <a:spcPts val="0"/>
+              </a:spcAft>
+              <a:buClr>
+                <a:schemeClr val="dk1"/>
+              </a:buClr>
+              <a:buSzPts val="1800"/>
+              <a:buChar char="▪"/>
+              <a:defRPr/>
+            </a:lvl9pPr>
+          </a:lstStyle>
+          <a:p/>
+        </p:txBody>
+      </p:sp>
+    </p:spTree>
+  </p:cSld>
+  <p:clrMapOvr>
+    <a:masterClrMapping/>
+  </p:clrMapOvr>
+</p:sldLayout>
+</file>
+
+<file path=ppt/slideLayouts/slideLayout6.xml><?xml version="1.0" encoding="utf-8"?>
+<p:sldLayout xmlns:a="http://schemas.openxmlformats.org/drawingml/2006/main" xmlns:r="http://schemas.openxmlformats.org/officeDocument/2006/relationships" xmlns:mc="http://schemas.openxmlformats.org/markup-compatibility/2006" xmlns:mv="urn:schemas-microsoft-com:mac:vml" xmlns:p="http://schemas.openxmlformats.org/presentationml/2006/main" xmlns:c="http://schemas.openxmlformats.org/drawingml/2006/chart" xmlns:dgm="http://schemas.openxmlformats.org/drawingml/2006/diagram" xmlns:o="urn:schemas-microsoft-com:office:office" xmlns:v="urn:schemas-microsoft-com:vml" xmlns:pvml="urn:schemas-microsoft-com:office:powerpoint" xmlns:com="http://schemas.openxmlformats.org/drawingml/2006/compatibility" xmlns:p14="http://schemas.microsoft.com/office/powerpoint/2010/main" xmlns:p15="http://schemas.microsoft.com/office/powerpoint/2012/main" xmlns:ahyp="http://schemas.microsoft.com/office/drawing/2018/hyperlinkcolor" matchingName="Titel und Diagramm" type="chart">
+  <p:cSld name="CHART">
+    <p:spTree>
+      <p:nvGrpSpPr>
+        <p:cNvPr id="35" name="Shape 35"/>
+        <p:cNvGrpSpPr/>
+        <p:nvPr/>
+      </p:nvGrpSpPr>
+      <p:grpSpPr>
+        <a:xfrm>
+          <a:off x="0" y="0"/>
+          <a:ext cx="0" cy="0"/>
+          <a:chOff x="0" y="0"/>
+          <a:chExt cx="0" cy="0"/>
+        </a:xfrm>
+      </p:grpSpPr>
+      <p:sp>
+        <p:nvSpPr>
+          <p:cNvPr id="36" name="Google Shape;36;p7"/>
+          <p:cNvSpPr txBox="1"/>
+          <p:nvPr>
+            <p:ph type="title"/>
+          </p:nvPr>
+        </p:nvSpPr>
+        <p:spPr>
+          <a:xfrm>
+            <a:off x="431800" y="83344"/>
+            <a:ext cx="8375700" cy="531000"/>
+          </a:xfrm>
+          <a:prstGeom prst="rect">
+            <a:avLst/>
+          </a:prstGeom>
+          <a:noFill/>
+          <a:ln>
+            <a:noFill/>
+          </a:ln>
+        </p:spPr>
+        <p:txBody>
+          <a:bodyPr anchorCtr="0" anchor="b" bIns="0" lIns="0" spcFirstLastPara="1" rIns="0" wrap="square" tIns="0">
+            <a:noAutofit/>
+          </a:bodyPr>
+          <a:lstStyle>
+            <a:lvl1pPr lvl="0" algn="l">
+              <a:lnSpc>
+                <a:spcPct val="100000"/>
+              </a:lnSpc>
+              <a:spcBef>
+                <a:spcPts val="0"/>
+              </a:spcBef>
+              <a:spcAft>
+                <a:spcPts val="0"/>
+              </a:spcAft>
+              <a:buSzPts val="1400"/>
+              <a:buNone/>
+              <a:defRPr/>
+            </a:lvl1pPr>
+            <a:lvl2pPr lvl="1" algn="l">
+              <a:lnSpc>
+                <a:spcPct val="100000"/>
+              </a:lnSpc>
+              <a:spcBef>
+                <a:spcPts val="0"/>
+              </a:spcBef>
+              <a:spcAft>
+                <a:spcPts val="0"/>
+              </a:spcAft>
+              <a:buSzPts val="1400"/>
+              <a:buNone/>
+              <a:defRPr/>
+            </a:lvl2pPr>
+            <a:lvl3pPr lvl="2" algn="l">
+              <a:lnSpc>
+                <a:spcPct val="100000"/>
+              </a:lnSpc>
+              <a:spcBef>
+                <a:spcPts val="0"/>
+              </a:spcBef>
+              <a:spcAft>
+                <a:spcPts val="0"/>
+              </a:spcAft>
+              <a:buSzPts val="1400"/>
+              <a:buNone/>
+              <a:defRPr/>
+            </a:lvl3pPr>
+            <a:lvl4pPr lvl="3" algn="l">
+              <a:lnSpc>
+                <a:spcPct val="100000"/>
+              </a:lnSpc>
+              <a:spcBef>
+                <a:spcPts val="0"/>
+              </a:spcBef>
+              <a:spcAft>
+                <a:spcPts val="0"/>
+              </a:spcAft>
+              <a:buSzPts val="1400"/>
+              <a:buNone/>
+              <a:defRPr/>
+            </a:lvl4pPr>
+            <a:lvl5pPr lvl="4" algn="l">
+              <a:lnSpc>
+                <a:spcPct val="100000"/>
+              </a:lnSpc>
+              <a:spcBef>
+                <a:spcPts val="0"/>
+              </a:spcBef>
+              <a:spcAft>
+                <a:spcPts val="0"/>
+              </a:spcAft>
+              <a:buSzPts val="1400"/>
+              <a:buNone/>
+              <a:defRPr/>
+            </a:lvl5pPr>
+            <a:lvl6pPr lvl="5" algn="l">
+              <a:lnSpc>
+                <a:spcPct val="100000"/>
+              </a:lnSpc>
+              <a:spcBef>
+                <a:spcPts val="0"/>
+              </a:spcBef>
+              <a:spcAft>
+                <a:spcPts val="0"/>
+              </a:spcAft>
+              <a:buSzPts val="1400"/>
+              <a:buNone/>
+              <a:defRPr/>
+            </a:lvl6pPr>
+            <a:lvl7pPr lvl="6" algn="l">
+              <a:lnSpc>
+                <a:spcPct val="100000"/>
+              </a:lnSpc>
+              <a:spcBef>
+                <a:spcPts val="0"/>
+              </a:spcBef>
+              <a:spcAft>
+                <a:spcPts val="0"/>
+              </a:spcAft>
+              <a:buSzPts val="1400"/>
+              <a:buNone/>
+              <a:defRPr/>
+            </a:lvl7pPr>
+            <a:lvl8pPr lvl="7" algn="l">
+              <a:lnSpc>
+                <a:spcPct val="100000"/>
+              </a:lnSpc>
+              <a:spcBef>
+                <a:spcPts val="0"/>
+              </a:spcBef>
+              <a:spcAft>
+                <a:spcPts val="0"/>
+              </a:spcAft>
+              <a:buSzPts val="1400"/>
+              <a:buNone/>
+              <a:defRPr/>
+            </a:lvl8pPr>
+            <a:lvl9pPr lvl="8" algn="l">
+              <a:lnSpc>
+                <a:spcPct val="100000"/>
+              </a:lnSpc>
+              <a:spcBef>
+                <a:spcPts val="0"/>
+              </a:spcBef>
+              <a:spcAft>
+                <a:spcPts val="0"/>
+              </a:spcAft>
+              <a:buSzPts val="1400"/>
+              <a:buNone/>
+              <a:defRPr/>
+            </a:lvl9pPr>
+          </a:lstStyle>
+          <a:p/>
+        </p:txBody>
+      </p:sp>
+      <p:sp>
+        <p:nvSpPr>
+          <p:cNvPr id="37" name="Google Shape;37;p7"/>
           <p:cNvSpPr/>
           <p:nvPr>
             <p:ph idx="2" type="chart"/>
@@ -6449,12 +7286,12 @@
 </p:sldLayout>
 </file>
 
-<file path=ppt/slideLayouts/slideLayout6.xml><?xml version="1.0" encoding="utf-8"?>
+<file path=ppt/slideLayouts/slideLayout7.xml><?xml version="1.0" encoding="utf-8"?>
 <p:sldLayout xmlns:a="http://schemas.openxmlformats.org/drawingml/2006/main" xmlns:r="http://schemas.openxmlformats.org/officeDocument/2006/relationships" xmlns:mc="http://schemas.openxmlformats.org/markup-compatibility/2006" xmlns:mv="urn:schemas-microsoft-com:mac:vml" xmlns:p="http://schemas.openxmlformats.org/presentationml/2006/main" xmlns:c="http://schemas.openxmlformats.org/drawingml/2006/chart" xmlns:dgm="http://schemas.openxmlformats.org/drawingml/2006/diagram" xmlns:o="urn:schemas-microsoft-com:office:office" xmlns:v="urn:schemas-microsoft-com:vml" xmlns:pvml="urn:schemas-microsoft-com:office:powerpoint" xmlns:com="http://schemas.openxmlformats.org/drawingml/2006/compatibility" xmlns:p14="http://schemas.microsoft.com/office/powerpoint/2010/main" xmlns:p15="http://schemas.microsoft.com/office/powerpoint/2012/main" xmlns:ahyp="http://schemas.microsoft.com/office/drawing/2018/hyperlinkcolor" matchingName="Nur Titel" type="titleOnly">
   <p:cSld name="TITLE_ONLY">
     <p:spTree>
       <p:nvGrpSpPr>
-        <p:cNvPr id="34" name="Shape 34"/>
+        <p:cNvPr id="38" name="Shape 38"/>
         <p:cNvGrpSpPr/>
         <p:nvPr/>
       </p:nvGrpSpPr>
@@ -6468,7 +7305,7 @@
       </p:grpSpPr>
       <p:sp>
         <p:nvSpPr>
-          <p:cNvPr id="35" name="Google Shape;35;p7"/>
+          <p:cNvPr id="39" name="Google Shape;39;p8"/>
           <p:cNvSpPr txBox="1"/>
           <p:nvPr>
             <p:ph type="title"/>
@@ -6630,12 +7467,12 @@
 </p:sldLayout>
 </file>
 
-<file path=ppt/slideLayouts/slideLayout7.xml><?xml version="1.0" encoding="utf-8"?>
+<file path=ppt/slideLayouts/slideLayout8.xml><?xml version="1.0" encoding="utf-8"?>
 <p:sldLayout xmlns:a="http://schemas.openxmlformats.org/drawingml/2006/main" xmlns:r="http://schemas.openxmlformats.org/officeDocument/2006/relationships" xmlns:mc="http://schemas.openxmlformats.org/markup-compatibility/2006" xmlns:mv="urn:schemas-microsoft-com:mac:vml" xmlns:p="http://schemas.openxmlformats.org/presentationml/2006/main" xmlns:c="http://schemas.openxmlformats.org/drawingml/2006/chart" xmlns:dgm="http://schemas.openxmlformats.org/drawingml/2006/diagram" xmlns:o="urn:schemas-microsoft-com:office:office" xmlns:v="urn:schemas-microsoft-com:vml" xmlns:pvml="urn:schemas-microsoft-com:office:powerpoint" xmlns:com="http://schemas.openxmlformats.org/drawingml/2006/compatibility" xmlns:p14="http://schemas.microsoft.com/office/powerpoint/2010/main" xmlns:p15="http://schemas.microsoft.com/office/powerpoint/2012/main" xmlns:ahyp="http://schemas.microsoft.com/office/drawing/2018/hyperlinkcolor" matchingName="3_Titel und Inhalt">
   <p:cSld name="3_Titel und Inhalt">
     <p:spTree>
       <p:nvGrpSpPr>
-        <p:cNvPr id="36" name="Shape 36"/>
+        <p:cNvPr id="40" name="Shape 40"/>
         <p:cNvGrpSpPr/>
         <p:nvPr/>
       </p:nvGrpSpPr>
@@ -6649,7 +7486,7 @@
       </p:grpSpPr>
       <p:sp>
         <p:nvSpPr>
-          <p:cNvPr id="37" name="Google Shape;37;p8"/>
+          <p:cNvPr id="41" name="Google Shape;41;p9"/>
           <p:cNvSpPr/>
           <p:nvPr/>
         </p:nvSpPr>
@@ -6708,7 +7545,7 @@
       </p:sp>
       <p:sp>
         <p:nvSpPr>
-          <p:cNvPr id="38" name="Google Shape;38;p8"/>
+          <p:cNvPr id="42" name="Google Shape;42;p9"/>
           <p:cNvSpPr txBox="1"/>
           <p:nvPr>
             <p:ph type="title"/>
@@ -6864,7 +7701,7 @@
       </p:sp>
       <p:sp>
         <p:nvSpPr>
-          <p:cNvPr id="39" name="Google Shape;39;p8"/>
+          <p:cNvPr id="43" name="Google Shape;43;p9"/>
           <p:cNvSpPr txBox="1"/>
           <p:nvPr>
             <p:ph idx="1" type="body"/>
@@ -7032,7 +7869,7 @@
       </p:sp>
       <p:sp>
         <p:nvSpPr>
-          <p:cNvPr id="40" name="Google Shape;40;p8"/>
+          <p:cNvPr id="44" name="Google Shape;44;p9"/>
           <p:cNvSpPr txBox="1"/>
           <p:nvPr>
             <p:ph idx="2" type="body"/>
@@ -7193,510 +8030,6 @@
               <a:buSzPts val="1800"/>
               <a:buChar char="▪"/>
               <a:defRPr/>
-            </a:lvl9pPr>
-          </a:lstStyle>
-          <a:p/>
-        </p:txBody>
-      </p:sp>
-    </p:spTree>
-  </p:cSld>
-  <p:clrMapOvr>
-    <a:masterClrMapping/>
-  </p:clrMapOvr>
-</p:sldLayout>
-</file>
-
-<file path=ppt/slideLayouts/slideLayout8.xml><?xml version="1.0" encoding="utf-8"?>
-<p:sldLayout xmlns:a="http://schemas.openxmlformats.org/drawingml/2006/main" xmlns:r="http://schemas.openxmlformats.org/officeDocument/2006/relationships" xmlns:mc="http://schemas.openxmlformats.org/markup-compatibility/2006" xmlns:mv="urn:schemas-microsoft-com:mac:vml" xmlns:p="http://schemas.openxmlformats.org/presentationml/2006/main" xmlns:c="http://schemas.openxmlformats.org/drawingml/2006/chart" xmlns:dgm="http://schemas.openxmlformats.org/drawingml/2006/diagram" xmlns:o="urn:schemas-microsoft-com:office:office" xmlns:v="urn:schemas-microsoft-com:vml" xmlns:pvml="urn:schemas-microsoft-com:office:powerpoint" xmlns:com="http://schemas.openxmlformats.org/drawingml/2006/compatibility" xmlns:p14="http://schemas.microsoft.com/office/powerpoint/2010/main" xmlns:p15="http://schemas.microsoft.com/office/powerpoint/2012/main" xmlns:ahyp="http://schemas.microsoft.com/office/drawing/2018/hyperlinkcolor" matchingName="1_Titel und Diagramm">
-  <p:cSld name="1_Titel und Diagramm">
-    <p:spTree>
-      <p:nvGrpSpPr>
-        <p:cNvPr id="41" name="Shape 41"/>
-        <p:cNvGrpSpPr/>
-        <p:nvPr/>
-      </p:nvGrpSpPr>
-      <p:grpSpPr>
-        <a:xfrm>
-          <a:off x="0" y="0"/>
-          <a:ext cx="0" cy="0"/>
-          <a:chOff x="0" y="0"/>
-          <a:chExt cx="0" cy="0"/>
-        </a:xfrm>
-      </p:grpSpPr>
-      <p:sp>
-        <p:nvSpPr>
-          <p:cNvPr id="42" name="Google Shape;42;p9"/>
-          <p:cNvSpPr/>
-          <p:nvPr/>
-        </p:nvSpPr>
-        <p:spPr>
-          <a:xfrm>
-            <a:off x="0" y="0"/>
-            <a:ext cx="9144000" cy="647700"/>
-          </a:xfrm>
-          <a:prstGeom prst="rect">
-            <a:avLst/>
-          </a:prstGeom>
-          <a:solidFill>
-            <a:srgbClr val="DDDDDD"/>
-          </a:solidFill>
-          <a:ln>
-            <a:noFill/>
-          </a:ln>
-        </p:spPr>
-        <p:txBody>
-          <a:bodyPr anchorCtr="0" anchor="ctr" bIns="45700" lIns="91425" spcFirstLastPara="1" rIns="91425" wrap="square" tIns="45700">
-            <a:noAutofit/>
-          </a:bodyPr>
-          <a:lstStyle/>
-          <a:p>
-            <a:pPr indent="0" lvl="0" marL="0" marR="0" rtl="0" algn="ctr">
-              <a:lnSpc>
-                <a:spcPct val="100000"/>
-              </a:lnSpc>
-              <a:spcBef>
-                <a:spcPts val="0"/>
-              </a:spcBef>
-              <a:spcAft>
-                <a:spcPts val="0"/>
-              </a:spcAft>
-              <a:buClr>
-                <a:srgbClr val="000000"/>
-              </a:buClr>
-              <a:buSzPts val="1800"/>
-              <a:buFont typeface="Arial"/>
-              <a:buNone/>
-            </a:pPr>
-            <a:r>
-              <a:t/>
-            </a:r>
-            <a:endParaRPr b="0" i="0" sz="1800" u="none" cap="none" strike="noStrike">
-              <a:solidFill>
-                <a:schemeClr val="accent2"/>
-              </a:solidFill>
-              <a:latin typeface="Arial"/>
-              <a:ea typeface="Arial"/>
-              <a:cs typeface="Arial"/>
-              <a:sym typeface="Arial"/>
-            </a:endParaRPr>
-          </a:p>
-        </p:txBody>
-      </p:sp>
-      <p:sp>
-        <p:nvSpPr>
-          <p:cNvPr id="43" name="Google Shape;43;p9"/>
-          <p:cNvSpPr txBox="1"/>
-          <p:nvPr>
-            <p:ph type="title"/>
-          </p:nvPr>
-        </p:nvSpPr>
-        <p:spPr>
-          <a:xfrm>
-            <a:off x="431800" y="83344"/>
-            <a:ext cx="8375700" cy="531000"/>
-          </a:xfrm>
-          <a:prstGeom prst="rect">
-            <a:avLst/>
-          </a:prstGeom>
-          <a:noFill/>
-          <a:ln>
-            <a:noFill/>
-          </a:ln>
-        </p:spPr>
-        <p:txBody>
-          <a:bodyPr anchorCtr="0" anchor="b" bIns="0" lIns="0" spcFirstLastPara="1" rIns="0" wrap="square" tIns="0">
-            <a:noAutofit/>
-          </a:bodyPr>
-          <a:lstStyle>
-            <a:lvl1pPr lvl="0" algn="l">
-              <a:lnSpc>
-                <a:spcPct val="100000"/>
-              </a:lnSpc>
-              <a:spcBef>
-                <a:spcPts val="0"/>
-              </a:spcBef>
-              <a:spcAft>
-                <a:spcPts val="0"/>
-              </a:spcAft>
-              <a:buSzPts val="1400"/>
-              <a:buNone/>
-              <a:defRPr/>
-            </a:lvl1pPr>
-            <a:lvl2pPr lvl="1" algn="l">
-              <a:lnSpc>
-                <a:spcPct val="100000"/>
-              </a:lnSpc>
-              <a:spcBef>
-                <a:spcPts val="0"/>
-              </a:spcBef>
-              <a:spcAft>
-                <a:spcPts val="0"/>
-              </a:spcAft>
-              <a:buSzPts val="1400"/>
-              <a:buNone/>
-              <a:defRPr/>
-            </a:lvl2pPr>
-            <a:lvl3pPr lvl="2" algn="l">
-              <a:lnSpc>
-                <a:spcPct val="100000"/>
-              </a:lnSpc>
-              <a:spcBef>
-                <a:spcPts val="0"/>
-              </a:spcBef>
-              <a:spcAft>
-                <a:spcPts val="0"/>
-              </a:spcAft>
-              <a:buSzPts val="1400"/>
-              <a:buNone/>
-              <a:defRPr/>
-            </a:lvl3pPr>
-            <a:lvl4pPr lvl="3" algn="l">
-              <a:lnSpc>
-                <a:spcPct val="100000"/>
-              </a:lnSpc>
-              <a:spcBef>
-                <a:spcPts val="0"/>
-              </a:spcBef>
-              <a:spcAft>
-                <a:spcPts val="0"/>
-              </a:spcAft>
-              <a:buSzPts val="1400"/>
-              <a:buNone/>
-              <a:defRPr/>
-            </a:lvl4pPr>
-            <a:lvl5pPr lvl="4" algn="l">
-              <a:lnSpc>
-                <a:spcPct val="100000"/>
-              </a:lnSpc>
-              <a:spcBef>
-                <a:spcPts val="0"/>
-              </a:spcBef>
-              <a:spcAft>
-                <a:spcPts val="0"/>
-              </a:spcAft>
-              <a:buSzPts val="1400"/>
-              <a:buNone/>
-              <a:defRPr/>
-            </a:lvl5pPr>
-            <a:lvl6pPr lvl="5" algn="l">
-              <a:lnSpc>
-                <a:spcPct val="100000"/>
-              </a:lnSpc>
-              <a:spcBef>
-                <a:spcPts val="0"/>
-              </a:spcBef>
-              <a:spcAft>
-                <a:spcPts val="0"/>
-              </a:spcAft>
-              <a:buSzPts val="1400"/>
-              <a:buNone/>
-              <a:defRPr/>
-            </a:lvl6pPr>
-            <a:lvl7pPr lvl="6" algn="l">
-              <a:lnSpc>
-                <a:spcPct val="100000"/>
-              </a:lnSpc>
-              <a:spcBef>
-                <a:spcPts val="0"/>
-              </a:spcBef>
-              <a:spcAft>
-                <a:spcPts val="0"/>
-              </a:spcAft>
-              <a:buSzPts val="1400"/>
-              <a:buNone/>
-              <a:defRPr/>
-            </a:lvl7pPr>
-            <a:lvl8pPr lvl="7" algn="l">
-              <a:lnSpc>
-                <a:spcPct val="100000"/>
-              </a:lnSpc>
-              <a:spcBef>
-                <a:spcPts val="0"/>
-              </a:spcBef>
-              <a:spcAft>
-                <a:spcPts val="0"/>
-              </a:spcAft>
-              <a:buSzPts val="1400"/>
-              <a:buNone/>
-              <a:defRPr/>
-            </a:lvl8pPr>
-            <a:lvl9pPr lvl="8" algn="l">
-              <a:lnSpc>
-                <a:spcPct val="100000"/>
-              </a:lnSpc>
-              <a:spcBef>
-                <a:spcPts val="0"/>
-              </a:spcBef>
-              <a:spcAft>
-                <a:spcPts val="0"/>
-              </a:spcAft>
-              <a:buSzPts val="1400"/>
-              <a:buNone/>
-              <a:defRPr/>
-            </a:lvl9pPr>
-          </a:lstStyle>
-          <a:p/>
-        </p:txBody>
-      </p:sp>
-      <p:sp>
-        <p:nvSpPr>
-          <p:cNvPr id="44" name="Google Shape;44;p9"/>
-          <p:cNvSpPr/>
-          <p:nvPr>
-            <p:ph idx="2" type="chart"/>
-          </p:nvPr>
-        </p:nvSpPr>
-        <p:spPr>
-          <a:xfrm>
-            <a:off x="431800" y="782241"/>
-            <a:ext cx="8375700" cy="3579000"/>
-          </a:xfrm>
-          <a:prstGeom prst="rect">
-            <a:avLst/>
-          </a:prstGeom>
-          <a:noFill/>
-          <a:ln>
-            <a:noFill/>
-          </a:ln>
-        </p:spPr>
-        <p:txBody>
-          <a:bodyPr anchorCtr="0" anchor="t" bIns="0" lIns="0" spcFirstLastPara="1" rIns="0" wrap="square" tIns="0">
-            <a:noAutofit/>
-          </a:bodyPr>
-          <a:lstStyle>
-            <a:lvl1pPr lvl="0" marR="0" rtl="0" algn="l">
-              <a:lnSpc>
-                <a:spcPct val="100000"/>
-              </a:lnSpc>
-              <a:spcBef>
-                <a:spcPts val="320"/>
-              </a:spcBef>
-              <a:spcAft>
-                <a:spcPts val="0"/>
-              </a:spcAft>
-              <a:buClr>
-                <a:srgbClr val="000000"/>
-              </a:buClr>
-              <a:buSzPts val="1400"/>
-              <a:buFont typeface="Arial"/>
-              <a:buNone/>
-              <a:defRPr b="0" i="0" sz="1600" u="none" cap="none" strike="noStrike">
-                <a:solidFill>
-                  <a:schemeClr val="dk1"/>
-                </a:solidFill>
-                <a:latin typeface="Arial"/>
-                <a:ea typeface="Arial"/>
-                <a:cs typeface="Arial"/>
-                <a:sym typeface="Arial"/>
-              </a:defRPr>
-            </a:lvl1pPr>
-            <a:lvl2pPr lvl="1" marR="0" rtl="0" algn="l">
-              <a:lnSpc>
-                <a:spcPct val="100000"/>
-              </a:lnSpc>
-              <a:spcBef>
-                <a:spcPts val="320"/>
-              </a:spcBef>
-              <a:spcAft>
-                <a:spcPts val="0"/>
-              </a:spcAft>
-              <a:buClr>
-                <a:schemeClr val="dk1"/>
-              </a:buClr>
-              <a:buSzPts val="1600"/>
-              <a:buFont typeface="Noto Sans Symbols"/>
-              <a:buChar char="▪"/>
-              <a:defRPr b="0" i="0" sz="1600" u="none" cap="none" strike="noStrike">
-                <a:solidFill>
-                  <a:schemeClr val="dk1"/>
-                </a:solidFill>
-                <a:latin typeface="Arial"/>
-                <a:ea typeface="Arial"/>
-                <a:cs typeface="Arial"/>
-                <a:sym typeface="Arial"/>
-              </a:defRPr>
-            </a:lvl2pPr>
-            <a:lvl3pPr lvl="2" marR="0" rtl="0" algn="l">
-              <a:lnSpc>
-                <a:spcPct val="100000"/>
-              </a:lnSpc>
-              <a:spcBef>
-                <a:spcPts val="320"/>
-              </a:spcBef>
-              <a:spcAft>
-                <a:spcPts val="0"/>
-              </a:spcAft>
-              <a:buClr>
-                <a:schemeClr val="dk1"/>
-              </a:buClr>
-              <a:buSzPts val="1600"/>
-              <a:buFont typeface="Noto Sans Symbols"/>
-              <a:buChar char="▪"/>
-              <a:defRPr b="0" i="0" sz="1600" u="none" cap="none" strike="noStrike">
-                <a:solidFill>
-                  <a:schemeClr val="dk1"/>
-                </a:solidFill>
-                <a:latin typeface="Arial"/>
-                <a:ea typeface="Arial"/>
-                <a:cs typeface="Arial"/>
-                <a:sym typeface="Arial"/>
-              </a:defRPr>
-            </a:lvl3pPr>
-            <a:lvl4pPr lvl="3" marR="0" rtl="0" algn="l">
-              <a:lnSpc>
-                <a:spcPct val="100000"/>
-              </a:lnSpc>
-              <a:spcBef>
-                <a:spcPts val="320"/>
-              </a:spcBef>
-              <a:spcAft>
-                <a:spcPts val="0"/>
-              </a:spcAft>
-              <a:buClr>
-                <a:schemeClr val="dk1"/>
-              </a:buClr>
-              <a:buSzPts val="1600"/>
-              <a:buFont typeface="Noto Sans Symbols"/>
-              <a:buChar char="▪"/>
-              <a:defRPr b="0" i="0" sz="1600" u="none" cap="none" strike="noStrike">
-                <a:solidFill>
-                  <a:schemeClr val="dk1"/>
-                </a:solidFill>
-                <a:latin typeface="Arial"/>
-                <a:ea typeface="Arial"/>
-                <a:cs typeface="Arial"/>
-                <a:sym typeface="Arial"/>
-              </a:defRPr>
-            </a:lvl4pPr>
-            <a:lvl5pPr lvl="4" marR="0" rtl="0" algn="l">
-              <a:lnSpc>
-                <a:spcPct val="100000"/>
-              </a:lnSpc>
-              <a:spcBef>
-                <a:spcPts val="320"/>
-              </a:spcBef>
-              <a:spcAft>
-                <a:spcPts val="0"/>
-              </a:spcAft>
-              <a:buClr>
-                <a:schemeClr val="dk1"/>
-              </a:buClr>
-              <a:buSzPts val="1600"/>
-              <a:buFont typeface="Noto Sans Symbols"/>
-              <a:buChar char="▪"/>
-              <a:defRPr b="0" i="0" sz="1600" u="none" cap="none" strike="noStrike">
-                <a:solidFill>
-                  <a:schemeClr val="dk1"/>
-                </a:solidFill>
-                <a:latin typeface="Arial"/>
-                <a:ea typeface="Arial"/>
-                <a:cs typeface="Arial"/>
-                <a:sym typeface="Arial"/>
-              </a:defRPr>
-            </a:lvl5pPr>
-            <a:lvl6pPr lvl="5" marR="0" rtl="0" algn="l">
-              <a:lnSpc>
-                <a:spcPct val="100000"/>
-              </a:lnSpc>
-              <a:spcBef>
-                <a:spcPts val="320"/>
-              </a:spcBef>
-              <a:spcAft>
-                <a:spcPts val="0"/>
-              </a:spcAft>
-              <a:buClr>
-                <a:schemeClr val="dk1"/>
-              </a:buClr>
-              <a:buSzPts val="1600"/>
-              <a:buFont typeface="Noto Sans Symbols"/>
-              <a:buChar char="▪"/>
-              <a:defRPr b="0" i="0" sz="1600" u="none" cap="none" strike="noStrike">
-                <a:solidFill>
-                  <a:schemeClr val="dk1"/>
-                </a:solidFill>
-                <a:latin typeface="Arial"/>
-                <a:ea typeface="Arial"/>
-                <a:cs typeface="Arial"/>
-                <a:sym typeface="Arial"/>
-              </a:defRPr>
-            </a:lvl6pPr>
-            <a:lvl7pPr lvl="6" marR="0" rtl="0" algn="l">
-              <a:lnSpc>
-                <a:spcPct val="100000"/>
-              </a:lnSpc>
-              <a:spcBef>
-                <a:spcPts val="320"/>
-              </a:spcBef>
-              <a:spcAft>
-                <a:spcPts val="0"/>
-              </a:spcAft>
-              <a:buClr>
-                <a:schemeClr val="dk1"/>
-              </a:buClr>
-              <a:buSzPts val="1600"/>
-              <a:buFont typeface="Noto Sans Symbols"/>
-              <a:buChar char="▪"/>
-              <a:defRPr b="0" i="0" sz="1600" u="none" cap="none" strike="noStrike">
-                <a:solidFill>
-                  <a:schemeClr val="dk1"/>
-                </a:solidFill>
-                <a:latin typeface="Arial"/>
-                <a:ea typeface="Arial"/>
-                <a:cs typeface="Arial"/>
-                <a:sym typeface="Arial"/>
-              </a:defRPr>
-            </a:lvl7pPr>
-            <a:lvl8pPr lvl="7" marR="0" rtl="0" algn="l">
-              <a:lnSpc>
-                <a:spcPct val="100000"/>
-              </a:lnSpc>
-              <a:spcBef>
-                <a:spcPts val="320"/>
-              </a:spcBef>
-              <a:spcAft>
-                <a:spcPts val="0"/>
-              </a:spcAft>
-              <a:buClr>
-                <a:schemeClr val="dk1"/>
-              </a:buClr>
-              <a:buSzPts val="1600"/>
-              <a:buFont typeface="Noto Sans Symbols"/>
-              <a:buChar char="▪"/>
-              <a:defRPr b="0" i="0" sz="1600" u="none" cap="none" strike="noStrike">
-                <a:solidFill>
-                  <a:schemeClr val="dk1"/>
-                </a:solidFill>
-                <a:latin typeface="Arial"/>
-                <a:ea typeface="Arial"/>
-                <a:cs typeface="Arial"/>
-                <a:sym typeface="Arial"/>
-              </a:defRPr>
-            </a:lvl8pPr>
-            <a:lvl9pPr lvl="8" marR="0" rtl="0" algn="l">
-              <a:lnSpc>
-                <a:spcPct val="100000"/>
-              </a:lnSpc>
-              <a:spcBef>
-                <a:spcPts val="320"/>
-              </a:spcBef>
-              <a:spcAft>
-                <a:spcPts val="0"/>
-              </a:spcAft>
-              <a:buClr>
-                <a:schemeClr val="dk1"/>
-              </a:buClr>
-              <a:buSzPts val="1600"/>
-              <a:buFont typeface="Noto Sans Symbols"/>
-              <a:buChar char="▪"/>
-              <a:defRPr b="0" i="0" sz="1600" u="none" cap="none" strike="noStrike">
-                <a:solidFill>
-                  <a:schemeClr val="dk1"/>
-                </a:solidFill>
-                <a:latin typeface="Arial"/>
-                <a:ea typeface="Arial"/>
-                <a:cs typeface="Arial"/>
-                <a:sym typeface="Arial"/>
-              </a:defRPr>
             </a:lvl9pPr>
           </a:lstStyle>
           <a:p/>
@@ -9608,6 +9941,10 @@
           <a:prstGeom prst="rect">
             <a:avLst/>
           </a:prstGeom>
+          <a:noFill/>
+          <a:ln>
+            <a:noFill/>
+          </a:ln>
         </p:spPr>
         <p:txBody>
           <a:bodyPr anchorCtr="0" anchor="b" bIns="0" lIns="0" spcFirstLastPara="1" rIns="0" wrap="square" tIns="0">
@@ -9616,12 +9953,16 @@
           <a:lstStyle/>
           <a:p>
             <a:pPr indent="0" lvl="0" marL="0" rtl="0" algn="l">
-              <a:spcBef>
-                <a:spcPts val="0"/>
-              </a:spcBef>
-              <a:spcAft>
-                <a:spcPts val="0"/>
-              </a:spcAft>
+              <a:lnSpc>
+                <a:spcPct val="100000"/>
+              </a:lnSpc>
+              <a:spcBef>
+                <a:spcPts val="0"/>
+              </a:spcBef>
+              <a:spcAft>
+                <a:spcPts val="0"/>
+              </a:spcAft>
+              <a:buSzPts val="1400"/>
               <a:buNone/>
             </a:pPr>
             <a:r>
@@ -9648,6 +9989,10 @@
           <a:prstGeom prst="rect">
             <a:avLst/>
           </a:prstGeom>
+          <a:noFill/>
+          <a:ln>
+            <a:noFill/>
+          </a:ln>
         </p:spPr>
         <p:txBody>
           <a:bodyPr anchorCtr="0" anchor="t" bIns="0" lIns="0" spcFirstLastPara="1" rIns="0" wrap="square" tIns="0">
@@ -9656,12 +10001,16 @@
           <a:lstStyle/>
           <a:p>
             <a:pPr indent="0" lvl="0" marL="0" rtl="0" algn="l">
+              <a:lnSpc>
+                <a:spcPct val="100000"/>
+              </a:lnSpc>
               <a:spcBef>
                 <a:spcPts val="320"/>
               </a:spcBef>
               <a:spcAft>
                 <a:spcPts val="0"/>
               </a:spcAft>
+              <a:buSzPts val="1600"/>
               <a:buNone/>
             </a:pPr>
             <a:r>
@@ -9713,6 +10062,10 @@
           <a:prstGeom prst="rect">
             <a:avLst/>
           </a:prstGeom>
+          <a:noFill/>
+          <a:ln>
+            <a:noFill/>
+          </a:ln>
         </p:spPr>
         <p:txBody>
           <a:bodyPr anchorCtr="0" anchor="b" bIns="0" lIns="0" spcFirstLastPara="1" rIns="0" wrap="square" tIns="0">
@@ -9721,12 +10074,16 @@
           <a:lstStyle/>
           <a:p>
             <a:pPr indent="0" lvl="0" marL="0" rtl="0" algn="l">
-              <a:spcBef>
-                <a:spcPts val="0"/>
-              </a:spcBef>
-              <a:spcAft>
-                <a:spcPts val="0"/>
-              </a:spcAft>
+              <a:lnSpc>
+                <a:spcPct val="100000"/>
+              </a:lnSpc>
+              <a:spcBef>
+                <a:spcPts val="0"/>
+              </a:spcBef>
+              <a:spcAft>
+                <a:spcPts val="0"/>
+              </a:spcAft>
+              <a:buSzPts val="1400"/>
               <a:buNone/>
             </a:pPr>
             <a:r>
@@ -9753,6 +10110,10 @@
           <a:prstGeom prst="rect">
             <a:avLst/>
           </a:prstGeom>
+          <a:noFill/>
+          <a:ln>
+            <a:noFill/>
+          </a:ln>
         </p:spPr>
         <p:txBody>
           <a:bodyPr anchorCtr="0" anchor="t" bIns="0" lIns="0" spcFirstLastPara="1" rIns="0" wrap="square" tIns="0">
@@ -9760,7 +10121,10 @@
           </a:bodyPr>
           <a:lstStyle/>
           <a:p>
-            <a:pPr indent="0" lvl="0" marL="0" rtl="0" algn="ctr">
+            <a:pPr indent="0" lvl="0" marL="0" marR="0" rtl="0" algn="ctr">
+              <a:lnSpc>
+                <a:spcPct val="100000"/>
+              </a:lnSpc>
               <a:spcBef>
                 <a:spcPts val="320"/>
               </a:spcBef>
@@ -9777,10 +10141,21 @@
             <a:r>
               <a:t/>
             </a:r>
-            <a:endParaRPr/>
+            <a:endParaRPr b="0" i="0" sz="1600" u="none" cap="none" strike="noStrike">
+              <a:solidFill>
+                <a:schemeClr val="dk1"/>
+              </a:solidFill>
+              <a:latin typeface="Arial"/>
+              <a:ea typeface="Arial"/>
+              <a:cs typeface="Arial"/>
+              <a:sym typeface="Arial"/>
+            </a:endParaRPr>
           </a:p>
           <a:p>
-            <a:pPr indent="0" lvl="0" marL="0" rtl="0" algn="ctr">
+            <a:pPr indent="0" lvl="0" marL="0" marR="0" rtl="0" algn="ctr">
+              <a:lnSpc>
+                <a:spcPct val="100000"/>
+              </a:lnSpc>
               <a:spcBef>
                 <a:spcPts val="320"/>
               </a:spcBef>
@@ -9797,10 +10172,21 @@
             <a:r>
               <a:t/>
             </a:r>
-            <a:endParaRPr/>
+            <a:endParaRPr b="0" i="0" sz="1600" u="none" cap="none" strike="noStrike">
+              <a:solidFill>
+                <a:schemeClr val="dk1"/>
+              </a:solidFill>
+              <a:latin typeface="Arial"/>
+              <a:ea typeface="Arial"/>
+              <a:cs typeface="Arial"/>
+              <a:sym typeface="Arial"/>
+            </a:endParaRPr>
           </a:p>
           <a:p>
-            <a:pPr indent="0" lvl="0" marL="0" rtl="0" algn="ctr">
+            <a:pPr indent="0" lvl="0" marL="0" marR="0" rtl="0" algn="ctr">
+              <a:lnSpc>
+                <a:spcPct val="100000"/>
+              </a:lnSpc>
               <a:spcBef>
                 <a:spcPts val="320"/>
               </a:spcBef>
@@ -9817,10 +10203,21 @@
             <a:r>
               <a:t/>
             </a:r>
-            <a:endParaRPr/>
+            <a:endParaRPr b="0" i="0" sz="1600" u="none" cap="none" strike="noStrike">
+              <a:solidFill>
+                <a:schemeClr val="dk1"/>
+              </a:solidFill>
+              <a:latin typeface="Arial"/>
+              <a:ea typeface="Arial"/>
+              <a:cs typeface="Arial"/>
+              <a:sym typeface="Arial"/>
+            </a:endParaRPr>
           </a:p>
           <a:p>
-            <a:pPr indent="0" lvl="0" marL="0" rtl="0" algn="ctr">
+            <a:pPr indent="0" lvl="0" marL="0" marR="0" rtl="0" algn="ctr">
+              <a:lnSpc>
+                <a:spcPct val="100000"/>
+              </a:lnSpc>
               <a:spcBef>
                 <a:spcPts val="320"/>
               </a:spcBef>
@@ -9837,10 +10234,21 @@
             <a:r>
               <a:t/>
             </a:r>
-            <a:endParaRPr/>
+            <a:endParaRPr b="0" i="0" sz="1600" u="none" cap="none" strike="noStrike">
+              <a:solidFill>
+                <a:schemeClr val="dk1"/>
+              </a:solidFill>
+              <a:latin typeface="Arial"/>
+              <a:ea typeface="Arial"/>
+              <a:cs typeface="Arial"/>
+              <a:sym typeface="Arial"/>
+            </a:endParaRPr>
           </a:p>
           <a:p>
-            <a:pPr indent="0" lvl="0" marL="0" rtl="0" algn="ctr">
+            <a:pPr indent="0" lvl="0" marL="0" marR="0" rtl="0" algn="ctr">
+              <a:lnSpc>
+                <a:spcPct val="100000"/>
+              </a:lnSpc>
               <a:spcBef>
                 <a:spcPts val="320"/>
               </a:spcBef>
@@ -9857,10 +10265,21 @@
             <a:r>
               <a:t/>
             </a:r>
-            <a:endParaRPr/>
+            <a:endParaRPr b="0" i="0" sz="1600" u="none" cap="none" strike="noStrike">
+              <a:solidFill>
+                <a:schemeClr val="dk1"/>
+              </a:solidFill>
+              <a:latin typeface="Arial"/>
+              <a:ea typeface="Arial"/>
+              <a:cs typeface="Arial"/>
+              <a:sym typeface="Arial"/>
+            </a:endParaRPr>
           </a:p>
           <a:p>
-            <a:pPr indent="0" lvl="0" marL="0" rtl="0" algn="ctr">
+            <a:pPr indent="0" lvl="0" marL="0" marR="0" rtl="0" algn="ctr">
+              <a:lnSpc>
+                <a:spcPct val="100000"/>
+              </a:lnSpc>
               <a:spcBef>
                 <a:spcPts val="320"/>
               </a:spcBef>
@@ -9877,10 +10296,21 @@
             <a:r>
               <a:t/>
             </a:r>
-            <a:endParaRPr/>
+            <a:endParaRPr b="0" i="0" sz="1600" u="none" cap="none" strike="noStrike">
+              <a:solidFill>
+                <a:schemeClr val="dk1"/>
+              </a:solidFill>
+              <a:latin typeface="Arial"/>
+              <a:ea typeface="Arial"/>
+              <a:cs typeface="Arial"/>
+              <a:sym typeface="Arial"/>
+            </a:endParaRPr>
           </a:p>
           <a:p>
-            <a:pPr indent="0" lvl="0" marL="0" rtl="0" algn="ctr">
+            <a:pPr indent="0" lvl="0" marL="0" marR="0" rtl="0" algn="ctr">
+              <a:lnSpc>
+                <a:spcPct val="100000"/>
+              </a:lnSpc>
               <a:spcBef>
                 <a:spcPts val="320"/>
               </a:spcBef>
@@ -9895,25 +10325,57 @@
               <a:buNone/>
             </a:pPr>
             <a:r>
-              <a:rPr lang="de" sz="3600"/>
+              <a:rPr b="0" i="0" lang="de" sz="3600" u="none" cap="none" strike="noStrike">
+                <a:solidFill>
+                  <a:schemeClr val="dk1"/>
+                </a:solidFill>
+                <a:latin typeface="Arial"/>
+                <a:ea typeface="Arial"/>
+                <a:cs typeface="Arial"/>
+                <a:sym typeface="Arial"/>
+              </a:rPr>
               <a:t>Fragen</a:t>
             </a:r>
-            <a:endParaRPr/>
+            <a:endParaRPr b="0" i="0" sz="1600" u="none" cap="none" strike="noStrike">
+              <a:solidFill>
+                <a:schemeClr val="dk1"/>
+              </a:solidFill>
+              <a:latin typeface="Arial"/>
+              <a:ea typeface="Arial"/>
+              <a:cs typeface="Arial"/>
+              <a:sym typeface="Arial"/>
+            </a:endParaRPr>
           </a:p>
           <a:p>
-            <a:pPr indent="0" lvl="0" marL="0" rtl="0" algn="l">
+            <a:pPr indent="0" lvl="0" marL="0" marR="0" rtl="0" algn="l">
+              <a:lnSpc>
+                <a:spcPct val="100000"/>
+              </a:lnSpc>
               <a:spcBef>
                 <a:spcPts val="320"/>
               </a:spcBef>
               <a:spcAft>
                 <a:spcPts val="0"/>
               </a:spcAft>
+              <a:buClr>
+                <a:srgbClr val="000000"/>
+              </a:buClr>
+              <a:buSzPts val="1400"/>
+              <a:buFont typeface="Arial"/>
               <a:buNone/>
             </a:pPr>
             <a:r>
               <a:t/>
             </a:r>
-            <a:endParaRPr/>
+            <a:endParaRPr b="0" i="0" sz="1600" u="none" cap="none" strike="noStrike">
+              <a:solidFill>
+                <a:schemeClr val="dk1"/>
+              </a:solidFill>
+              <a:latin typeface="Arial"/>
+              <a:ea typeface="Arial"/>
+              <a:cs typeface="Arial"/>
+              <a:sym typeface="Arial"/>
+            </a:endParaRPr>
           </a:p>
         </p:txBody>
       </p:sp>
@@ -9958,6 +10420,10 @@
           <a:prstGeom prst="rect">
             <a:avLst/>
           </a:prstGeom>
+          <a:noFill/>
+          <a:ln>
+            <a:noFill/>
+          </a:ln>
         </p:spPr>
         <p:txBody>
           <a:bodyPr anchorCtr="0" anchor="b" bIns="0" lIns="0" spcFirstLastPara="1" rIns="0" wrap="square" tIns="0">
@@ -9966,12 +10432,16 @@
           <a:lstStyle/>
           <a:p>
             <a:pPr indent="0" lvl="0" marL="0" rtl="0" algn="l">
-              <a:spcBef>
-                <a:spcPts val="0"/>
-              </a:spcBef>
-              <a:spcAft>
-                <a:spcPts val="0"/>
-              </a:spcAft>
+              <a:lnSpc>
+                <a:spcPct val="100000"/>
+              </a:lnSpc>
+              <a:spcBef>
+                <a:spcPts val="0"/>
+              </a:spcBef>
+              <a:spcAft>
+                <a:spcPts val="0"/>
+              </a:spcAft>
+              <a:buSzPts val="1400"/>
               <a:buNone/>
             </a:pPr>
             <a:r>
@@ -9998,6 +10468,10 @@
           <a:prstGeom prst="rect">
             <a:avLst/>
           </a:prstGeom>
+          <a:noFill/>
+          <a:ln>
+            <a:noFill/>
+          </a:ln>
         </p:spPr>
         <p:txBody>
           <a:bodyPr anchorCtr="0" anchor="t" bIns="0" lIns="0" spcFirstLastPara="1" rIns="0" wrap="square" tIns="0">
@@ -10005,7 +10479,10 @@
           </a:bodyPr>
           <a:lstStyle/>
           <a:p>
-            <a:pPr indent="0" lvl="0" marL="0" rtl="0" algn="l">
+            <a:pPr indent="0" lvl="0" marL="0" marR="0" rtl="0" algn="l">
+              <a:lnSpc>
+                <a:spcPct val="100000"/>
+              </a:lnSpc>
               <a:spcBef>
                 <a:spcPts val="320"/>
               </a:spcBef>
@@ -10020,17 +10497,32 @@
               <a:buNone/>
             </a:pPr>
             <a:r>
-              <a:rPr lang="de"/>
-              <a:t>Für die heutige Übungsaufgabe ist die</a:t>
+              <a:rPr b="0" i="0" lang="de" sz="1600" u="none" cap="none" strike="noStrike">
+                <a:solidFill>
+                  <a:schemeClr val="dk1"/>
+                </a:solidFill>
+                <a:latin typeface="Arial"/>
+                <a:ea typeface="Arial"/>
+                <a:cs typeface="Arial"/>
+                <a:sym typeface="Arial"/>
+              </a:rPr>
+              <a:t>Für die heutige Übungsaufgabe ist die Klasse bereits vorhanden und liegt im Git. Die main-Funktion und eine dubiose Funktion “divide(int[] arr, Object divisor)” sind vorgegeben. Von letzterer ist eigentlich nicht wirklich wichtig was diese macht, denn sie ist in erster Linie extrem schlecht geschrieben und wirft bei passendem Input viele Exceptions.</a:t>
             </a:r>
-            <a:r>
-              <a:rPr lang="de"/>
-              <a:t> Klasse bereits vorhanden und liegt im Git. Die main-Funktion und eine dubiose Funktion “divide(int[] arr, Object divisor)” sind vorgegeben. Von letzterer ist eigentlich nicht wirklich wichtig was diese macht, denn sie ist in erster Linie extrem schlecht geschrieben und wirft bei passendem Input viele Exceptions.</a:t>
-            </a:r>
-            <a:endParaRPr/>
+            <a:endParaRPr b="0" i="0" sz="1600" u="none" cap="none" strike="noStrike">
+              <a:solidFill>
+                <a:schemeClr val="dk1"/>
+              </a:solidFill>
+              <a:latin typeface="Arial"/>
+              <a:ea typeface="Arial"/>
+              <a:cs typeface="Arial"/>
+              <a:sym typeface="Arial"/>
+            </a:endParaRPr>
           </a:p>
           <a:p>
-            <a:pPr indent="0" lvl="0" marL="0" rtl="0" algn="l">
+            <a:pPr indent="0" lvl="0" marL="0" marR="0" rtl="0" algn="l">
+              <a:lnSpc>
+                <a:spcPct val="100000"/>
+              </a:lnSpc>
               <a:spcBef>
                 <a:spcPts val="320"/>
               </a:spcBef>
@@ -10047,10 +10539,21 @@
             <a:r>
               <a:t/>
             </a:r>
-            <a:endParaRPr/>
+            <a:endParaRPr b="0" i="0" sz="1600" u="none" cap="none" strike="noStrike">
+              <a:solidFill>
+                <a:schemeClr val="dk1"/>
+              </a:solidFill>
+              <a:latin typeface="Arial"/>
+              <a:ea typeface="Arial"/>
+              <a:cs typeface="Arial"/>
+              <a:sym typeface="Arial"/>
+            </a:endParaRPr>
           </a:p>
           <a:p>
-            <a:pPr indent="0" lvl="0" marL="0" rtl="0" algn="l">
+            <a:pPr indent="0" lvl="0" marL="0" marR="0" rtl="0" algn="l">
+              <a:lnSpc>
+                <a:spcPct val="100000"/>
+              </a:lnSpc>
               <a:spcBef>
                 <a:spcPts val="320"/>
               </a:spcBef>
@@ -10065,52 +10568,106 @@
               <a:buNone/>
             </a:pPr>
             <a:r>
-              <a:rPr lang="de"/>
+              <a:rPr b="0" i="0" lang="de" sz="1600" u="none" cap="none" strike="noStrike">
+                <a:solidFill>
+                  <a:schemeClr val="dk1"/>
+                </a:solidFill>
+                <a:latin typeface="Arial"/>
+                <a:ea typeface="Arial"/>
+                <a:cs typeface="Arial"/>
+                <a:sym typeface="Arial"/>
+              </a:rPr>
               <a:t>Deine Aufgaben:</a:t>
             </a:r>
-            <a:endParaRPr/>
+            <a:endParaRPr b="0" i="0" sz="1600" u="none" cap="none" strike="noStrike">
+              <a:solidFill>
+                <a:schemeClr val="dk1"/>
+              </a:solidFill>
+              <a:latin typeface="Arial"/>
+              <a:ea typeface="Arial"/>
+              <a:cs typeface="Arial"/>
+              <a:sym typeface="Arial"/>
+            </a:endParaRPr>
           </a:p>
           <a:p>
-            <a:pPr indent="-317500" lvl="0" marL="457200" rtl="0" algn="l">
+            <a:pPr indent="-317500" lvl="0" marL="457200" marR="0" rtl="0" algn="l">
+              <a:lnSpc>
+                <a:spcPct val="100000"/>
+              </a:lnSpc>
               <a:spcBef>
                 <a:spcPts val="320"/>
               </a:spcBef>
               <a:spcAft>
                 <a:spcPts val="0"/>
               </a:spcAft>
-              <a:buSzPts val="1400"/>
+              <a:buClr>
+                <a:srgbClr val="000000"/>
+              </a:buClr>
+              <a:buSzPts val="1400"/>
+              <a:buFont typeface="Arial"/>
               <a:buChar char="●"/>
             </a:pPr>
             <a:r>
-              <a:rPr lang="de"/>
+              <a:rPr b="0" i="0" lang="de" sz="1600" u="none" cap="none" strike="noStrike">
+                <a:solidFill>
+                  <a:schemeClr val="dk1"/>
+                </a:solidFill>
+                <a:latin typeface="Arial"/>
+                <a:ea typeface="Arial"/>
+                <a:cs typeface="Arial"/>
+                <a:sym typeface="Arial"/>
+              </a:rPr>
               <a:t>Fange alle Exceptions direkt in der divide-Funktion ab, die durch die Funktionsaufrufe aus der main-Funktion heraus geworfen werden!</a:t>
             </a:r>
-            <a:endParaRPr/>
+            <a:endParaRPr b="0" i="0" sz="1600" u="none" cap="none" strike="noStrike">
+              <a:solidFill>
+                <a:schemeClr val="dk1"/>
+              </a:solidFill>
+              <a:latin typeface="Arial"/>
+              <a:ea typeface="Arial"/>
+              <a:cs typeface="Arial"/>
+              <a:sym typeface="Arial"/>
+            </a:endParaRPr>
           </a:p>
           <a:p>
-            <a:pPr indent="-317500" lvl="0" marL="457200" rtl="0" algn="l">
-              <a:spcBef>
-                <a:spcPts val="0"/>
-              </a:spcBef>
-              <a:spcAft>
-                <a:spcPts val="0"/>
-              </a:spcAft>
-              <a:buSzPts val="1400"/>
+            <a:pPr indent="-317500" lvl="0" marL="457200" marR="0" rtl="0" algn="l">
+              <a:lnSpc>
+                <a:spcPct val="100000"/>
+              </a:lnSpc>
+              <a:spcBef>
+                <a:spcPts val="0"/>
+              </a:spcBef>
+              <a:spcAft>
+                <a:spcPts val="0"/>
+              </a:spcAft>
+              <a:buClr>
+                <a:srgbClr val="000000"/>
+              </a:buClr>
+              <a:buSzPts val="1400"/>
+              <a:buFont typeface="Arial"/>
               <a:buChar char="●"/>
             </a:pPr>
             <a:r>
-              <a:rPr lang="de"/>
-              <a:t>Schreibe die Methode so um, dass sie am Ende auf jeden Fall eine “LolExcpetion” wirft. Die musst du selber schreiben! </a:t>
+              <a:rPr b="0" i="0" lang="de" sz="1600" u="none" cap="none" strike="noStrike">
+                <a:solidFill>
+                  <a:schemeClr val="dk1"/>
+                </a:solidFill>
+                <a:latin typeface="Arial"/>
+                <a:ea typeface="Arial"/>
+                <a:cs typeface="Arial"/>
+                <a:sym typeface="Arial"/>
+              </a:rPr>
+              <a:t>Schreibe die Methode so um, dass sie am Ende auf jeden Fall eine “LolExcpetion” wirft. Die musst du selber schreiben! Es soll möglich sein, der LolException einen String als Nachricht mitzugeben. Fange diese Exception in der main-Funktion. </a:t>
             </a:r>
-            <a:r>
-              <a:rPr lang="de"/>
-              <a:t>Es soll möglich sein, der LolException einen String als Nachricht mitzugeben. </a:t>
-            </a:r>
-            <a:r>
-              <a:rPr lang="de"/>
-              <a:t>Fange diese Exception in der main-Funktion. </a:t>
-            </a:r>
-            <a:endParaRPr/>
+            <a:endParaRPr b="0" i="0" sz="1600" u="none" cap="none" strike="noStrike">
+              <a:solidFill>
+                <a:schemeClr val="dk1"/>
+              </a:solidFill>
+              <a:latin typeface="Arial"/>
+              <a:ea typeface="Arial"/>
+              <a:cs typeface="Arial"/>
+              <a:sym typeface="Arial"/>
+            </a:endParaRPr>
           </a:p>
         </p:txBody>
       </p:sp>
@@ -10155,6 +10712,10 @@
           <a:prstGeom prst="rect">
             <a:avLst/>
           </a:prstGeom>
+          <a:noFill/>
+          <a:ln>
+            <a:noFill/>
+          </a:ln>
         </p:spPr>
         <p:txBody>
           <a:bodyPr anchorCtr="0" anchor="b" bIns="0" lIns="0" spcFirstLastPara="1" rIns="0" wrap="square" tIns="0">
@@ -10163,12 +10724,16 @@
           <a:lstStyle/>
           <a:p>
             <a:pPr indent="0" lvl="0" marL="0" rtl="0" algn="l">
-              <a:spcBef>
-                <a:spcPts val="0"/>
-              </a:spcBef>
-              <a:spcAft>
-                <a:spcPts val="0"/>
-              </a:spcAft>
+              <a:lnSpc>
+                <a:spcPct val="100000"/>
+              </a:lnSpc>
+              <a:spcBef>
+                <a:spcPts val="0"/>
+              </a:spcBef>
+              <a:spcAft>
+                <a:spcPts val="0"/>
+              </a:spcAft>
+              <a:buSzPts val="1400"/>
               <a:buNone/>
             </a:pPr>
             <a:r>
@@ -10195,6 +10760,10 @@
           <a:prstGeom prst="rect">
             <a:avLst/>
           </a:prstGeom>
+          <a:noFill/>
+          <a:ln>
+            <a:noFill/>
+          </a:ln>
         </p:spPr>
         <p:txBody>
           <a:bodyPr anchorCtr="0" anchor="t" bIns="0" lIns="0" spcFirstLastPara="1" rIns="0" wrap="square" tIns="0">
@@ -10202,149 +10771,357 @@
           </a:bodyPr>
           <a:lstStyle/>
           <a:p>
-            <a:pPr indent="-330200" lvl="0" marL="457200" rtl="0" algn="l">
+            <a:pPr indent="-330200" lvl="0" marL="457200" marR="0" rtl="0" algn="l">
+              <a:lnSpc>
+                <a:spcPct val="100000"/>
+              </a:lnSpc>
               <a:spcBef>
                 <a:spcPts val="320"/>
               </a:spcBef>
               <a:spcAft>
                 <a:spcPts val="0"/>
               </a:spcAft>
+              <a:buClr>
+                <a:srgbClr val="000000"/>
+              </a:buClr>
               <a:buSzPts val="1600"/>
+              <a:buFont typeface="Arial"/>
               <a:buAutoNum type="arabicPeriod"/>
             </a:pPr>
             <a:r>
-              <a:rPr lang="de"/>
+              <a:rPr b="0" i="0" lang="de" sz="1600" u="none" cap="none" strike="noStrike">
+                <a:solidFill>
+                  <a:schemeClr val="dk1"/>
+                </a:solidFill>
+                <a:latin typeface="Arial"/>
+                <a:ea typeface="Arial"/>
+                <a:cs typeface="Arial"/>
+                <a:sym typeface="Arial"/>
+              </a:rPr>
               <a:t>Exceptions</a:t>
             </a:r>
-            <a:endParaRPr/>
+            <a:endParaRPr b="0" i="0" sz="1600" u="none" cap="none" strike="noStrike">
+              <a:solidFill>
+                <a:schemeClr val="dk1"/>
+              </a:solidFill>
+              <a:latin typeface="Arial"/>
+              <a:ea typeface="Arial"/>
+              <a:cs typeface="Arial"/>
+              <a:sym typeface="Arial"/>
+            </a:endParaRPr>
           </a:p>
           <a:p>
-            <a:pPr indent="-330200" lvl="1" marL="914400" rtl="0" algn="l">
-              <a:spcBef>
-                <a:spcPts val="0"/>
-              </a:spcBef>
-              <a:spcAft>
-                <a:spcPts val="0"/>
-              </a:spcAft>
+            <a:pPr indent="-330200" lvl="1" marL="914400" marR="0" rtl="0" algn="l">
+              <a:lnSpc>
+                <a:spcPct val="100000"/>
+              </a:lnSpc>
+              <a:spcBef>
+                <a:spcPts val="0"/>
+              </a:spcBef>
+              <a:spcAft>
+                <a:spcPts val="0"/>
+              </a:spcAft>
+              <a:buClr>
+                <a:schemeClr val="dk1"/>
+              </a:buClr>
               <a:buSzPts val="1600"/>
+              <a:buFont typeface="Noto Sans Symbols"/>
               <a:buAutoNum type="arabicPeriod"/>
             </a:pPr>
             <a:r>
-              <a:rPr lang="de"/>
+              <a:rPr b="0" i="0" lang="de" sz="1600" u="none" cap="none" strike="noStrike">
+                <a:solidFill>
+                  <a:schemeClr val="dk1"/>
+                </a:solidFill>
+                <a:latin typeface="Arial"/>
+                <a:ea typeface="Arial"/>
+                <a:cs typeface="Arial"/>
+                <a:sym typeface="Arial"/>
+              </a:rPr>
               <a:t>Exceptions der Java-Bibliothek</a:t>
             </a:r>
-            <a:endParaRPr/>
+            <a:endParaRPr b="0" i="0" sz="1600" u="none" cap="none" strike="noStrike">
+              <a:solidFill>
+                <a:schemeClr val="dk1"/>
+              </a:solidFill>
+              <a:latin typeface="Arial"/>
+              <a:ea typeface="Arial"/>
+              <a:cs typeface="Arial"/>
+              <a:sym typeface="Arial"/>
+            </a:endParaRPr>
           </a:p>
           <a:p>
-            <a:pPr indent="-330200" lvl="1" marL="914400" rtl="0" algn="l">
-              <a:spcBef>
-                <a:spcPts val="0"/>
-              </a:spcBef>
-              <a:spcAft>
-                <a:spcPts val="0"/>
-              </a:spcAft>
+            <a:pPr indent="-330200" lvl="1" marL="914400" marR="0" rtl="0" algn="l">
+              <a:lnSpc>
+                <a:spcPct val="100000"/>
+              </a:lnSpc>
+              <a:spcBef>
+                <a:spcPts val="0"/>
+              </a:spcBef>
+              <a:spcAft>
+                <a:spcPts val="0"/>
+              </a:spcAft>
+              <a:buClr>
+                <a:schemeClr val="dk1"/>
+              </a:buClr>
               <a:buSzPts val="1600"/>
+              <a:buFont typeface="Noto Sans Symbols"/>
               <a:buAutoNum type="arabicPeriod"/>
             </a:pPr>
             <a:r>
-              <a:rPr lang="de"/>
+              <a:rPr b="0" i="0" lang="de" sz="1600" u="none" cap="none" strike="noStrike">
+                <a:solidFill>
+                  <a:schemeClr val="dk1"/>
+                </a:solidFill>
+                <a:latin typeface="Arial"/>
+                <a:ea typeface="Arial"/>
+                <a:cs typeface="Arial"/>
+                <a:sym typeface="Arial"/>
+              </a:rPr>
               <a:t>Benutzerdefinierte Exceptions</a:t>
             </a:r>
             <a:br>
-              <a:rPr lang="de"/>
+              <a:rPr b="0" i="0" lang="de" sz="1600" u="none" cap="none" strike="noStrike">
+                <a:solidFill>
+                  <a:schemeClr val="dk1"/>
+                </a:solidFill>
+                <a:latin typeface="Arial"/>
+                <a:ea typeface="Arial"/>
+                <a:cs typeface="Arial"/>
+                <a:sym typeface="Arial"/>
+              </a:rPr>
             </a:br>
-            <a:endParaRPr/>
+            <a:endParaRPr b="0" i="0" sz="1600" u="none" cap="none" strike="noStrike">
+              <a:solidFill>
+                <a:schemeClr val="dk1"/>
+              </a:solidFill>
+              <a:latin typeface="Arial"/>
+              <a:ea typeface="Arial"/>
+              <a:cs typeface="Arial"/>
+              <a:sym typeface="Arial"/>
+            </a:endParaRPr>
           </a:p>
           <a:p>
-            <a:pPr indent="-330200" lvl="0" marL="457200" rtl="0" algn="l">
-              <a:spcBef>
-                <a:spcPts val="0"/>
-              </a:spcBef>
-              <a:spcAft>
-                <a:spcPts val="0"/>
-              </a:spcAft>
+            <a:pPr indent="-330200" lvl="0" marL="457200" marR="0" rtl="0" algn="l">
+              <a:lnSpc>
+                <a:spcPct val="100000"/>
+              </a:lnSpc>
+              <a:spcBef>
+                <a:spcPts val="0"/>
+              </a:spcBef>
+              <a:spcAft>
+                <a:spcPts val="0"/>
+              </a:spcAft>
+              <a:buClr>
+                <a:srgbClr val="000000"/>
+              </a:buClr>
               <a:buSzPts val="1600"/>
+              <a:buFont typeface="Arial"/>
               <a:buAutoNum type="arabicPeriod"/>
             </a:pPr>
             <a:r>
-              <a:rPr lang="de"/>
+              <a:rPr b="0" i="0" lang="de" sz="1600" u="none" cap="none" strike="noStrike">
+                <a:solidFill>
+                  <a:schemeClr val="dk1"/>
+                </a:solidFill>
+                <a:latin typeface="Arial"/>
+                <a:ea typeface="Arial"/>
+                <a:cs typeface="Arial"/>
+                <a:sym typeface="Arial"/>
+              </a:rPr>
               <a:t>Umgang mit Exceptions</a:t>
             </a:r>
-            <a:endParaRPr/>
+            <a:endParaRPr b="0" i="0" sz="1600" u="none" cap="none" strike="noStrike">
+              <a:solidFill>
+                <a:schemeClr val="dk1"/>
+              </a:solidFill>
+              <a:latin typeface="Arial"/>
+              <a:ea typeface="Arial"/>
+              <a:cs typeface="Arial"/>
+              <a:sym typeface="Arial"/>
+            </a:endParaRPr>
           </a:p>
           <a:p>
-            <a:pPr indent="-330200" lvl="1" marL="914400" rtl="0" algn="l">
-              <a:spcBef>
-                <a:spcPts val="0"/>
-              </a:spcBef>
-              <a:spcAft>
-                <a:spcPts val="0"/>
-              </a:spcAft>
+            <a:pPr indent="-330200" lvl="1" marL="914400" marR="0" rtl="0" algn="l">
+              <a:lnSpc>
+                <a:spcPct val="100000"/>
+              </a:lnSpc>
+              <a:spcBef>
+                <a:spcPts val="0"/>
+              </a:spcBef>
+              <a:spcAft>
+                <a:spcPts val="0"/>
+              </a:spcAft>
+              <a:buClr>
+                <a:schemeClr val="dk1"/>
+              </a:buClr>
               <a:buSzPts val="1600"/>
+              <a:buFont typeface="Noto Sans Symbols"/>
               <a:buAutoNum type="arabicPeriod"/>
             </a:pPr>
             <a:r>
-              <a:rPr lang="de"/>
+              <a:rPr b="0" i="0" lang="de" sz="1600" u="none" cap="none" strike="noStrike">
+                <a:solidFill>
+                  <a:schemeClr val="dk1"/>
+                </a:solidFill>
+                <a:latin typeface="Arial"/>
+                <a:ea typeface="Arial"/>
+                <a:cs typeface="Arial"/>
+                <a:sym typeface="Arial"/>
+              </a:rPr>
               <a:t>Behandeln von Exceptions</a:t>
             </a:r>
-            <a:endParaRPr/>
+            <a:endParaRPr b="0" i="0" sz="1600" u="none" cap="none" strike="noStrike">
+              <a:solidFill>
+                <a:schemeClr val="dk1"/>
+              </a:solidFill>
+              <a:latin typeface="Arial"/>
+              <a:ea typeface="Arial"/>
+              <a:cs typeface="Arial"/>
+              <a:sym typeface="Arial"/>
+            </a:endParaRPr>
           </a:p>
           <a:p>
-            <a:pPr indent="-330200" lvl="1" marL="914400" rtl="0" algn="l">
-              <a:spcBef>
-                <a:spcPts val="0"/>
-              </a:spcBef>
-              <a:spcAft>
-                <a:spcPts val="0"/>
-              </a:spcAft>
+            <a:pPr indent="-330200" lvl="1" marL="914400" marR="0" rtl="0" algn="l">
+              <a:lnSpc>
+                <a:spcPct val="100000"/>
+              </a:lnSpc>
+              <a:spcBef>
+                <a:spcPts val="0"/>
+              </a:spcBef>
+              <a:spcAft>
+                <a:spcPts val="0"/>
+              </a:spcAft>
+              <a:buClr>
+                <a:schemeClr val="dk1"/>
+              </a:buClr>
               <a:buSzPts val="1600"/>
+              <a:buFont typeface="Noto Sans Symbols"/>
               <a:buAutoNum type="arabicPeriod"/>
             </a:pPr>
             <a:r>
-              <a:rPr lang="de"/>
+              <a:rPr b="0" i="0" lang="de" sz="1600" u="none" cap="none" strike="noStrike">
+                <a:solidFill>
+                  <a:schemeClr val="dk1"/>
+                </a:solidFill>
+                <a:latin typeface="Arial"/>
+                <a:ea typeface="Arial"/>
+                <a:cs typeface="Arial"/>
+                <a:sym typeface="Arial"/>
+              </a:rPr>
               <a:t>Nachvollziehen von Exceptions</a:t>
             </a:r>
             <a:br>
-              <a:rPr lang="de"/>
+              <a:rPr b="0" i="0" lang="de" sz="1600" u="none" cap="none" strike="noStrike">
+                <a:solidFill>
+                  <a:schemeClr val="dk1"/>
+                </a:solidFill>
+                <a:latin typeface="Arial"/>
+                <a:ea typeface="Arial"/>
+                <a:cs typeface="Arial"/>
+                <a:sym typeface="Arial"/>
+              </a:rPr>
             </a:br>
-            <a:endParaRPr/>
+            <a:endParaRPr b="0" i="0" sz="1600" u="none" cap="none" strike="noStrike">
+              <a:solidFill>
+                <a:schemeClr val="dk1"/>
+              </a:solidFill>
+              <a:latin typeface="Arial"/>
+              <a:ea typeface="Arial"/>
+              <a:cs typeface="Arial"/>
+              <a:sym typeface="Arial"/>
+            </a:endParaRPr>
           </a:p>
           <a:p>
-            <a:pPr indent="-330200" lvl="0" marL="457200" rtl="0" algn="l">
-              <a:spcBef>
-                <a:spcPts val="0"/>
-              </a:spcBef>
-              <a:spcAft>
-                <a:spcPts val="0"/>
-              </a:spcAft>
+            <a:pPr indent="-330200" lvl="0" marL="457200" marR="0" rtl="0" algn="l">
+              <a:lnSpc>
+                <a:spcPct val="100000"/>
+              </a:lnSpc>
+              <a:spcBef>
+                <a:spcPts val="0"/>
+              </a:spcBef>
+              <a:spcAft>
+                <a:spcPts val="0"/>
+              </a:spcAft>
+              <a:buClr>
+                <a:srgbClr val="000000"/>
+              </a:buClr>
               <a:buSzPts val="1600"/>
+              <a:buFont typeface="Arial"/>
               <a:buAutoNum type="arabicPeriod"/>
             </a:pPr>
             <a:r>
-              <a:rPr lang="de"/>
+              <a:rPr b="0" i="0" lang="de" sz="1600" u="none" cap="none" strike="noStrike">
+                <a:solidFill>
+                  <a:schemeClr val="dk1"/>
+                </a:solidFill>
+                <a:latin typeface="Arial"/>
+                <a:ea typeface="Arial"/>
+                <a:cs typeface="Arial"/>
+                <a:sym typeface="Arial"/>
+              </a:rPr>
               <a:t>Fragen</a:t>
             </a:r>
             <a:br>
-              <a:rPr lang="de"/>
+              <a:rPr b="0" i="0" lang="de" sz="1600" u="none" cap="none" strike="noStrike">
+                <a:solidFill>
+                  <a:schemeClr val="dk1"/>
+                </a:solidFill>
+                <a:latin typeface="Arial"/>
+                <a:ea typeface="Arial"/>
+                <a:cs typeface="Arial"/>
+                <a:sym typeface="Arial"/>
+              </a:rPr>
             </a:br>
-            <a:endParaRPr/>
+            <a:endParaRPr b="0" i="0" sz="1600" u="none" cap="none" strike="noStrike">
+              <a:solidFill>
+                <a:schemeClr val="dk1"/>
+              </a:solidFill>
+              <a:latin typeface="Arial"/>
+              <a:ea typeface="Arial"/>
+              <a:cs typeface="Arial"/>
+              <a:sym typeface="Arial"/>
+            </a:endParaRPr>
           </a:p>
           <a:p>
-            <a:pPr indent="-330200" lvl="0" marL="457200" rtl="0" algn="l">
-              <a:spcBef>
-                <a:spcPts val="0"/>
-              </a:spcBef>
-              <a:spcAft>
-                <a:spcPts val="0"/>
-              </a:spcAft>
+            <a:pPr indent="-330200" lvl="0" marL="457200" marR="0" rtl="0" algn="l">
+              <a:lnSpc>
+                <a:spcPct val="100000"/>
+              </a:lnSpc>
+              <a:spcBef>
+                <a:spcPts val="0"/>
+              </a:spcBef>
+              <a:spcAft>
+                <a:spcPts val="0"/>
+              </a:spcAft>
+              <a:buClr>
+                <a:srgbClr val="000000"/>
+              </a:buClr>
               <a:buSzPts val="1600"/>
+              <a:buFont typeface="Arial"/>
               <a:buAutoNum type="arabicPeriod"/>
             </a:pPr>
             <a:r>
-              <a:rPr lang="de"/>
+              <a:rPr b="0" i="0" lang="de" sz="1600" u="none" cap="none" strike="noStrike">
+                <a:solidFill>
+                  <a:schemeClr val="dk1"/>
+                </a:solidFill>
+                <a:latin typeface="Arial"/>
+                <a:ea typeface="Arial"/>
+                <a:cs typeface="Arial"/>
+                <a:sym typeface="Arial"/>
+              </a:rPr>
               <a:t>Übungsaufgaben</a:t>
             </a:r>
-            <a:endParaRPr/>
+            <a:endParaRPr b="0" i="0" sz="1600" u="none" cap="none" strike="noStrike">
+              <a:solidFill>
+                <a:schemeClr val="dk1"/>
+              </a:solidFill>
+              <a:latin typeface="Arial"/>
+              <a:ea typeface="Arial"/>
+              <a:cs typeface="Arial"/>
+              <a:sym typeface="Arial"/>
+            </a:endParaRPr>
           </a:p>
         </p:txBody>
       </p:sp>
@@ -10389,6 +11166,10 @@
           <a:prstGeom prst="rect">
             <a:avLst/>
           </a:prstGeom>
+          <a:noFill/>
+          <a:ln>
+            <a:noFill/>
+          </a:ln>
         </p:spPr>
         <p:txBody>
           <a:bodyPr anchorCtr="0" anchor="b" bIns="0" lIns="0" spcFirstLastPara="1" rIns="0" wrap="square" tIns="0">
@@ -10397,21 +11178,21 @@
           <a:lstStyle/>
           <a:p>
             <a:pPr indent="0" lvl="0" marL="0" rtl="0" algn="l">
-              <a:spcBef>
-                <a:spcPts val="0"/>
-              </a:spcBef>
-              <a:spcAft>
-                <a:spcPts val="0"/>
-              </a:spcAft>
+              <a:lnSpc>
+                <a:spcPct val="100000"/>
+              </a:lnSpc>
+              <a:spcBef>
+                <a:spcPts val="0"/>
+              </a:spcBef>
+              <a:spcAft>
+                <a:spcPts val="0"/>
+              </a:spcAft>
+              <a:buSzPts val="1400"/>
               <a:buNone/>
             </a:pPr>
             <a:r>
               <a:rPr lang="de"/>
-              <a:t>1. </a:t>
-            </a:r>
-            <a:r>
-              <a:rPr lang="de"/>
-              <a:t>Exceptions</a:t>
+              <a:t>1. Exceptions</a:t>
             </a:r>
             <a:endParaRPr/>
           </a:p>
@@ -10433,6 +11214,10 @@
           <a:prstGeom prst="rect">
             <a:avLst/>
           </a:prstGeom>
+          <a:noFill/>
+          <a:ln>
+            <a:noFill/>
+          </a:ln>
         </p:spPr>
         <p:txBody>
           <a:bodyPr anchorCtr="0" anchor="t" bIns="0" lIns="0" spcFirstLastPara="1" rIns="0" wrap="square" tIns="0">
@@ -10440,169 +11225,417 @@
           </a:bodyPr>
           <a:lstStyle/>
           <a:p>
-            <a:pPr indent="0" lvl="0" marL="0" rtl="0" algn="l">
+            <a:pPr indent="0" lvl="0" marL="0" marR="0" rtl="0" algn="l">
+              <a:lnSpc>
+                <a:spcPct val="100000"/>
+              </a:lnSpc>
               <a:spcBef>
                 <a:spcPts val="320"/>
               </a:spcBef>
               <a:spcAft>
                 <a:spcPts val="0"/>
               </a:spcAft>
+              <a:buClr>
+                <a:srgbClr val="000000"/>
+              </a:buClr>
+              <a:buSzPts val="1400"/>
+              <a:buFont typeface="Arial"/>
               <a:buNone/>
             </a:pPr>
             <a:r>
-              <a:rPr lang="de"/>
+              <a:rPr b="0" i="0" lang="de" sz="1600" u="none" cap="none" strike="noStrike">
+                <a:solidFill>
+                  <a:schemeClr val="dk1"/>
+                </a:solidFill>
+                <a:latin typeface="Arial"/>
+                <a:ea typeface="Arial"/>
+                <a:cs typeface="Arial"/>
+                <a:sym typeface="Arial"/>
+              </a:rPr>
               <a:t>Exceptions (engl., Ausnahmen) sind Reaktionen auf bestimmte, inkonsistente Zustände des Programms.</a:t>
             </a:r>
-            <a:endParaRPr/>
+            <a:endParaRPr b="0" i="0" sz="1600" u="none" cap="none" strike="noStrike">
+              <a:solidFill>
+                <a:schemeClr val="dk1"/>
+              </a:solidFill>
+              <a:latin typeface="Arial"/>
+              <a:ea typeface="Arial"/>
+              <a:cs typeface="Arial"/>
+              <a:sym typeface="Arial"/>
+            </a:endParaRPr>
           </a:p>
           <a:p>
-            <a:pPr indent="0" lvl="0" marL="0" rtl="0" algn="l">
+            <a:pPr indent="0" lvl="0" marL="0" marR="0" rtl="0" algn="l">
+              <a:lnSpc>
+                <a:spcPct val="100000"/>
+              </a:lnSpc>
               <a:spcBef>
                 <a:spcPts val="320"/>
               </a:spcBef>
               <a:spcAft>
                 <a:spcPts val="0"/>
               </a:spcAft>
+              <a:buClr>
+                <a:srgbClr val="000000"/>
+              </a:buClr>
+              <a:buSzPts val="1400"/>
+              <a:buFont typeface="Arial"/>
               <a:buNone/>
             </a:pPr>
             <a:r>
               <a:t/>
             </a:r>
-            <a:endParaRPr/>
+            <a:endParaRPr b="0" i="0" sz="1600" u="none" cap="none" strike="noStrike">
+              <a:solidFill>
+                <a:schemeClr val="dk1"/>
+              </a:solidFill>
+              <a:latin typeface="Arial"/>
+              <a:ea typeface="Arial"/>
+              <a:cs typeface="Arial"/>
+              <a:sym typeface="Arial"/>
+            </a:endParaRPr>
           </a:p>
           <a:p>
-            <a:pPr indent="0" lvl="0" marL="0" rtl="0" algn="l">
+            <a:pPr indent="0" lvl="0" marL="0" marR="0" rtl="0" algn="l">
+              <a:lnSpc>
+                <a:spcPct val="100000"/>
+              </a:lnSpc>
               <a:spcBef>
                 <a:spcPts val="320"/>
               </a:spcBef>
               <a:spcAft>
                 <a:spcPts val="0"/>
               </a:spcAft>
+              <a:buClr>
+                <a:srgbClr val="000000"/>
+              </a:buClr>
+              <a:buSzPts val="1400"/>
+              <a:buFont typeface="Arial"/>
               <a:buNone/>
             </a:pPr>
             <a:r>
-              <a:rPr lang="de"/>
+              <a:rPr b="0" i="0" lang="de" sz="1600" u="none" cap="none" strike="noStrike">
+                <a:solidFill>
+                  <a:schemeClr val="dk1"/>
+                </a:solidFill>
+                <a:latin typeface="Arial"/>
+                <a:ea typeface="Arial"/>
+                <a:cs typeface="Arial"/>
+                <a:sym typeface="Arial"/>
+              </a:rPr>
               <a:t>Exceptions können “</a:t>
             </a:r>
             <a:r>
-              <a:rPr b="1" lang="de"/>
+              <a:rPr b="1" i="0" lang="de" sz="1600" u="none" cap="none" strike="noStrike">
+                <a:solidFill>
+                  <a:schemeClr val="dk1"/>
+                </a:solidFill>
+                <a:latin typeface="Arial"/>
+                <a:ea typeface="Arial"/>
+                <a:cs typeface="Arial"/>
+                <a:sym typeface="Arial"/>
+              </a:rPr>
               <a:t>geworfen</a:t>
             </a:r>
             <a:r>
-              <a:rPr lang="de"/>
+              <a:rPr b="0" i="0" lang="de" sz="1600" u="none" cap="none" strike="noStrike">
+                <a:solidFill>
+                  <a:schemeClr val="dk1"/>
+                </a:solidFill>
+                <a:latin typeface="Arial"/>
+                <a:ea typeface="Arial"/>
+                <a:cs typeface="Arial"/>
+                <a:sym typeface="Arial"/>
+              </a:rPr>
               <a:t>”, “</a:t>
             </a:r>
             <a:r>
-              <a:rPr b="1" lang="de"/>
+              <a:rPr b="1" i="0" lang="de" sz="1600" u="none" cap="none" strike="noStrike">
+                <a:solidFill>
+                  <a:schemeClr val="dk1"/>
+                </a:solidFill>
+                <a:latin typeface="Arial"/>
+                <a:ea typeface="Arial"/>
+                <a:cs typeface="Arial"/>
+                <a:sym typeface="Arial"/>
+              </a:rPr>
               <a:t>weitergereicht</a:t>
             </a:r>
             <a:r>
-              <a:rPr lang="de"/>
+              <a:rPr b="0" i="0" lang="de" sz="1600" u="none" cap="none" strike="noStrike">
+                <a:solidFill>
+                  <a:schemeClr val="dk1"/>
+                </a:solidFill>
+                <a:latin typeface="Arial"/>
+                <a:ea typeface="Arial"/>
+                <a:cs typeface="Arial"/>
+                <a:sym typeface="Arial"/>
+              </a:rPr>
               <a:t>” und “</a:t>
             </a:r>
             <a:r>
-              <a:rPr b="1" lang="de"/>
+              <a:rPr b="1" i="0" lang="de" sz="1600" u="none" cap="none" strike="noStrike">
+                <a:solidFill>
+                  <a:schemeClr val="dk1"/>
+                </a:solidFill>
+                <a:latin typeface="Arial"/>
+                <a:ea typeface="Arial"/>
+                <a:cs typeface="Arial"/>
+                <a:sym typeface="Arial"/>
+              </a:rPr>
               <a:t>gefangen</a:t>
             </a:r>
             <a:r>
-              <a:rPr lang="de"/>
+              <a:rPr b="0" i="0" lang="de" sz="1600" u="none" cap="none" strike="noStrike">
+                <a:solidFill>
+                  <a:schemeClr val="dk1"/>
+                </a:solidFill>
+                <a:latin typeface="Arial"/>
+                <a:ea typeface="Arial"/>
+                <a:cs typeface="Arial"/>
+                <a:sym typeface="Arial"/>
+              </a:rPr>
               <a:t>” werden.</a:t>
             </a:r>
-            <a:endParaRPr/>
+            <a:endParaRPr b="0" i="0" sz="1600" u="none" cap="none" strike="noStrike">
+              <a:solidFill>
+                <a:schemeClr val="dk1"/>
+              </a:solidFill>
+              <a:latin typeface="Arial"/>
+              <a:ea typeface="Arial"/>
+              <a:cs typeface="Arial"/>
+              <a:sym typeface="Arial"/>
+            </a:endParaRPr>
           </a:p>
           <a:p>
-            <a:pPr indent="0" lvl="0" marL="0" rtl="0" algn="l">
+            <a:pPr indent="0" lvl="0" marL="0" marR="0" rtl="0" algn="l">
+              <a:lnSpc>
+                <a:spcPct val="100000"/>
+              </a:lnSpc>
               <a:spcBef>
                 <a:spcPts val="320"/>
               </a:spcBef>
               <a:spcAft>
                 <a:spcPts val="0"/>
               </a:spcAft>
+              <a:buClr>
+                <a:srgbClr val="000000"/>
+              </a:buClr>
+              <a:buSzPts val="1400"/>
+              <a:buFont typeface="Arial"/>
               <a:buNone/>
             </a:pPr>
             <a:r>
               <a:t/>
             </a:r>
-            <a:endParaRPr/>
+            <a:endParaRPr b="0" i="0" sz="1600" u="none" cap="none" strike="noStrike">
+              <a:solidFill>
+                <a:schemeClr val="dk1"/>
+              </a:solidFill>
+              <a:latin typeface="Arial"/>
+              <a:ea typeface="Arial"/>
+              <a:cs typeface="Arial"/>
+              <a:sym typeface="Arial"/>
+            </a:endParaRPr>
           </a:p>
           <a:p>
-            <a:pPr indent="0" lvl="0" marL="0" rtl="0" algn="l">
+            <a:pPr indent="0" lvl="0" marL="0" marR="0" rtl="0" algn="l">
+              <a:lnSpc>
+                <a:spcPct val="100000"/>
+              </a:lnSpc>
               <a:spcBef>
                 <a:spcPts val="320"/>
               </a:spcBef>
               <a:spcAft>
                 <a:spcPts val="0"/>
               </a:spcAft>
+              <a:buClr>
+                <a:srgbClr val="000000"/>
+              </a:buClr>
+              <a:buSzPts val="1400"/>
+              <a:buFont typeface="Arial"/>
               <a:buNone/>
             </a:pPr>
             <a:r>
-              <a:rPr lang="de"/>
+              <a:rPr b="0" i="0" lang="de" sz="1600" u="none" cap="none" strike="noStrike">
+                <a:solidFill>
+                  <a:schemeClr val="dk1"/>
+                </a:solidFill>
+                <a:latin typeface="Arial"/>
+                <a:ea typeface="Arial"/>
+                <a:cs typeface="Arial"/>
+                <a:sym typeface="Arial"/>
+              </a:rPr>
               <a:t>Programme können sich von Exceptions - im Gegensatz zu Errors - grundsätzlich erholen.</a:t>
             </a:r>
-            <a:endParaRPr/>
+            <a:endParaRPr b="0" i="0" sz="1600" u="none" cap="none" strike="noStrike">
+              <a:solidFill>
+                <a:schemeClr val="dk1"/>
+              </a:solidFill>
+              <a:latin typeface="Arial"/>
+              <a:ea typeface="Arial"/>
+              <a:cs typeface="Arial"/>
+              <a:sym typeface="Arial"/>
+            </a:endParaRPr>
           </a:p>
           <a:p>
-            <a:pPr indent="0" lvl="0" marL="0" rtl="0" algn="l">
+            <a:pPr indent="0" lvl="0" marL="0" marR="0" rtl="0" algn="l">
+              <a:lnSpc>
+                <a:spcPct val="100000"/>
+              </a:lnSpc>
               <a:spcBef>
                 <a:spcPts val="320"/>
               </a:spcBef>
               <a:spcAft>
                 <a:spcPts val="0"/>
               </a:spcAft>
+              <a:buClr>
+                <a:srgbClr val="000000"/>
+              </a:buClr>
+              <a:buSzPts val="1400"/>
+              <a:buFont typeface="Arial"/>
               <a:buNone/>
             </a:pPr>
             <a:r>
               <a:t/>
             </a:r>
-            <a:endParaRPr/>
+            <a:endParaRPr b="0" i="0" sz="1600" u="none" cap="none" strike="noStrike">
+              <a:solidFill>
+                <a:schemeClr val="dk1"/>
+              </a:solidFill>
+              <a:latin typeface="Arial"/>
+              <a:ea typeface="Arial"/>
+              <a:cs typeface="Arial"/>
+              <a:sym typeface="Arial"/>
+            </a:endParaRPr>
           </a:p>
           <a:p>
-            <a:pPr indent="0" lvl="0" marL="0" rtl="0" algn="l">
+            <a:pPr indent="0" lvl="0" marL="0" marR="0" rtl="0" algn="l">
+              <a:lnSpc>
+                <a:spcPct val="100000"/>
+              </a:lnSpc>
               <a:spcBef>
                 <a:spcPts val="320"/>
               </a:spcBef>
               <a:spcAft>
                 <a:spcPts val="0"/>
               </a:spcAft>
+              <a:buClr>
+                <a:srgbClr val="000000"/>
+              </a:buClr>
+              <a:buSzPts val="1400"/>
+              <a:buFont typeface="Arial"/>
               <a:buNone/>
             </a:pPr>
             <a:r>
-              <a:rPr lang="de"/>
+              <a:rPr b="0" i="0" lang="de" sz="1600" u="none" cap="none" strike="noStrike">
+                <a:solidFill>
+                  <a:schemeClr val="dk1"/>
+                </a:solidFill>
+                <a:latin typeface="Arial"/>
+                <a:ea typeface="Arial"/>
+                <a:cs typeface="Arial"/>
+                <a:sym typeface="Arial"/>
+              </a:rPr>
               <a:t>Es gibt in Java zwei verschiedene Arten von Exceptions: Die die von der Klasse RuntimeException erben, und die die es nicht tun.</a:t>
             </a:r>
-            <a:endParaRPr/>
+            <a:endParaRPr b="0" i="0" sz="1600" u="none" cap="none" strike="noStrike">
+              <a:solidFill>
+                <a:schemeClr val="dk1"/>
+              </a:solidFill>
+              <a:latin typeface="Arial"/>
+              <a:ea typeface="Arial"/>
+              <a:cs typeface="Arial"/>
+              <a:sym typeface="Arial"/>
+            </a:endParaRPr>
           </a:p>
           <a:p>
-            <a:pPr indent="0" lvl="0" marL="0" rtl="0" algn="l">
+            <a:pPr indent="0" lvl="0" marL="0" marR="0" rtl="0" algn="l">
+              <a:lnSpc>
+                <a:spcPct val="100000"/>
+              </a:lnSpc>
               <a:spcBef>
                 <a:spcPts val="320"/>
               </a:spcBef>
               <a:spcAft>
                 <a:spcPts val="0"/>
               </a:spcAft>
+              <a:buClr>
+                <a:srgbClr val="000000"/>
+              </a:buClr>
+              <a:buSzPts val="1400"/>
+              <a:buFont typeface="Arial"/>
               <a:buNone/>
             </a:pPr>
             <a:r>
-              <a:rPr lang="de"/>
+              <a:rPr b="0" i="0" lang="de" sz="1600" u="none" cap="none" strike="noStrike">
+                <a:solidFill>
+                  <a:schemeClr val="dk1"/>
+                </a:solidFill>
+                <a:latin typeface="Arial"/>
+                <a:ea typeface="Arial"/>
+                <a:cs typeface="Arial"/>
+                <a:sym typeface="Arial"/>
+              </a:rPr>
               <a:t>Erbt eine Exception von RuntimeException, so ist sie </a:t>
             </a:r>
             <a:r>
-              <a:rPr b="1" lang="de"/>
+              <a:rPr b="1" i="0" lang="de" sz="1600" u="none" cap="none" strike="noStrike">
+                <a:solidFill>
+                  <a:schemeClr val="dk1"/>
+                </a:solidFill>
+                <a:latin typeface="Arial"/>
+                <a:ea typeface="Arial"/>
+                <a:cs typeface="Arial"/>
+                <a:sym typeface="Arial"/>
+              </a:rPr>
               <a:t>implizit</a:t>
             </a:r>
             <a:r>
-              <a:rPr lang="de"/>
+              <a:rPr b="0" i="0" lang="de" sz="1600" u="none" cap="none" strike="noStrike">
+                <a:solidFill>
+                  <a:schemeClr val="dk1"/>
+                </a:solidFill>
+                <a:latin typeface="Arial"/>
+                <a:ea typeface="Arial"/>
+                <a:cs typeface="Arial"/>
+                <a:sym typeface="Arial"/>
+              </a:rPr>
               <a:t>, ansonsten ist sie </a:t>
             </a:r>
             <a:r>
-              <a:rPr b="1" lang="de"/>
+              <a:rPr b="1" i="0" lang="de" sz="1600" u="none" cap="none" strike="noStrike">
+                <a:solidFill>
+                  <a:schemeClr val="dk1"/>
+                </a:solidFill>
+                <a:latin typeface="Arial"/>
+                <a:ea typeface="Arial"/>
+                <a:cs typeface="Arial"/>
+                <a:sym typeface="Arial"/>
+              </a:rPr>
               <a:t>explizit</a:t>
             </a:r>
             <a:r>
-              <a:rPr lang="de"/>
+              <a:rPr b="0" i="0" lang="de" sz="1600" u="none" cap="none" strike="noStrike">
+                <a:solidFill>
+                  <a:schemeClr val="dk1"/>
+                </a:solidFill>
+                <a:latin typeface="Arial"/>
+                <a:ea typeface="Arial"/>
+                <a:cs typeface="Arial"/>
+                <a:sym typeface="Arial"/>
+              </a:rPr>
               <a:t>. Wir gehen auf den Unterschied später noch ein.</a:t>
             </a:r>
-            <a:endParaRPr/>
+            <a:endParaRPr b="0" i="0" sz="1600" u="none" cap="none" strike="noStrike">
+              <a:solidFill>
+                <a:schemeClr val="dk1"/>
+              </a:solidFill>
+              <a:latin typeface="Arial"/>
+              <a:ea typeface="Arial"/>
+              <a:cs typeface="Arial"/>
+              <a:sym typeface="Arial"/>
+            </a:endParaRPr>
           </a:p>
         </p:txBody>
       </p:sp>
@@ -10647,6 +11680,10 @@
           <a:prstGeom prst="rect">
             <a:avLst/>
           </a:prstGeom>
+          <a:noFill/>
+          <a:ln>
+            <a:noFill/>
+          </a:ln>
         </p:spPr>
         <p:txBody>
           <a:bodyPr anchorCtr="0" anchor="b" bIns="0" lIns="0" spcFirstLastPara="1" rIns="0" wrap="square" tIns="0">
@@ -10655,12 +11692,16 @@
           <a:lstStyle/>
           <a:p>
             <a:pPr indent="0" lvl="0" marL="0" rtl="0" algn="l">
-              <a:spcBef>
-                <a:spcPts val="0"/>
-              </a:spcBef>
-              <a:spcAft>
-                <a:spcPts val="0"/>
-              </a:spcAft>
+              <a:lnSpc>
+                <a:spcPct val="100000"/>
+              </a:lnSpc>
+              <a:spcBef>
+                <a:spcPts val="0"/>
+              </a:spcBef>
+              <a:spcAft>
+                <a:spcPts val="0"/>
+              </a:spcAft>
+              <a:buSzPts val="1400"/>
               <a:buNone/>
             </a:pPr>
             <a:r>
@@ -10687,6 +11728,10 @@
           <a:prstGeom prst="rect">
             <a:avLst/>
           </a:prstGeom>
+          <a:noFill/>
+          <a:ln>
+            <a:noFill/>
+          </a:ln>
         </p:spPr>
         <p:txBody>
           <a:bodyPr anchorCtr="0" anchor="t" bIns="0" lIns="0" spcFirstLastPara="1" rIns="0" wrap="square" tIns="0">
@@ -10694,20 +11739,44 @@
           </a:bodyPr>
           <a:lstStyle/>
           <a:p>
-            <a:pPr indent="0" lvl="0" marL="0" rtl="0" algn="l">
+            <a:pPr indent="0" lvl="0" marL="0" marR="0" rtl="0" algn="l">
+              <a:lnSpc>
+                <a:spcPct val="100000"/>
+              </a:lnSpc>
               <a:spcBef>
                 <a:spcPts val="320"/>
               </a:spcBef>
               <a:spcAft>
                 <a:spcPts val="0"/>
               </a:spcAft>
+              <a:buClr>
+                <a:srgbClr val="000000"/>
+              </a:buClr>
+              <a:buSzPts val="1400"/>
+              <a:buFont typeface="Arial"/>
               <a:buNone/>
             </a:pPr>
             <a:r>
-              <a:rPr lang="de"/>
+              <a:rPr b="0" i="0" lang="de" sz="1600" u="none" cap="none" strike="noStrike">
+                <a:solidFill>
+                  <a:schemeClr val="dk1"/>
+                </a:solidFill>
+                <a:latin typeface="Arial"/>
+                <a:ea typeface="Arial"/>
+                <a:cs typeface="Arial"/>
+                <a:sym typeface="Arial"/>
+              </a:rPr>
               <a:t>Hier einige Beispiele von Exceptions, die die Java-Bibliothek bereitstellt und in entsprechenden Fällen wirft:</a:t>
             </a:r>
-            <a:endParaRPr/>
+            <a:endParaRPr b="0" i="0" sz="1600" u="none" cap="none" strike="noStrike">
+              <a:solidFill>
+                <a:schemeClr val="dk1"/>
+              </a:solidFill>
+              <a:latin typeface="Arial"/>
+              <a:ea typeface="Arial"/>
+              <a:cs typeface="Arial"/>
+              <a:sym typeface="Arial"/>
+            </a:endParaRPr>
           </a:p>
         </p:txBody>
       </p:sp>
@@ -10717,13 +11786,12 @@
           <p:cNvPicPr preferRelativeResize="0"/>
           <p:nvPr/>
         </p:nvPicPr>
-        <p:blipFill>
+        <p:blipFill rotWithShape="1">
           <a:blip r:embed="rId3">
             <a:alphaModFix/>
           </a:blip>
-          <a:stretch>
-            <a:fillRect/>
-          </a:stretch>
+          <a:srcRect b="0" l="0" r="0" t="0"/>
+          <a:stretch/>
         </p:blipFill>
         <p:spPr>
           <a:xfrm>
@@ -10745,13 +11813,12 @@
           <p:cNvPicPr preferRelativeResize="0"/>
           <p:nvPr/>
         </p:nvPicPr>
-        <p:blipFill>
+        <p:blipFill rotWithShape="1">
           <a:blip r:embed="rId4">
             <a:alphaModFix/>
           </a:blip>
-          <a:stretch>
-            <a:fillRect/>
-          </a:stretch>
+          <a:srcRect b="0" l="0" r="0" t="0"/>
+          <a:stretch/>
         </p:blipFill>
         <p:spPr>
           <a:xfrm>
@@ -10773,13 +11840,12 @@
           <p:cNvPicPr preferRelativeResize="0"/>
           <p:nvPr/>
         </p:nvPicPr>
-        <p:blipFill>
+        <p:blipFill rotWithShape="1">
           <a:blip r:embed="rId5">
             <a:alphaModFix/>
           </a:blip>
-          <a:stretch>
-            <a:fillRect/>
-          </a:stretch>
+          <a:srcRect b="0" l="0" r="0" t="0"/>
+          <a:stretch/>
         </p:blipFill>
         <p:spPr>
           <a:xfrm>
@@ -10836,6 +11902,10 @@
           <a:prstGeom prst="rect">
             <a:avLst/>
           </a:prstGeom>
+          <a:noFill/>
+          <a:ln>
+            <a:noFill/>
+          </a:ln>
         </p:spPr>
         <p:txBody>
           <a:bodyPr anchorCtr="0" anchor="b" bIns="0" lIns="0" spcFirstLastPara="1" rIns="0" wrap="square" tIns="0">
@@ -10844,12 +11914,16 @@
           <a:lstStyle/>
           <a:p>
             <a:pPr indent="0" lvl="0" marL="0" rtl="0" algn="l">
-              <a:spcBef>
-                <a:spcPts val="0"/>
-              </a:spcBef>
-              <a:spcAft>
-                <a:spcPts val="0"/>
-              </a:spcAft>
+              <a:lnSpc>
+                <a:spcPct val="100000"/>
+              </a:lnSpc>
+              <a:spcBef>
+                <a:spcPts val="0"/>
+              </a:spcBef>
+              <a:spcAft>
+                <a:spcPts val="0"/>
+              </a:spcAft>
+              <a:buSzPts val="1400"/>
               <a:buNone/>
             </a:pPr>
             <a:r>
@@ -10876,6 +11950,10 @@
           <a:prstGeom prst="rect">
             <a:avLst/>
           </a:prstGeom>
+          <a:noFill/>
+          <a:ln>
+            <a:noFill/>
+          </a:ln>
         </p:spPr>
         <p:txBody>
           <a:bodyPr anchorCtr="0" anchor="t" bIns="0" lIns="0" spcFirstLastPara="1" rIns="0" wrap="square" tIns="0">
@@ -10883,142 +11961,310 @@
           </a:bodyPr>
           <a:lstStyle/>
           <a:p>
-            <a:pPr indent="0" lvl="0" marL="0" rtl="0" algn="l">
+            <a:pPr indent="0" lvl="0" marL="0" marR="0" rtl="0" algn="l">
+              <a:lnSpc>
+                <a:spcPct val="100000"/>
+              </a:lnSpc>
               <a:spcBef>
                 <a:spcPts val="320"/>
               </a:spcBef>
               <a:spcAft>
                 <a:spcPts val="0"/>
               </a:spcAft>
+              <a:buClr>
+                <a:srgbClr val="000000"/>
+              </a:buClr>
+              <a:buSzPts val="1400"/>
+              <a:buFont typeface="Arial"/>
               <a:buNone/>
             </a:pPr>
             <a:r>
-              <a:rPr lang="de"/>
+              <a:rPr b="0" i="0" lang="de" sz="1600" u="none" cap="none" strike="noStrike">
+                <a:solidFill>
+                  <a:schemeClr val="dk1"/>
+                </a:solidFill>
+                <a:latin typeface="Arial"/>
+                <a:ea typeface="Arial"/>
+                <a:cs typeface="Arial"/>
+                <a:sym typeface="Arial"/>
+              </a:rPr>
               <a:t>In Java ist es möglich, sich eigene Exceptions mit eigenem Verhalten zu definieren.</a:t>
             </a:r>
-            <a:endParaRPr/>
+            <a:endParaRPr b="0" i="0" sz="1600" u="none" cap="none" strike="noStrike">
+              <a:solidFill>
+                <a:schemeClr val="dk1"/>
+              </a:solidFill>
+              <a:latin typeface="Arial"/>
+              <a:ea typeface="Arial"/>
+              <a:cs typeface="Arial"/>
+              <a:sym typeface="Arial"/>
+            </a:endParaRPr>
           </a:p>
           <a:p>
-            <a:pPr indent="0" lvl="0" marL="0" rtl="0" algn="l">
+            <a:pPr indent="0" lvl="0" marL="0" marR="0" rtl="0" algn="l">
+              <a:lnSpc>
+                <a:spcPct val="100000"/>
+              </a:lnSpc>
               <a:spcBef>
                 <a:spcPts val="320"/>
               </a:spcBef>
               <a:spcAft>
                 <a:spcPts val="0"/>
               </a:spcAft>
+              <a:buClr>
+                <a:srgbClr val="000000"/>
+              </a:buClr>
+              <a:buSzPts val="1400"/>
+              <a:buFont typeface="Arial"/>
               <a:buNone/>
             </a:pPr>
             <a:r>
               <a:t/>
             </a:r>
-            <a:endParaRPr/>
+            <a:endParaRPr b="0" i="0" sz="1600" u="none" cap="none" strike="noStrike">
+              <a:solidFill>
+                <a:schemeClr val="dk1"/>
+              </a:solidFill>
+              <a:latin typeface="Arial"/>
+              <a:ea typeface="Arial"/>
+              <a:cs typeface="Arial"/>
+              <a:sym typeface="Arial"/>
+            </a:endParaRPr>
           </a:p>
           <a:p>
-            <a:pPr indent="0" lvl="0" marL="0" rtl="0" algn="l">
+            <a:pPr indent="0" lvl="0" marL="0" marR="0" rtl="0" algn="l">
+              <a:lnSpc>
+                <a:spcPct val="100000"/>
+              </a:lnSpc>
               <a:spcBef>
                 <a:spcPts val="320"/>
               </a:spcBef>
               <a:spcAft>
                 <a:spcPts val="0"/>
               </a:spcAft>
+              <a:buClr>
+                <a:srgbClr val="000000"/>
+              </a:buClr>
+              <a:buSzPts val="1400"/>
+              <a:buFont typeface="Arial"/>
               <a:buNone/>
             </a:pPr>
             <a:r>
               <a:t/>
             </a:r>
-            <a:endParaRPr/>
+            <a:endParaRPr b="0" i="0" sz="1600" u="none" cap="none" strike="noStrike">
+              <a:solidFill>
+                <a:schemeClr val="dk1"/>
+              </a:solidFill>
+              <a:latin typeface="Arial"/>
+              <a:ea typeface="Arial"/>
+              <a:cs typeface="Arial"/>
+              <a:sym typeface="Arial"/>
+            </a:endParaRPr>
           </a:p>
           <a:p>
-            <a:pPr indent="0" lvl="0" marL="0" rtl="0" algn="l">
+            <a:pPr indent="0" lvl="0" marL="0" marR="0" rtl="0" algn="l">
+              <a:lnSpc>
+                <a:spcPct val="100000"/>
+              </a:lnSpc>
               <a:spcBef>
                 <a:spcPts val="320"/>
               </a:spcBef>
               <a:spcAft>
                 <a:spcPts val="0"/>
               </a:spcAft>
+              <a:buClr>
+                <a:srgbClr val="000000"/>
+              </a:buClr>
+              <a:buSzPts val="1400"/>
+              <a:buFont typeface="Arial"/>
               <a:buNone/>
             </a:pPr>
             <a:r>
               <a:t/>
             </a:r>
-            <a:endParaRPr/>
+            <a:endParaRPr b="0" i="0" sz="1600" u="none" cap="none" strike="noStrike">
+              <a:solidFill>
+                <a:schemeClr val="dk1"/>
+              </a:solidFill>
+              <a:latin typeface="Arial"/>
+              <a:ea typeface="Arial"/>
+              <a:cs typeface="Arial"/>
+              <a:sym typeface="Arial"/>
+            </a:endParaRPr>
           </a:p>
           <a:p>
-            <a:pPr indent="0" lvl="0" marL="0" rtl="0" algn="l">
+            <a:pPr indent="0" lvl="0" marL="0" marR="0" rtl="0" algn="l">
+              <a:lnSpc>
+                <a:spcPct val="100000"/>
+              </a:lnSpc>
               <a:spcBef>
                 <a:spcPts val="320"/>
               </a:spcBef>
               <a:spcAft>
                 <a:spcPts val="0"/>
               </a:spcAft>
+              <a:buClr>
+                <a:srgbClr val="000000"/>
+              </a:buClr>
+              <a:buSzPts val="1400"/>
+              <a:buFont typeface="Arial"/>
               <a:buNone/>
             </a:pPr>
             <a:r>
               <a:t/>
             </a:r>
-            <a:endParaRPr/>
+            <a:endParaRPr b="0" i="0" sz="1600" u="none" cap="none" strike="noStrike">
+              <a:solidFill>
+                <a:schemeClr val="dk1"/>
+              </a:solidFill>
+              <a:latin typeface="Arial"/>
+              <a:ea typeface="Arial"/>
+              <a:cs typeface="Arial"/>
+              <a:sym typeface="Arial"/>
+            </a:endParaRPr>
           </a:p>
           <a:p>
-            <a:pPr indent="0" lvl="0" marL="0" rtl="0" algn="l">
+            <a:pPr indent="0" lvl="0" marL="0" marR="0" rtl="0" algn="l">
+              <a:lnSpc>
+                <a:spcPct val="100000"/>
+              </a:lnSpc>
               <a:spcBef>
                 <a:spcPts val="320"/>
               </a:spcBef>
               <a:spcAft>
                 <a:spcPts val="0"/>
               </a:spcAft>
+              <a:buClr>
+                <a:srgbClr val="000000"/>
+              </a:buClr>
+              <a:buSzPts val="1400"/>
+              <a:buFont typeface="Arial"/>
               <a:buNone/>
             </a:pPr>
             <a:r>
               <a:t/>
             </a:r>
-            <a:endParaRPr/>
+            <a:endParaRPr b="0" i="0" sz="1600" u="none" cap="none" strike="noStrike">
+              <a:solidFill>
+                <a:schemeClr val="dk1"/>
+              </a:solidFill>
+              <a:latin typeface="Arial"/>
+              <a:ea typeface="Arial"/>
+              <a:cs typeface="Arial"/>
+              <a:sym typeface="Arial"/>
+            </a:endParaRPr>
           </a:p>
           <a:p>
-            <a:pPr indent="0" lvl="0" marL="0" rtl="0" algn="l">
+            <a:pPr indent="0" lvl="0" marL="0" marR="0" rtl="0" algn="l">
+              <a:lnSpc>
+                <a:spcPct val="100000"/>
+              </a:lnSpc>
               <a:spcBef>
                 <a:spcPts val="320"/>
               </a:spcBef>
               <a:spcAft>
                 <a:spcPts val="0"/>
               </a:spcAft>
+              <a:buClr>
+                <a:srgbClr val="000000"/>
+              </a:buClr>
+              <a:buSzPts val="1400"/>
+              <a:buFont typeface="Arial"/>
               <a:buNone/>
             </a:pPr>
             <a:r>
-              <a:rPr lang="de"/>
+              <a:rPr b="0" i="0" lang="de" sz="1600" u="none" cap="none" strike="noStrike">
+                <a:solidFill>
+                  <a:schemeClr val="dk1"/>
+                </a:solidFill>
+                <a:latin typeface="Arial"/>
+                <a:ea typeface="Arial"/>
+                <a:cs typeface="Arial"/>
+                <a:sym typeface="Arial"/>
+              </a:rPr>
               <a:t>Alle Exceptions, sowohl die aus der Java-Bibliothek, als auch eigens definierte erben direkt oder indirekt von Exception.</a:t>
             </a:r>
-            <a:endParaRPr/>
+            <a:endParaRPr b="0" i="0" sz="1600" u="none" cap="none" strike="noStrike">
+              <a:solidFill>
+                <a:schemeClr val="dk1"/>
+              </a:solidFill>
+              <a:latin typeface="Arial"/>
+              <a:ea typeface="Arial"/>
+              <a:cs typeface="Arial"/>
+              <a:sym typeface="Arial"/>
+            </a:endParaRPr>
           </a:p>
           <a:p>
-            <a:pPr indent="0" lvl="0" marL="0" rtl="0" algn="l">
+            <a:pPr indent="0" lvl="0" marL="0" marR="0" rtl="0" algn="l">
+              <a:lnSpc>
+                <a:spcPct val="100000"/>
+              </a:lnSpc>
               <a:spcBef>
                 <a:spcPts val="320"/>
               </a:spcBef>
               <a:spcAft>
                 <a:spcPts val="0"/>
               </a:spcAft>
+              <a:buClr>
+                <a:srgbClr val="000000"/>
+              </a:buClr>
+              <a:buSzPts val="1400"/>
+              <a:buFont typeface="Arial"/>
               <a:buNone/>
             </a:pPr>
             <a:r>
               <a:t/>
             </a:r>
-            <a:endParaRPr/>
+            <a:endParaRPr b="0" i="0" sz="1600" u="none" cap="none" strike="noStrike">
+              <a:solidFill>
+                <a:schemeClr val="dk1"/>
+              </a:solidFill>
+              <a:latin typeface="Arial"/>
+              <a:ea typeface="Arial"/>
+              <a:cs typeface="Arial"/>
+              <a:sym typeface="Arial"/>
+            </a:endParaRPr>
           </a:p>
           <a:p>
-            <a:pPr indent="0" lvl="0" marL="0" rtl="0" algn="l">
+            <a:pPr indent="0" lvl="0" marL="0" marR="0" rtl="0" algn="l">
+              <a:lnSpc>
+                <a:spcPct val="100000"/>
+              </a:lnSpc>
               <a:spcBef>
                 <a:spcPts val="320"/>
               </a:spcBef>
               <a:spcAft>
                 <a:spcPts val="0"/>
               </a:spcAft>
+              <a:buClr>
+                <a:srgbClr val="000000"/>
+              </a:buClr>
+              <a:buSzPts val="1400"/>
+              <a:buFont typeface="Arial"/>
               <a:buNone/>
             </a:pPr>
             <a:r>
-              <a:rPr lang="de"/>
+              <a:rPr b="0" i="0" lang="de" sz="1600" u="none" cap="none" strike="noStrike">
+                <a:solidFill>
+                  <a:schemeClr val="dk1"/>
+                </a:solidFill>
+                <a:latin typeface="Arial"/>
+                <a:ea typeface="Arial"/>
+                <a:cs typeface="Arial"/>
+                <a:sym typeface="Arial"/>
+              </a:rPr>
               <a:t>Exception-Klassen sind Klassen und können, wie andere Klassen auch, instanziiert werden.</a:t>
             </a:r>
-            <a:endParaRPr/>
+            <a:endParaRPr b="0" i="0" sz="1600" u="none" cap="none" strike="noStrike">
+              <a:solidFill>
+                <a:schemeClr val="dk1"/>
+              </a:solidFill>
+              <a:latin typeface="Arial"/>
+              <a:ea typeface="Arial"/>
+              <a:cs typeface="Arial"/>
+              <a:sym typeface="Arial"/>
+            </a:endParaRPr>
           </a:p>
         </p:txBody>
       </p:sp>
@@ -11028,13 +12274,12 @@
           <p:cNvPicPr preferRelativeResize="0"/>
           <p:nvPr/>
         </p:nvPicPr>
-        <p:blipFill>
+        <p:blipFill rotWithShape="1">
           <a:blip r:embed="rId3">
             <a:alphaModFix/>
           </a:blip>
-          <a:stretch>
-            <a:fillRect/>
-          </a:stretch>
+          <a:srcRect b="0" l="0" r="0" t="0"/>
+          <a:stretch/>
         </p:blipFill>
         <p:spPr>
           <a:xfrm>
@@ -11056,13 +12301,12 @@
           <p:cNvPicPr preferRelativeResize="0"/>
           <p:nvPr/>
         </p:nvPicPr>
-        <p:blipFill>
+        <p:blipFill rotWithShape="1">
           <a:blip r:embed="rId4">
             <a:alphaModFix/>
           </a:blip>
-          <a:stretch>
-            <a:fillRect/>
-          </a:stretch>
+          <a:srcRect b="0" l="0" r="0" t="0"/>
+          <a:stretch/>
         </p:blipFill>
         <p:spPr>
           <a:xfrm>
@@ -11119,6 +12363,10 @@
           <a:prstGeom prst="rect">
             <a:avLst/>
           </a:prstGeom>
+          <a:noFill/>
+          <a:ln>
+            <a:noFill/>
+          </a:ln>
         </p:spPr>
         <p:txBody>
           <a:bodyPr anchorCtr="0" anchor="b" bIns="0" lIns="0" spcFirstLastPara="1" rIns="0" wrap="square" tIns="0">
@@ -11127,12 +12375,16 @@
           <a:lstStyle/>
           <a:p>
             <a:pPr indent="0" lvl="0" marL="0" rtl="0" algn="l">
-              <a:spcBef>
-                <a:spcPts val="0"/>
-              </a:spcBef>
-              <a:spcAft>
-                <a:spcPts val="0"/>
-              </a:spcAft>
+              <a:lnSpc>
+                <a:spcPct val="100000"/>
+              </a:lnSpc>
+              <a:spcBef>
+                <a:spcPts val="0"/>
+              </a:spcBef>
+              <a:spcAft>
+                <a:spcPts val="0"/>
+              </a:spcAft>
+              <a:buSzPts val="1400"/>
               <a:buNone/>
             </a:pPr>
             <a:r>
@@ -11159,6 +12411,10 @@
           <a:prstGeom prst="rect">
             <a:avLst/>
           </a:prstGeom>
+          <a:noFill/>
+          <a:ln>
+            <a:noFill/>
+          </a:ln>
         </p:spPr>
         <p:txBody>
           <a:bodyPr anchorCtr="0" anchor="t" bIns="0" lIns="0" spcFirstLastPara="1" rIns="0" wrap="square" tIns="0">
@@ -11166,84 +12422,227 @@
           </a:bodyPr>
           <a:lstStyle/>
           <a:p>
-            <a:pPr indent="0" lvl="0" marL="0" rtl="0" algn="l">
+            <a:pPr indent="0" lvl="0" marL="0" marR="0" rtl="0" algn="l">
+              <a:lnSpc>
+                <a:spcPct val="100000"/>
+              </a:lnSpc>
               <a:spcBef>
                 <a:spcPts val="320"/>
               </a:spcBef>
               <a:spcAft>
                 <a:spcPts val="0"/>
               </a:spcAft>
+              <a:buClr>
+                <a:srgbClr val="000000"/>
+              </a:buClr>
+              <a:buSzPts val="1400"/>
+              <a:buFont typeface="Arial"/>
               <a:buNone/>
             </a:pPr>
             <a:r>
-              <a:rPr lang="de"/>
+              <a:rPr b="0" i="0" lang="de" sz="1600" u="none" cap="none" strike="noStrike">
+                <a:solidFill>
+                  <a:schemeClr val="dk1"/>
+                </a:solidFill>
+                <a:latin typeface="Arial"/>
+                <a:ea typeface="Arial"/>
+                <a:cs typeface="Arial"/>
+                <a:sym typeface="Arial"/>
+              </a:rPr>
               <a:t>Es gibt in Java mehrere Schlüsselwörter im Kontext von Exceptions:</a:t>
             </a:r>
-            <a:endParaRPr/>
+            <a:endParaRPr b="0" i="0" sz="1600" u="none" cap="none" strike="noStrike">
+              <a:solidFill>
+                <a:schemeClr val="dk1"/>
+              </a:solidFill>
+              <a:latin typeface="Arial"/>
+              <a:ea typeface="Arial"/>
+              <a:cs typeface="Arial"/>
+              <a:sym typeface="Arial"/>
+            </a:endParaRPr>
           </a:p>
           <a:p>
-            <a:pPr indent="0" lvl="0" marL="0" rtl="0" algn="l">
+            <a:pPr indent="0" lvl="0" marL="0" marR="0" rtl="0" algn="l">
+              <a:lnSpc>
+                <a:spcPct val="100000"/>
+              </a:lnSpc>
               <a:spcBef>
                 <a:spcPts val="320"/>
               </a:spcBef>
               <a:spcAft>
                 <a:spcPts val="0"/>
               </a:spcAft>
+              <a:buClr>
+                <a:srgbClr val="000000"/>
+              </a:buClr>
+              <a:buSzPts val="1400"/>
+              <a:buFont typeface="Arial"/>
               <a:buNone/>
             </a:pPr>
             <a:r>
               <a:t/>
             </a:r>
-            <a:endParaRPr/>
+            <a:endParaRPr b="0" i="0" sz="1600" u="none" cap="none" strike="noStrike">
+              <a:solidFill>
+                <a:schemeClr val="dk1"/>
+              </a:solidFill>
+              <a:latin typeface="Arial"/>
+              <a:ea typeface="Arial"/>
+              <a:cs typeface="Arial"/>
+              <a:sym typeface="Arial"/>
+            </a:endParaRPr>
           </a:p>
           <a:p>
-            <a:pPr indent="-317500" lvl="0" marL="457200" rtl="0" algn="l">
+            <a:pPr indent="-317500" lvl="0" marL="457200" marR="0" rtl="0" algn="l">
+              <a:lnSpc>
+                <a:spcPct val="100000"/>
+              </a:lnSpc>
               <a:spcBef>
                 <a:spcPts val="320"/>
               </a:spcBef>
               <a:spcAft>
                 <a:spcPts val="0"/>
               </a:spcAft>
-              <a:buSzPts val="1400"/>
+              <a:buClr>
+                <a:srgbClr val="000000"/>
+              </a:buClr>
+              <a:buSzPts val="1400"/>
+              <a:buFont typeface="Arial"/>
               <a:buChar char="●"/>
             </a:pPr>
             <a:r>
-              <a:rPr b="1" lang="de"/>
+              <a:rPr b="1" i="0" lang="de" sz="1600" u="none" cap="none" strike="noStrike">
+                <a:solidFill>
+                  <a:schemeClr val="dk1"/>
+                </a:solidFill>
+                <a:latin typeface="Arial"/>
+                <a:ea typeface="Arial"/>
+                <a:cs typeface="Arial"/>
+                <a:sym typeface="Arial"/>
+              </a:rPr>
               <a:t>try-catch</a:t>
             </a:r>
             <a:r>
-              <a:rPr lang="de"/>
+              <a:rPr b="0" i="0" lang="de" sz="1600" u="none" cap="none" strike="noStrike">
+                <a:solidFill>
+                  <a:schemeClr val="dk1"/>
+                </a:solidFill>
+                <a:latin typeface="Arial"/>
+                <a:ea typeface="Arial"/>
+                <a:cs typeface="Arial"/>
+                <a:sym typeface="Arial"/>
+              </a:rPr>
               <a:t>: try-catch-(finally)-Blöcke behandeln Exceptions. Tritt in dem try-Block oder dessen Stack (weitere Funktionsaufrufe) eine Exception auf, so wird der try-Block direkt beendet. Die Exception kann dann mit einem catch-Block abgefangen werden.</a:t>
             </a:r>
             <a:br>
-              <a:rPr lang="de"/>
+              <a:rPr b="0" i="0" lang="de" sz="1600" u="none" cap="none" strike="noStrike">
+                <a:solidFill>
+                  <a:schemeClr val="dk1"/>
+                </a:solidFill>
+                <a:latin typeface="Arial"/>
+                <a:ea typeface="Arial"/>
+                <a:cs typeface="Arial"/>
+                <a:sym typeface="Arial"/>
+              </a:rPr>
             </a:br>
             <a:br>
-              <a:rPr lang="de"/>
+              <a:rPr b="0" i="0" lang="de" sz="1600" u="none" cap="none" strike="noStrike">
+                <a:solidFill>
+                  <a:schemeClr val="dk1"/>
+                </a:solidFill>
+                <a:latin typeface="Arial"/>
+                <a:ea typeface="Arial"/>
+                <a:cs typeface="Arial"/>
+                <a:sym typeface="Arial"/>
+              </a:rPr>
             </a:br>
             <a:br>
-              <a:rPr lang="de"/>
+              <a:rPr b="0" i="0" lang="de" sz="1600" u="none" cap="none" strike="noStrike">
+                <a:solidFill>
+                  <a:schemeClr val="dk1"/>
+                </a:solidFill>
+                <a:latin typeface="Arial"/>
+                <a:ea typeface="Arial"/>
+                <a:cs typeface="Arial"/>
+                <a:sym typeface="Arial"/>
+              </a:rPr>
             </a:br>
             <a:br>
-              <a:rPr lang="de"/>
+              <a:rPr b="0" i="0" lang="de" sz="1600" u="none" cap="none" strike="noStrike">
+                <a:solidFill>
+                  <a:schemeClr val="dk1"/>
+                </a:solidFill>
+                <a:latin typeface="Arial"/>
+                <a:ea typeface="Arial"/>
+                <a:cs typeface="Arial"/>
+                <a:sym typeface="Arial"/>
+              </a:rPr>
             </a:br>
             <a:br>
-              <a:rPr lang="de"/>
+              <a:rPr b="0" i="0" lang="de" sz="1600" u="none" cap="none" strike="noStrike">
+                <a:solidFill>
+                  <a:schemeClr val="dk1"/>
+                </a:solidFill>
+                <a:latin typeface="Arial"/>
+                <a:ea typeface="Arial"/>
+                <a:cs typeface="Arial"/>
+                <a:sym typeface="Arial"/>
+              </a:rPr>
             </a:br>
             <a:br>
-              <a:rPr lang="de"/>
+              <a:rPr b="0" i="0" lang="de" sz="1600" u="none" cap="none" strike="noStrike">
+                <a:solidFill>
+                  <a:schemeClr val="dk1"/>
+                </a:solidFill>
+                <a:latin typeface="Arial"/>
+                <a:ea typeface="Arial"/>
+                <a:cs typeface="Arial"/>
+                <a:sym typeface="Arial"/>
+              </a:rPr>
             </a:br>
             <a:r>
-              <a:rPr lang="de"/>
+              <a:rPr b="0" i="0" lang="de" sz="1600" u="none" cap="none" strike="noStrike">
+                <a:solidFill>
+                  <a:schemeClr val="dk1"/>
+                </a:solidFill>
+                <a:latin typeface="Arial"/>
+                <a:ea typeface="Arial"/>
+                <a:cs typeface="Arial"/>
+                <a:sym typeface="Arial"/>
+              </a:rPr>
               <a:t>Die Exception wird in dem Fall nicht weitergereicht. Das Programm läuft nach dem catch-Block weiter und stürzt nicht ab. Gibt es keinen catch-Block mit dem passenden Exception-Typ, so wird die Exception dennoch weitergereicht. Es können beliebig viele catch-Blöcke definiert werden.</a:t>
             </a:r>
             <a:br>
-              <a:rPr lang="de"/>
+              <a:rPr b="0" i="0" lang="de" sz="1600" u="none" cap="none" strike="noStrike">
+                <a:solidFill>
+                  <a:schemeClr val="dk1"/>
+                </a:solidFill>
+                <a:latin typeface="Arial"/>
+                <a:ea typeface="Arial"/>
+                <a:cs typeface="Arial"/>
+                <a:sym typeface="Arial"/>
+              </a:rPr>
             </a:br>
             <a:br>
-              <a:rPr lang="de"/>
+              <a:rPr b="0" i="0" lang="de" sz="1600" u="none" cap="none" strike="noStrike">
+                <a:solidFill>
+                  <a:schemeClr val="dk1"/>
+                </a:solidFill>
+                <a:latin typeface="Arial"/>
+                <a:ea typeface="Arial"/>
+                <a:cs typeface="Arial"/>
+                <a:sym typeface="Arial"/>
+              </a:rPr>
             </a:br>
-            <a:endParaRPr/>
+            <a:endParaRPr b="0" i="0" sz="1600" u="none" cap="none" strike="noStrike">
+              <a:solidFill>
+                <a:schemeClr val="dk1"/>
+              </a:solidFill>
+              <a:latin typeface="Arial"/>
+              <a:ea typeface="Arial"/>
+              <a:cs typeface="Arial"/>
+              <a:sym typeface="Arial"/>
+            </a:endParaRPr>
           </a:p>
         </p:txBody>
       </p:sp>
@@ -11253,13 +12652,12 @@
           <p:cNvPicPr preferRelativeResize="0"/>
           <p:nvPr/>
         </p:nvPicPr>
-        <p:blipFill>
+        <p:blipFill rotWithShape="1">
           <a:blip r:embed="rId3">
             <a:alphaModFix/>
           </a:blip>
-          <a:stretch>
-            <a:fillRect/>
-          </a:stretch>
+          <a:srcRect b="0" l="0" r="0" t="0"/>
+          <a:stretch/>
         </p:blipFill>
         <p:spPr>
           <a:xfrm>
@@ -11316,6 +12714,10 @@
           <a:prstGeom prst="rect">
             <a:avLst/>
           </a:prstGeom>
+          <a:noFill/>
+          <a:ln>
+            <a:noFill/>
+          </a:ln>
         </p:spPr>
         <p:txBody>
           <a:bodyPr anchorCtr="0" anchor="b" bIns="0" lIns="0" spcFirstLastPara="1" rIns="0" wrap="square" tIns="0">
@@ -11324,12 +12726,16 @@
           <a:lstStyle/>
           <a:p>
             <a:pPr indent="0" lvl="0" marL="0" rtl="0" algn="l">
-              <a:spcBef>
-                <a:spcPts val="0"/>
-              </a:spcBef>
-              <a:spcAft>
-                <a:spcPts val="0"/>
-              </a:spcAft>
+              <a:lnSpc>
+                <a:spcPct val="100000"/>
+              </a:lnSpc>
+              <a:spcBef>
+                <a:spcPts val="0"/>
+              </a:spcBef>
+              <a:spcAft>
+                <a:spcPts val="0"/>
+              </a:spcAft>
+              <a:buSzPts val="1400"/>
               <a:buNone/>
             </a:pPr>
             <a:r>
@@ -11356,6 +12762,10 @@
           <a:prstGeom prst="rect">
             <a:avLst/>
           </a:prstGeom>
+          <a:noFill/>
+          <a:ln>
+            <a:noFill/>
+          </a:ln>
         </p:spPr>
         <p:txBody>
           <a:bodyPr anchorCtr="0" anchor="t" bIns="0" lIns="0" spcFirstLastPara="1" rIns="0" wrap="square" tIns="0">
@@ -11363,32 +12773,79 @@
           </a:bodyPr>
           <a:lstStyle/>
           <a:p>
-            <a:pPr indent="-317500" lvl="0" marL="457200" rtl="0" algn="l">
+            <a:pPr indent="-317500" lvl="0" marL="457200" marR="0" rtl="0" algn="l">
+              <a:lnSpc>
+                <a:spcPct val="100000"/>
+              </a:lnSpc>
               <a:spcBef>
                 <a:spcPts val="320"/>
               </a:spcBef>
               <a:spcAft>
                 <a:spcPts val="0"/>
               </a:spcAft>
-              <a:buSzPts val="1400"/>
+              <a:buClr>
+                <a:srgbClr val="000000"/>
+              </a:buClr>
+              <a:buSzPts val="1400"/>
+              <a:buFont typeface="Arial"/>
               <a:buChar char="●"/>
             </a:pPr>
             <a:r>
-              <a:rPr b="1" lang="de"/>
+              <a:rPr b="1" i="0" lang="de" sz="1600" u="none" cap="none" strike="noStrike">
+                <a:solidFill>
+                  <a:schemeClr val="dk1"/>
+                </a:solidFill>
+                <a:latin typeface="Arial"/>
+                <a:ea typeface="Arial"/>
+                <a:cs typeface="Arial"/>
+                <a:sym typeface="Arial"/>
+              </a:rPr>
               <a:t>finally: </a:t>
             </a:r>
             <a:r>
-              <a:rPr lang="de"/>
+              <a:rPr b="0" i="0" lang="de" sz="1600" u="none" cap="none" strike="noStrike">
+                <a:solidFill>
+                  <a:schemeClr val="dk1"/>
+                </a:solidFill>
+                <a:latin typeface="Arial"/>
+                <a:ea typeface="Arial"/>
+                <a:cs typeface="Arial"/>
+                <a:sym typeface="Arial"/>
+              </a:rPr>
               <a:t>Der finally-Block steht direkt im Anschluss an die catch-Blöcke (oder den try-Block wenn keine catch-Blöcke definiert wurden. Entweder ein catch- oder ein finally-Block muss mindestens vorhanden sein).</a:t>
             </a:r>
             <a:br>
-              <a:rPr lang="de"/>
+              <a:rPr b="0" i="0" lang="de" sz="1600" u="none" cap="none" strike="noStrike">
+                <a:solidFill>
+                  <a:schemeClr val="dk1"/>
+                </a:solidFill>
+                <a:latin typeface="Arial"/>
+                <a:ea typeface="Arial"/>
+                <a:cs typeface="Arial"/>
+                <a:sym typeface="Arial"/>
+              </a:rPr>
             </a:br>
             <a:r>
-              <a:rPr lang="de"/>
+              <a:rPr b="0" i="0" lang="de" sz="1600" u="none" cap="none" strike="noStrike">
+                <a:solidFill>
+                  <a:schemeClr val="dk1"/>
+                </a:solidFill>
+                <a:latin typeface="Arial"/>
+                <a:ea typeface="Arial"/>
+                <a:cs typeface="Arial"/>
+                <a:sym typeface="Arial"/>
+              </a:rPr>
               <a:t>Der finally-Block wird immer ausgeführt - unabhängig davon, ob eine Exception geworfen wurde oder nicht und auch unabhängig davon, ob diese erfolgreich gefangen wurde oder nicht.</a:t>
             </a:r>
-            <a:endParaRPr/>
+            <a:endParaRPr b="0" i="0" sz="1600" u="none" cap="none" strike="noStrike">
+              <a:solidFill>
+                <a:schemeClr val="dk1"/>
+              </a:solidFill>
+              <a:latin typeface="Arial"/>
+              <a:ea typeface="Arial"/>
+              <a:cs typeface="Arial"/>
+              <a:sym typeface="Arial"/>
+            </a:endParaRPr>
           </a:p>
         </p:txBody>
       </p:sp>
@@ -11398,13 +12855,12 @@
           <p:cNvPicPr preferRelativeResize="0"/>
           <p:nvPr/>
         </p:nvPicPr>
-        <p:blipFill>
+        <p:blipFill rotWithShape="1">
           <a:blip r:embed="rId3">
             <a:alphaModFix/>
           </a:blip>
-          <a:stretch>
-            <a:fillRect/>
-          </a:stretch>
+          <a:srcRect b="0" l="0" r="0" t="0"/>
+          <a:stretch/>
         </p:blipFill>
         <p:spPr>
           <a:xfrm>
@@ -11461,6 +12917,10 @@
           <a:prstGeom prst="rect">
             <a:avLst/>
           </a:prstGeom>
+          <a:noFill/>
+          <a:ln>
+            <a:noFill/>
+          </a:ln>
         </p:spPr>
         <p:txBody>
           <a:bodyPr anchorCtr="0" anchor="b" bIns="0" lIns="0" spcFirstLastPara="1" rIns="0" wrap="square" tIns="0">
@@ -11469,12 +12929,16 @@
           <a:lstStyle/>
           <a:p>
             <a:pPr indent="0" lvl="0" marL="0" rtl="0" algn="l">
-              <a:spcBef>
-                <a:spcPts val="0"/>
-              </a:spcBef>
-              <a:spcAft>
-                <a:spcPts val="0"/>
-              </a:spcAft>
+              <a:lnSpc>
+                <a:spcPct val="100000"/>
+              </a:lnSpc>
+              <a:spcBef>
+                <a:spcPts val="0"/>
+              </a:spcBef>
+              <a:spcAft>
+                <a:spcPts val="0"/>
+              </a:spcAft>
+              <a:buSzPts val="1400"/>
               <a:buNone/>
             </a:pPr>
             <a:r>
@@ -11501,6 +12965,10 @@
           <a:prstGeom prst="rect">
             <a:avLst/>
           </a:prstGeom>
+          <a:noFill/>
+          <a:ln>
+            <a:noFill/>
+          </a:ln>
         </p:spPr>
         <p:txBody>
           <a:bodyPr anchorCtr="0" anchor="t" bIns="0" lIns="0" spcFirstLastPara="1" rIns="0" wrap="square" tIns="0">
@@ -11508,171 +12976,415 @@
           </a:bodyPr>
           <a:lstStyle/>
           <a:p>
-            <a:pPr indent="0" lvl="0" marL="0" rtl="0" algn="l">
+            <a:pPr indent="0" lvl="0" marL="0" marR="0" rtl="0" algn="l">
+              <a:lnSpc>
+                <a:spcPct val="100000"/>
+              </a:lnSpc>
               <a:spcBef>
                 <a:spcPts val="320"/>
               </a:spcBef>
               <a:spcAft>
                 <a:spcPts val="0"/>
               </a:spcAft>
+              <a:buClr>
+                <a:srgbClr val="000000"/>
+              </a:buClr>
+              <a:buSzPts val="1400"/>
+              <a:buFont typeface="Arial"/>
               <a:buNone/>
             </a:pPr>
             <a:r>
-              <a:rPr lang="de" sz="1500"/>
+              <a:rPr b="0" i="0" lang="de" sz="1500" u="none" cap="none" strike="noStrike">
+                <a:solidFill>
+                  <a:schemeClr val="dk1"/>
+                </a:solidFill>
+                <a:latin typeface="Arial"/>
+                <a:ea typeface="Arial"/>
+                <a:cs typeface="Arial"/>
+                <a:sym typeface="Arial"/>
+              </a:rPr>
               <a:t>Wir haben uns bis jetzt mit dem “</a:t>
             </a:r>
             <a:r>
-              <a:rPr b="1" lang="de" sz="1500"/>
+              <a:rPr b="1" i="0" lang="de" sz="1500" u="none" cap="none" strike="noStrike">
+                <a:solidFill>
+                  <a:schemeClr val="dk1"/>
+                </a:solidFill>
+                <a:latin typeface="Arial"/>
+                <a:ea typeface="Arial"/>
+                <a:cs typeface="Arial"/>
+                <a:sym typeface="Arial"/>
+              </a:rPr>
               <a:t>fangen</a:t>
             </a:r>
             <a:r>
-              <a:rPr lang="de" sz="1500"/>
+              <a:rPr b="0" i="0" lang="de" sz="1500" u="none" cap="none" strike="noStrike">
+                <a:solidFill>
+                  <a:schemeClr val="dk1"/>
+                </a:solidFill>
+                <a:latin typeface="Arial"/>
+                <a:ea typeface="Arial"/>
+                <a:cs typeface="Arial"/>
+                <a:sym typeface="Arial"/>
+              </a:rPr>
               <a:t>” beschäftigt. Nun noch zum “</a:t>
             </a:r>
             <a:r>
-              <a:rPr b="1" lang="de" sz="1500"/>
+              <a:rPr b="1" i="0" lang="de" sz="1500" u="none" cap="none" strike="noStrike">
+                <a:solidFill>
+                  <a:schemeClr val="dk1"/>
+                </a:solidFill>
+                <a:latin typeface="Arial"/>
+                <a:ea typeface="Arial"/>
+                <a:cs typeface="Arial"/>
+                <a:sym typeface="Arial"/>
+              </a:rPr>
               <a:t>werfen</a:t>
             </a:r>
             <a:r>
-              <a:rPr lang="de" sz="1500"/>
+              <a:rPr b="0" i="0" lang="de" sz="1500" u="none" cap="none" strike="noStrike">
+                <a:solidFill>
+                  <a:schemeClr val="dk1"/>
+                </a:solidFill>
+                <a:latin typeface="Arial"/>
+                <a:ea typeface="Arial"/>
+                <a:cs typeface="Arial"/>
+                <a:sym typeface="Arial"/>
+              </a:rPr>
               <a:t>” und “</a:t>
             </a:r>
             <a:r>
-              <a:rPr b="1" lang="de" sz="1500"/>
+              <a:rPr b="1" i="0" lang="de" sz="1500" u="none" cap="none" strike="noStrike">
+                <a:solidFill>
+                  <a:schemeClr val="dk1"/>
+                </a:solidFill>
+                <a:latin typeface="Arial"/>
+                <a:ea typeface="Arial"/>
+                <a:cs typeface="Arial"/>
+                <a:sym typeface="Arial"/>
+              </a:rPr>
               <a:t>weiterreichen</a:t>
             </a:r>
             <a:r>
-              <a:rPr lang="de" sz="1500"/>
+              <a:rPr b="0" i="0" lang="de" sz="1500" u="none" cap="none" strike="noStrike">
+                <a:solidFill>
+                  <a:schemeClr val="dk1"/>
+                </a:solidFill>
+                <a:latin typeface="Arial"/>
+                <a:ea typeface="Arial"/>
+                <a:cs typeface="Arial"/>
+                <a:sym typeface="Arial"/>
+              </a:rPr>
               <a:t>”.</a:t>
             </a:r>
-            <a:endParaRPr sz="1500"/>
+            <a:endParaRPr b="0" i="0" sz="1500" u="none" cap="none" strike="noStrike">
+              <a:solidFill>
+                <a:schemeClr val="dk1"/>
+              </a:solidFill>
+              <a:latin typeface="Arial"/>
+              <a:ea typeface="Arial"/>
+              <a:cs typeface="Arial"/>
+              <a:sym typeface="Arial"/>
+            </a:endParaRPr>
           </a:p>
           <a:p>
-            <a:pPr indent="0" lvl="0" marL="0" rtl="0" algn="l">
+            <a:pPr indent="0" lvl="0" marL="0" marR="0" rtl="0" algn="l">
+              <a:lnSpc>
+                <a:spcPct val="100000"/>
+              </a:lnSpc>
               <a:spcBef>
                 <a:spcPts val="320"/>
               </a:spcBef>
               <a:spcAft>
                 <a:spcPts val="0"/>
               </a:spcAft>
+              <a:buClr>
+                <a:srgbClr val="000000"/>
+              </a:buClr>
+              <a:buSzPts val="1400"/>
+              <a:buFont typeface="Arial"/>
               <a:buNone/>
             </a:pPr>
             <a:r>
               <a:t/>
             </a:r>
-            <a:endParaRPr sz="1500"/>
+            <a:endParaRPr b="0" i="0" sz="1500" u="none" cap="none" strike="noStrike">
+              <a:solidFill>
+                <a:schemeClr val="dk1"/>
+              </a:solidFill>
+              <a:latin typeface="Arial"/>
+              <a:ea typeface="Arial"/>
+              <a:cs typeface="Arial"/>
+              <a:sym typeface="Arial"/>
+            </a:endParaRPr>
           </a:p>
           <a:p>
-            <a:pPr indent="-311150" lvl="0" marL="457200" rtl="0" algn="l">
+            <a:pPr indent="-311150" lvl="0" marL="457200" marR="0" rtl="0" algn="l">
+              <a:lnSpc>
+                <a:spcPct val="100000"/>
+              </a:lnSpc>
               <a:spcBef>
                 <a:spcPts val="320"/>
               </a:spcBef>
               <a:spcAft>
                 <a:spcPts val="0"/>
               </a:spcAft>
+              <a:buClr>
+                <a:srgbClr val="000000"/>
+              </a:buClr>
               <a:buSzPts val="1300"/>
+              <a:buFont typeface="Arial"/>
               <a:buChar char="●"/>
             </a:pPr>
             <a:r>
-              <a:rPr b="1" lang="de" sz="1500"/>
+              <a:rPr b="1" i="0" lang="de" sz="1500" u="none" cap="none" strike="noStrike">
+                <a:solidFill>
+                  <a:schemeClr val="dk1"/>
+                </a:solidFill>
+                <a:latin typeface="Arial"/>
+                <a:ea typeface="Arial"/>
+                <a:cs typeface="Arial"/>
+                <a:sym typeface="Arial"/>
+              </a:rPr>
               <a:t>throw</a:t>
             </a:r>
             <a:r>
-              <a:rPr lang="de" sz="1500"/>
+              <a:rPr b="0" i="0" lang="de" sz="1500" u="none" cap="none" strike="noStrike">
+                <a:solidFill>
+                  <a:schemeClr val="dk1"/>
+                </a:solidFill>
+                <a:latin typeface="Arial"/>
+                <a:ea typeface="Arial"/>
+                <a:cs typeface="Arial"/>
+                <a:sym typeface="Arial"/>
+              </a:rPr>
               <a:t>: Mit dem Schlüsselwort throw können beliebige Exceptions explizit geworfen werden. Explizite Exceptions müssen mit dem throw-Statement geworfen werden, während implizite Exceptions auch durch andere Operationen geworfen werden können (z.B. Division durch 0).</a:t>
             </a:r>
-            <a:endParaRPr sz="1500"/>
+            <a:endParaRPr b="0" i="0" sz="1500" u="none" cap="none" strike="noStrike">
+              <a:solidFill>
+                <a:schemeClr val="dk1"/>
+              </a:solidFill>
+              <a:latin typeface="Arial"/>
+              <a:ea typeface="Arial"/>
+              <a:cs typeface="Arial"/>
+              <a:sym typeface="Arial"/>
+            </a:endParaRPr>
           </a:p>
           <a:p>
-            <a:pPr indent="-311150" lvl="0" marL="457200" rtl="0" algn="l">
-              <a:spcBef>
-                <a:spcPts val="0"/>
-              </a:spcBef>
-              <a:spcAft>
-                <a:spcPts val="0"/>
-              </a:spcAft>
+            <a:pPr indent="-311150" lvl="0" marL="457200" marR="0" rtl="0" algn="l">
+              <a:lnSpc>
+                <a:spcPct val="100000"/>
+              </a:lnSpc>
+              <a:spcBef>
+                <a:spcPts val="0"/>
+              </a:spcBef>
+              <a:spcAft>
+                <a:spcPts val="0"/>
+              </a:spcAft>
+              <a:buClr>
+                <a:srgbClr val="000000"/>
+              </a:buClr>
               <a:buSzPts val="1300"/>
+              <a:buFont typeface="Arial"/>
               <a:buChar char="●"/>
             </a:pPr>
             <a:r>
-              <a:rPr b="1" lang="de" sz="1500"/>
+              <a:rPr b="1" i="0" lang="de" sz="1500" u="none" cap="none" strike="noStrike">
+                <a:solidFill>
+                  <a:schemeClr val="dk1"/>
+                </a:solidFill>
+                <a:latin typeface="Arial"/>
+                <a:ea typeface="Arial"/>
+                <a:cs typeface="Arial"/>
+                <a:sym typeface="Arial"/>
+              </a:rPr>
               <a:t>throws</a:t>
             </a:r>
             <a:r>
-              <a:rPr lang="de" sz="1500"/>
-              <a:t>: Dieses Schlüsselwort muss bei Methoden und Funktionen </a:t>
+              <a:rPr b="0" i="0" lang="de" sz="1500" u="none" cap="none" strike="noStrike">
+                <a:solidFill>
+                  <a:schemeClr val="dk1"/>
+                </a:solidFill>
+                <a:latin typeface="Arial"/>
+                <a:ea typeface="Arial"/>
+                <a:cs typeface="Arial"/>
+                <a:sym typeface="Arial"/>
+              </a:rPr>
+              <a:t>: Dieses Schlüsselwort muss bei Methoden und Funktionen gesetzt werden, die</a:t>
             </a:r>
-            <a:r>
-              <a:rPr lang="de" sz="1500"/>
-              <a:t>gesetzt werden,</a:t>
-            </a:r>
-            <a:r>
-              <a:rPr lang="de" sz="1500"/>
-              <a:t> die</a:t>
-            </a:r>
-            <a:endParaRPr sz="1500"/>
+            <a:endParaRPr b="0" i="0" sz="1500" u="none" cap="none" strike="noStrike">
+              <a:solidFill>
+                <a:schemeClr val="dk1"/>
+              </a:solidFill>
+              <a:latin typeface="Arial"/>
+              <a:ea typeface="Arial"/>
+              <a:cs typeface="Arial"/>
+              <a:sym typeface="Arial"/>
+            </a:endParaRPr>
           </a:p>
           <a:p>
-            <a:pPr indent="-323850" lvl="1" marL="914400" rtl="0" algn="l">
-              <a:spcBef>
-                <a:spcPts val="0"/>
-              </a:spcBef>
-              <a:spcAft>
-                <a:spcPts val="0"/>
-              </a:spcAft>
+            <a:pPr indent="-323850" lvl="1" marL="914400" marR="0" rtl="0" algn="l">
+              <a:lnSpc>
+                <a:spcPct val="100000"/>
+              </a:lnSpc>
+              <a:spcBef>
+                <a:spcPts val="0"/>
+              </a:spcBef>
+              <a:spcAft>
+                <a:spcPts val="0"/>
+              </a:spcAft>
+              <a:buClr>
+                <a:schemeClr val="dk1"/>
+              </a:buClr>
               <a:buSzPts val="1500"/>
+              <a:buFont typeface="Noto Sans Symbols"/>
               <a:buChar char="-"/>
             </a:pPr>
             <a:r>
-              <a:rPr lang="de" sz="1500"/>
+              <a:rPr b="0" i="0" lang="de" sz="1500" u="none" cap="none" strike="noStrike">
+                <a:solidFill>
+                  <a:schemeClr val="dk1"/>
+                </a:solidFill>
+                <a:latin typeface="Arial"/>
+                <a:ea typeface="Arial"/>
+                <a:cs typeface="Arial"/>
+                <a:sym typeface="Arial"/>
+              </a:rPr>
               <a:t>eine Funktion aufrufen, die eine explizite Exception wirft</a:t>
             </a:r>
-            <a:endParaRPr sz="1500"/>
+            <a:endParaRPr b="0" i="0" sz="1500" u="none" cap="none" strike="noStrike">
+              <a:solidFill>
+                <a:schemeClr val="dk1"/>
+              </a:solidFill>
+              <a:latin typeface="Arial"/>
+              <a:ea typeface="Arial"/>
+              <a:cs typeface="Arial"/>
+              <a:sym typeface="Arial"/>
+            </a:endParaRPr>
           </a:p>
           <a:p>
-            <a:pPr indent="-323850" lvl="1" marL="914400" rtl="0" algn="l">
-              <a:spcBef>
-                <a:spcPts val="0"/>
-              </a:spcBef>
-              <a:spcAft>
-                <a:spcPts val="0"/>
-              </a:spcAft>
+            <a:pPr indent="-323850" lvl="1" marL="914400" marR="0" rtl="0" algn="l">
+              <a:lnSpc>
+                <a:spcPct val="100000"/>
+              </a:lnSpc>
+              <a:spcBef>
+                <a:spcPts val="0"/>
+              </a:spcBef>
+              <a:spcAft>
+                <a:spcPts val="0"/>
+              </a:spcAft>
+              <a:buClr>
+                <a:schemeClr val="dk1"/>
+              </a:buClr>
               <a:buSzPts val="1500"/>
+              <a:buFont typeface="Noto Sans Symbols"/>
               <a:buChar char="-"/>
             </a:pPr>
             <a:r>
-              <a:rPr lang="de" sz="1500"/>
+              <a:rPr b="0" i="0" lang="de" sz="1500" u="none" cap="none" strike="noStrike">
+                <a:solidFill>
+                  <a:schemeClr val="dk1"/>
+                </a:solidFill>
+                <a:latin typeface="Arial"/>
+                <a:ea typeface="Arial"/>
+                <a:cs typeface="Arial"/>
+                <a:sym typeface="Arial"/>
+              </a:rPr>
               <a:t>selber eine explizite Exception werfen und nicht fangen</a:t>
             </a:r>
-            <a:endParaRPr sz="1500"/>
+            <a:endParaRPr b="0" i="0" sz="1500" u="none" cap="none" strike="noStrike">
+              <a:solidFill>
+                <a:schemeClr val="dk1"/>
+              </a:solidFill>
+              <a:latin typeface="Arial"/>
+              <a:ea typeface="Arial"/>
+              <a:cs typeface="Arial"/>
+              <a:sym typeface="Arial"/>
+            </a:endParaRPr>
           </a:p>
           <a:p>
-            <a:pPr indent="0" lvl="0" marL="457200" rtl="0" algn="l">
+            <a:pPr indent="0" lvl="0" marL="457200" marR="0" rtl="0" algn="l">
+              <a:lnSpc>
+                <a:spcPct val="100000"/>
+              </a:lnSpc>
               <a:spcBef>
                 <a:spcPts val="320"/>
               </a:spcBef>
               <a:spcAft>
                 <a:spcPts val="0"/>
               </a:spcAft>
+              <a:buClr>
+                <a:srgbClr val="000000"/>
+              </a:buClr>
+              <a:buSzPts val="1400"/>
+              <a:buFont typeface="Arial"/>
               <a:buNone/>
             </a:pPr>
             <a:br>
-              <a:rPr lang="de" sz="1500"/>
+              <a:rPr b="0" i="0" lang="de" sz="1500" u="none" cap="none" strike="noStrike">
+                <a:solidFill>
+                  <a:schemeClr val="dk1"/>
+                </a:solidFill>
+                <a:latin typeface="Arial"/>
+                <a:ea typeface="Arial"/>
+                <a:cs typeface="Arial"/>
+                <a:sym typeface="Arial"/>
+              </a:rPr>
             </a:br>
             <a:br>
-              <a:rPr lang="de" sz="1500"/>
+              <a:rPr b="0" i="0" lang="de" sz="1500" u="none" cap="none" strike="noStrike">
+                <a:solidFill>
+                  <a:schemeClr val="dk1"/>
+                </a:solidFill>
+                <a:latin typeface="Arial"/>
+                <a:ea typeface="Arial"/>
+                <a:cs typeface="Arial"/>
+                <a:sym typeface="Arial"/>
+              </a:rPr>
             </a:br>
             <a:br>
-              <a:rPr lang="de" sz="1500"/>
+              <a:rPr b="0" i="0" lang="de" sz="1500" u="none" cap="none" strike="noStrike">
+                <a:solidFill>
+                  <a:schemeClr val="dk1"/>
+                </a:solidFill>
+                <a:latin typeface="Arial"/>
+                <a:ea typeface="Arial"/>
+                <a:cs typeface="Arial"/>
+                <a:sym typeface="Arial"/>
+              </a:rPr>
             </a:br>
             <a:br>
-              <a:rPr lang="de" sz="1500"/>
+              <a:rPr b="0" i="0" lang="de" sz="1500" u="none" cap="none" strike="noStrike">
+                <a:solidFill>
+                  <a:schemeClr val="dk1"/>
+                </a:solidFill>
+                <a:latin typeface="Arial"/>
+                <a:ea typeface="Arial"/>
+                <a:cs typeface="Arial"/>
+                <a:sym typeface="Arial"/>
+              </a:rPr>
             </a:br>
             <a:r>
-              <a:rPr lang="de" sz="1500"/>
+              <a:rPr b="0" i="0" lang="de" sz="1500" u="none" cap="none" strike="noStrike">
+                <a:solidFill>
+                  <a:schemeClr val="dk1"/>
+                </a:solidFill>
+                <a:latin typeface="Arial"/>
+                <a:ea typeface="Arial"/>
+                <a:cs typeface="Arial"/>
+                <a:sym typeface="Arial"/>
+              </a:rPr>
               <a:t>Wird dieses Schlüsselwort bei einer expliziten Exception gesetzt, müssen aufrufende Funktionen und Methoden die Exception fangen oder selber weiterreichen.</a:t>
             </a:r>
-            <a:endParaRPr sz="1500"/>
+            <a:endParaRPr b="0" i="0" sz="1500" u="none" cap="none" strike="noStrike">
+              <a:solidFill>
+                <a:schemeClr val="dk1"/>
+              </a:solidFill>
+              <a:latin typeface="Arial"/>
+              <a:ea typeface="Arial"/>
+              <a:cs typeface="Arial"/>
+              <a:sym typeface="Arial"/>
+            </a:endParaRPr>
           </a:p>
         </p:txBody>
       </p:sp>
@@ -11682,13 +13394,12 @@
           <p:cNvPicPr preferRelativeResize="0"/>
           <p:nvPr/>
         </p:nvPicPr>
-        <p:blipFill>
+        <p:blipFill rotWithShape="1">
           <a:blip r:embed="rId3">
             <a:alphaModFix/>
           </a:blip>
-          <a:stretch>
-            <a:fillRect/>
-          </a:stretch>
+          <a:srcRect b="0" l="0" r="0" t="0"/>
+          <a:stretch/>
         </p:blipFill>
         <p:spPr>
           <a:xfrm>
@@ -11745,6 +13456,10 @@
           <a:prstGeom prst="rect">
             <a:avLst/>
           </a:prstGeom>
+          <a:noFill/>
+          <a:ln>
+            <a:noFill/>
+          </a:ln>
         </p:spPr>
         <p:txBody>
           <a:bodyPr anchorCtr="0" anchor="b" bIns="0" lIns="0" spcFirstLastPara="1" rIns="0" wrap="square" tIns="0">
@@ -11753,12 +13468,16 @@
           <a:lstStyle/>
           <a:p>
             <a:pPr indent="0" lvl="0" marL="0" rtl="0" algn="l">
-              <a:spcBef>
-                <a:spcPts val="0"/>
-              </a:spcBef>
-              <a:spcAft>
-                <a:spcPts val="0"/>
-              </a:spcAft>
+              <a:lnSpc>
+                <a:spcPct val="100000"/>
+              </a:lnSpc>
+              <a:spcBef>
+                <a:spcPts val="0"/>
+              </a:spcBef>
+              <a:spcAft>
+                <a:spcPts val="0"/>
+              </a:spcAft>
+              <a:buSzPts val="1400"/>
               <a:buNone/>
             </a:pPr>
             <a:r>
@@ -11785,6 +13504,10 @@
           <a:prstGeom prst="rect">
             <a:avLst/>
           </a:prstGeom>
+          <a:noFill/>
+          <a:ln>
+            <a:noFill/>
+          </a:ln>
         </p:spPr>
         <p:txBody>
           <a:bodyPr anchorCtr="0" anchor="t" bIns="0" lIns="0" spcFirstLastPara="1" rIns="0" wrap="square" tIns="0">
@@ -11792,52 +13515,124 @@
           </a:bodyPr>
           <a:lstStyle/>
           <a:p>
-            <a:pPr indent="0" lvl="0" marL="0" rtl="0" algn="l">
+            <a:pPr indent="0" lvl="0" marL="0" marR="0" rtl="0" algn="l">
+              <a:lnSpc>
+                <a:spcPct val="100000"/>
+              </a:lnSpc>
               <a:spcBef>
                 <a:spcPts val="320"/>
               </a:spcBef>
               <a:spcAft>
                 <a:spcPts val="0"/>
               </a:spcAft>
+              <a:buClr>
+                <a:srgbClr val="000000"/>
+              </a:buClr>
+              <a:buSzPts val="1400"/>
+              <a:buFont typeface="Arial"/>
               <a:buNone/>
             </a:pPr>
             <a:r>
-              <a:rPr lang="de"/>
+              <a:rPr b="0" i="0" lang="de" sz="1600" u="none" cap="none" strike="noStrike">
+                <a:solidFill>
+                  <a:schemeClr val="dk1"/>
+                </a:solidFill>
+                <a:latin typeface="Arial"/>
+                <a:ea typeface="Arial"/>
+                <a:cs typeface="Arial"/>
+                <a:sym typeface="Arial"/>
+              </a:rPr>
               <a:t>Exceptions haben in Java einen sogenannten “Stacktrace”. Das ist der Funktionsaufruf-Pfad, auch dem die Exception geworfen wurde. Anhand dessen lässt sich in der Regel super nachvollziehen, an welcher Stelle, </a:t>
             </a:r>
-            <a:endParaRPr/>
+            <a:endParaRPr b="0" i="0" sz="1600" u="none" cap="none" strike="noStrike">
+              <a:solidFill>
+                <a:schemeClr val="dk1"/>
+              </a:solidFill>
+              <a:latin typeface="Arial"/>
+              <a:ea typeface="Arial"/>
+              <a:cs typeface="Arial"/>
+              <a:sym typeface="Arial"/>
+            </a:endParaRPr>
           </a:p>
           <a:p>
-            <a:pPr indent="0" lvl="0" marL="0" rtl="0" algn="l">
+            <a:pPr indent="0" lvl="0" marL="0" marR="0" rtl="0" algn="l">
+              <a:lnSpc>
+                <a:spcPct val="100000"/>
+              </a:lnSpc>
               <a:spcBef>
                 <a:spcPts val="320"/>
               </a:spcBef>
               <a:spcAft>
                 <a:spcPts val="0"/>
               </a:spcAft>
+              <a:buClr>
+                <a:srgbClr val="000000"/>
+              </a:buClr>
+              <a:buSzPts val="1400"/>
+              <a:buFont typeface="Arial"/>
               <a:buNone/>
             </a:pPr>
             <a:r>
-              <a:rPr lang="de"/>
+              <a:rPr b="0" i="0" lang="de" sz="1600" u="none" cap="none" strike="noStrike">
+                <a:solidFill>
+                  <a:schemeClr val="dk1"/>
+                </a:solidFill>
+                <a:latin typeface="Arial"/>
+                <a:ea typeface="Arial"/>
+                <a:cs typeface="Arial"/>
+                <a:sym typeface="Arial"/>
+              </a:rPr>
               <a:t>mit welchen Parametern, warum </a:t>
             </a:r>
-            <a:endParaRPr/>
+            <a:endParaRPr b="0" i="0" sz="1600" u="none" cap="none" strike="noStrike">
+              <a:solidFill>
+                <a:schemeClr val="dk1"/>
+              </a:solidFill>
+              <a:latin typeface="Arial"/>
+              <a:ea typeface="Arial"/>
+              <a:cs typeface="Arial"/>
+              <a:sym typeface="Arial"/>
+            </a:endParaRPr>
           </a:p>
           <a:p>
-            <a:pPr indent="0" lvl="0" marL="0" rtl="0" algn="l">
+            <a:pPr indent="0" lvl="0" marL="0" marR="0" rtl="0" algn="l">
+              <a:lnSpc>
+                <a:spcPct val="100000"/>
+              </a:lnSpc>
               <a:spcBef>
                 <a:spcPts val="320"/>
               </a:spcBef>
               <a:spcAft>
                 <a:spcPts val="0"/>
               </a:spcAft>
+              <a:buClr>
+                <a:srgbClr val="000000"/>
+              </a:buClr>
+              <a:buSzPts val="1400"/>
+              <a:buFont typeface="Arial"/>
               <a:buNone/>
             </a:pPr>
             <a:r>
-              <a:rPr lang="de"/>
+              <a:rPr b="0" i="0" lang="de" sz="1600" u="none" cap="none" strike="noStrike">
+                <a:solidFill>
+                  <a:schemeClr val="dk1"/>
+                </a:solidFill>
+                <a:latin typeface="Arial"/>
+                <a:ea typeface="Arial"/>
+                <a:cs typeface="Arial"/>
+                <a:sym typeface="Arial"/>
+              </a:rPr>
               <a:t>eine Exception zustande kam</a:t>
             </a:r>
-            <a:endParaRPr/>
+            <a:endParaRPr b="0" i="0" sz="1600" u="none" cap="none" strike="noStrike">
+              <a:solidFill>
+                <a:schemeClr val="dk1"/>
+              </a:solidFill>
+              <a:latin typeface="Arial"/>
+              <a:ea typeface="Arial"/>
+              <a:cs typeface="Arial"/>
+              <a:sym typeface="Arial"/>
+            </a:endParaRPr>
           </a:p>
         </p:txBody>
       </p:sp>
@@ -11847,13 +13642,12 @@
           <p:cNvPicPr preferRelativeResize="0"/>
           <p:nvPr/>
         </p:nvPicPr>
-        <p:blipFill>
+        <p:blipFill rotWithShape="1">
           <a:blip r:embed="rId3">
             <a:alphaModFix/>
           </a:blip>
-          <a:stretch>
-            <a:fillRect/>
-          </a:stretch>
+          <a:srcRect b="0" l="0" r="0" t="0"/>
+          <a:stretch/>
         </p:blipFill>
         <p:spPr>
           <a:xfrm>
@@ -11875,13 +13669,12 @@
           <p:cNvPicPr preferRelativeResize="0"/>
           <p:nvPr/>
         </p:nvPicPr>
-        <p:blipFill>
+        <p:blipFill rotWithShape="1">
           <a:blip r:embed="rId4">
             <a:alphaModFix/>
           </a:blip>
-          <a:stretch>
-            <a:fillRect/>
-          </a:stretch>
+          <a:srcRect b="0" l="0" r="0" t="0"/>
+          <a:stretch/>
         </p:blipFill>
         <p:spPr>
           <a:xfrm>
@@ -11906,6 +13699,285 @@
 </file>
 
 <file path=ppt/theme/theme1.xml><?xml version="1.0" encoding="utf-8"?>
+<a:theme xmlns:a="http://schemas.openxmlformats.org/drawingml/2006/main" xmlns:r="http://schemas.openxmlformats.org/officeDocument/2006/relationships">
+  <a:themeElements>
+    <a:clrScheme name="Default">
+      <a:dk1>
+        <a:srgbClr val="000000"/>
+      </a:dk1>
+      <a:lt1>
+        <a:srgbClr val="FFFFFF"/>
+      </a:lt1>
+      <a:dk2>
+        <a:srgbClr val="158158"/>
+      </a:dk2>
+      <a:lt2>
+        <a:srgbClr val="F3F3F3"/>
+      </a:lt2>
+      <a:accent1>
+        <a:srgbClr val="058DC7"/>
+      </a:accent1>
+      <a:accent2>
+        <a:srgbClr val="50B432"/>
+      </a:accent2>
+      <a:accent3>
+        <a:srgbClr val="ED561B"/>
+      </a:accent3>
+      <a:accent4>
+        <a:srgbClr val="EDEF00"/>
+      </a:accent4>
+      <a:accent5>
+        <a:srgbClr val="24CBE5"/>
+      </a:accent5>
+      <a:accent6>
+        <a:srgbClr val="64E572"/>
+      </a:accent6>
+      <a:hlink>
+        <a:srgbClr val="2200CC"/>
+      </a:hlink>
+      <a:folHlink>
+        <a:srgbClr val="551A8B"/>
+      </a:folHlink>
+    </a:clrScheme>
+    <a:fontScheme name="Office">
+      <a:majorFont>
+        <a:latin typeface="Arial"/>
+        <a:ea typeface=""/>
+        <a:cs typeface=""/>
+        <a:font script="Jpan" typeface="ＭＳ Ｐゴシック"/>
+        <a:font script="Hang" typeface="맑은 고딕"/>
+        <a:font script="Hans" typeface="宋体"/>
+        <a:font script="Hant" typeface="新細明體"/>
+        <a:font script="Arab" typeface="Times New Roman"/>
+        <a:font script="Hebr" typeface="Times New Roman"/>
+        <a:font script="Thai" typeface="Angsana New"/>
+        <a:font script="Ethi" typeface="Nyala"/>
+        <a:font script="Beng" typeface="Vrinda"/>
+        <a:font script="Gujr" typeface="Shruti"/>
+        <a:font script="Khmr" typeface="MoolBoran"/>
+        <a:font script="Knda" typeface="Tunga"/>
+        <a:font script="Guru" typeface="Raavi"/>
+        <a:font script="Cans" typeface="Euphemia"/>
+        <a:font script="Cher" typeface="Plantagenet Cherokee"/>
+        <a:font script="Yiii" typeface="Microsoft Yi Baiti"/>
+        <a:font script="Tibt" typeface="Microsoft Himalaya"/>
+        <a:font script="Thaa" typeface="MV Boli"/>
+        <a:font script="Deva" typeface="Mangal"/>
+        <a:font script="Telu" typeface="Gautami"/>
+        <a:font script="Taml" typeface="Latha"/>
+        <a:font script="Syrc" typeface="Estrangelo Edessa"/>
+        <a:font script="Orya" typeface="Kalinga"/>
+        <a:font script="Mlym" typeface="Kartika"/>
+        <a:font script="Laoo" typeface="DokChampa"/>
+        <a:font script="Sinh" typeface="Iskoola Pota"/>
+        <a:font script="Mong" typeface="Mongolian Baiti"/>
+        <a:font script="Viet" typeface="Times New Roman"/>
+        <a:font script="Uigh" typeface="Microsoft Uighur"/>
+        <a:font script="Geor" typeface="Sylfaen"/>
+      </a:majorFont>
+      <a:minorFont>
+        <a:latin typeface="Arial"/>
+        <a:ea typeface=""/>
+        <a:cs typeface=""/>
+        <a:font script="Jpan" typeface="ＭＳ Ｐゴシック"/>
+        <a:font script="Hang" typeface="맑은 고딕"/>
+        <a:font script="Hans" typeface="宋体"/>
+        <a:font script="Hant" typeface="新細明體"/>
+        <a:font script="Arab" typeface="Arial"/>
+        <a:font script="Hebr" typeface="Arial"/>
+        <a:font script="Thai" typeface="Cordia New"/>
+        <a:font script="Ethi" typeface="Nyala"/>
+        <a:font script="Beng" typeface="Vrinda"/>
+        <a:font script="Gujr" typeface="Shruti"/>
+        <a:font script="Khmr" typeface="DaunPenh"/>
+        <a:font script="Knda" typeface="Tunga"/>
+        <a:font script="Guru" typeface="Raavi"/>
+        <a:font script="Cans" typeface="Euphemia"/>
+        <a:font script="Cher" typeface="Plantagenet Cherokee"/>
+        <a:font script="Yiii" typeface="Microsoft Yi Baiti"/>
+        <a:font script="Tibt" typeface="Microsoft Himalaya"/>
+        <a:font script="Thaa" typeface="MV Boli"/>
+        <a:font script="Deva" typeface="Mangal"/>
+        <a:font script="Telu" typeface="Gautami"/>
+        <a:font script="Taml" typeface="Latha"/>
+        <a:font script="Syrc" typeface="Estrangelo Edessa"/>
+        <a:font script="Orya" typeface="Kalinga"/>
+        <a:font script="Mlym" typeface="Kartika"/>
+        <a:font script="Laoo" typeface="DokChampa"/>
+        <a:font script="Sinh" typeface="Iskoola Pota"/>
+        <a:font script="Mong" typeface="Mongolian Baiti"/>
+        <a:font script="Viet" typeface="Arial"/>
+        <a:font script="Uigh" typeface="Microsoft Uighur"/>
+        <a:font script="Geor" typeface="Sylfaen"/>
+      </a:minorFont>
+    </a:fontScheme>
+    <a:fmtScheme name="Office">
+      <a:fillStyleLst>
+        <a:solidFill>
+          <a:schemeClr val="phClr"/>
+        </a:solidFill>
+        <a:gradFill rotWithShape="1">
+          <a:gsLst>
+            <a:gs pos="0">
+              <a:schemeClr val="phClr">
+                <a:tint val="50000"/>
+                <a:satMod val="300000"/>
+              </a:schemeClr>
+            </a:gs>
+            <a:gs pos="35000">
+              <a:schemeClr val="phClr">
+                <a:tint val="37000"/>
+                <a:satMod val="300000"/>
+              </a:schemeClr>
+            </a:gs>
+            <a:gs pos="100000">
+              <a:schemeClr val="phClr">
+                <a:tint val="15000"/>
+                <a:satMod val="350000"/>
+              </a:schemeClr>
+            </a:gs>
+          </a:gsLst>
+          <a:lin ang="16200000" scaled="1"/>
+        </a:gradFill>
+        <a:gradFill rotWithShape="1">
+          <a:gsLst>
+            <a:gs pos="0">
+              <a:schemeClr val="phClr">
+                <a:tint val="100000"/>
+                <a:shade val="100000"/>
+                <a:satMod val="130000"/>
+              </a:schemeClr>
+            </a:gs>
+            <a:gs pos="100000">
+              <a:schemeClr val="phClr">
+                <a:tint val="50000"/>
+                <a:shade val="100000"/>
+                <a:satMod val="350000"/>
+              </a:schemeClr>
+            </a:gs>
+          </a:gsLst>
+          <a:lin ang="16200000" scaled="0"/>
+        </a:gradFill>
+      </a:fillStyleLst>
+      <a:lnStyleLst>
+        <a:ln w="9525" cap="flat" cmpd="sng" algn="ctr">
+          <a:solidFill>
+            <a:schemeClr val="phClr">
+              <a:shade val="95000"/>
+              <a:satMod val="105000"/>
+            </a:schemeClr>
+          </a:solidFill>
+          <a:prstDash val="solid"/>
+        </a:ln>
+        <a:ln w="25400" cap="flat" cmpd="sng" algn="ctr">
+          <a:solidFill>
+            <a:schemeClr val="phClr"/>
+          </a:solidFill>
+          <a:prstDash val="solid"/>
+        </a:ln>
+        <a:ln w="38100" cap="flat" cmpd="sng" algn="ctr">
+          <a:solidFill>
+            <a:schemeClr val="phClr"/>
+          </a:solidFill>
+          <a:prstDash val="solid"/>
+        </a:ln>
+      </a:lnStyleLst>
+      <a:effectStyleLst>
+        <a:effectStyle>
+          <a:effectLst>
+            <a:outerShdw blurRad="40000" dist="20000" dir="5400000" rotWithShape="0">
+              <a:srgbClr val="000000">
+                <a:alpha val="38000"/>
+              </a:srgbClr>
+            </a:outerShdw>
+          </a:effectLst>
+        </a:effectStyle>
+        <a:effectStyle>
+          <a:effectLst>
+            <a:outerShdw blurRad="40000" dist="23000" dir="5400000" rotWithShape="0">
+              <a:srgbClr val="000000">
+                <a:alpha val="35000"/>
+              </a:srgbClr>
+            </a:outerShdw>
+          </a:effectLst>
+        </a:effectStyle>
+        <a:effectStyle>
+          <a:effectLst>
+            <a:outerShdw blurRad="40000" dist="23000" dir="5400000" rotWithShape="0">
+              <a:srgbClr val="000000">
+                <a:alpha val="35000"/>
+              </a:srgbClr>
+            </a:outerShdw>
+          </a:effectLst>
+          <a:scene3d>
+            <a:camera prst="orthographicFront">
+              <a:rot lat="0" lon="0" rev="0"/>
+            </a:camera>
+            <a:lightRig rig="threePt" dir="t">
+              <a:rot lat="0" lon="0" rev="1200000"/>
+            </a:lightRig>
+          </a:scene3d>
+          <a:sp3d>
+            <a:bevelT w="63500" h="25400"/>
+          </a:sp3d>
+        </a:effectStyle>
+      </a:effectStyleLst>
+      <a:bgFillStyleLst>
+        <a:solidFill>
+          <a:schemeClr val="phClr"/>
+        </a:solidFill>
+        <a:gradFill rotWithShape="1">
+          <a:gsLst>
+            <a:gs pos="0">
+              <a:schemeClr val="phClr">
+                <a:tint val="40000"/>
+                <a:satMod val="350000"/>
+              </a:schemeClr>
+            </a:gs>
+            <a:gs pos="40000">
+              <a:schemeClr val="phClr">
+                <a:tint val="45000"/>
+                <a:shade val="99000"/>
+                <a:satMod val="350000"/>
+              </a:schemeClr>
+            </a:gs>
+            <a:gs pos="100000">
+              <a:schemeClr val="phClr">
+                <a:shade val="20000"/>
+                <a:satMod val="255000"/>
+              </a:schemeClr>
+            </a:gs>
+          </a:gsLst>
+          <a:path path="circle">
+            <a:fillToRect l="50000" t="-80000" r="50000" b="180000"/>
+          </a:path>
+        </a:gradFill>
+        <a:gradFill rotWithShape="1">
+          <a:gsLst>
+            <a:gs pos="0">
+              <a:schemeClr val="phClr">
+                <a:tint val="80000"/>
+                <a:satMod val="300000"/>
+              </a:schemeClr>
+            </a:gs>
+            <a:gs pos="100000">
+              <a:schemeClr val="phClr">
+                <a:shade val="30000"/>
+                <a:satMod val="200000"/>
+              </a:schemeClr>
+            </a:gs>
+          </a:gsLst>
+          <a:path path="circle">
+            <a:fillToRect l="50000" t="50000" r="50000" b="50000"/>
+          </a:path>
+        </a:gradFill>
+      </a:bgFillStyleLst>
+    </a:fmtScheme>
+  </a:themeElements>
+</a:theme>
+</file>
+
+<file path=ppt/theme/theme2.xml><?xml version="1.0" encoding="utf-8"?>
 <a:theme xmlns:a="http://schemas.openxmlformats.org/drawingml/2006/main" xmlns:r="http://schemas.openxmlformats.org/officeDocument/2006/relationships" name="TUBraunschweig_PPT2007_Folienpool_pptx">
   <a:themeElements>
     <a:clrScheme name="TU Braunschweig">
@@ -12182,283 +14254,4 @@
     </a:fmtScheme>
   </a:themeElements>
 </a:theme>
-</file>
-
-<file path=ppt/theme/theme2.xml><?xml version="1.0" encoding="utf-8"?>
-<a:theme xmlns:a="http://schemas.openxmlformats.org/drawingml/2006/main" xmlns:r="http://schemas.openxmlformats.org/officeDocument/2006/relationships">
-  <a:themeElements>
-    <a:clrScheme name="Default">
-      <a:dk1>
-        <a:srgbClr val="000000"/>
-      </a:dk1>
-      <a:lt1>
-        <a:srgbClr val="FFFFFF"/>
-      </a:lt1>
-      <a:dk2>
-        <a:srgbClr val="158158"/>
-      </a:dk2>
-      <a:lt2>
-        <a:srgbClr val="F3F3F3"/>
-      </a:lt2>
-      <a:accent1>
-        <a:srgbClr val="058DC7"/>
-      </a:accent1>
-      <a:accent2>
-        <a:srgbClr val="50B432"/>
-      </a:accent2>
-      <a:accent3>
-        <a:srgbClr val="ED561B"/>
-      </a:accent3>
-      <a:accent4>
-        <a:srgbClr val="EDEF00"/>
-      </a:accent4>
-      <a:accent5>
-        <a:srgbClr val="24CBE5"/>
-      </a:accent5>
-      <a:accent6>
-        <a:srgbClr val="64E572"/>
-      </a:accent6>
-      <a:hlink>
-        <a:srgbClr val="2200CC"/>
-      </a:hlink>
-      <a:folHlink>
-        <a:srgbClr val="551A8B"/>
-      </a:folHlink>
-    </a:clrScheme>
-    <a:fontScheme name="Office">
-      <a:majorFont>
-        <a:latin typeface="Arial"/>
-        <a:ea typeface=""/>
-        <a:cs typeface=""/>
-        <a:font script="Jpan" typeface="ＭＳ Ｐゴシック"/>
-        <a:font script="Hang" typeface="맑은 고딕"/>
-        <a:font script="Hans" typeface="宋体"/>
-        <a:font script="Hant" typeface="新細明體"/>
-        <a:font script="Arab" typeface="Times New Roman"/>
-        <a:font script="Hebr" typeface="Times New Roman"/>
-        <a:font script="Thai" typeface="Angsana New"/>
-        <a:font script="Ethi" typeface="Nyala"/>
-        <a:font script="Beng" typeface="Vrinda"/>
-        <a:font script="Gujr" typeface="Shruti"/>
-        <a:font script="Khmr" typeface="MoolBoran"/>
-        <a:font script="Knda" typeface="Tunga"/>
-        <a:font script="Guru" typeface="Raavi"/>
-        <a:font script="Cans" typeface="Euphemia"/>
-        <a:font script="Cher" typeface="Plantagenet Cherokee"/>
-        <a:font script="Yiii" typeface="Microsoft Yi Baiti"/>
-        <a:font script="Tibt" typeface="Microsoft Himalaya"/>
-        <a:font script="Thaa" typeface="MV Boli"/>
-        <a:font script="Deva" typeface="Mangal"/>
-        <a:font script="Telu" typeface="Gautami"/>
-        <a:font script="Taml" typeface="Latha"/>
-        <a:font script="Syrc" typeface="Estrangelo Edessa"/>
-        <a:font script="Orya" typeface="Kalinga"/>
-        <a:font script="Mlym" typeface="Kartika"/>
-        <a:font script="Laoo" typeface="DokChampa"/>
-        <a:font script="Sinh" typeface="Iskoola Pota"/>
-        <a:font script="Mong" typeface="Mongolian Baiti"/>
-        <a:font script="Viet" typeface="Times New Roman"/>
-        <a:font script="Uigh" typeface="Microsoft Uighur"/>
-        <a:font script="Geor" typeface="Sylfaen"/>
-      </a:majorFont>
-      <a:minorFont>
-        <a:latin typeface="Arial"/>
-        <a:ea typeface=""/>
-        <a:cs typeface=""/>
-        <a:font script="Jpan" typeface="ＭＳ Ｐゴシック"/>
-        <a:font script="Hang" typeface="맑은 고딕"/>
-        <a:font script="Hans" typeface="宋体"/>
-        <a:font script="Hant" typeface="新細明體"/>
-        <a:font script="Arab" typeface="Arial"/>
-        <a:font script="Hebr" typeface="Arial"/>
-        <a:font script="Thai" typeface="Cordia New"/>
-        <a:font script="Ethi" typeface="Nyala"/>
-        <a:font script="Beng" typeface="Vrinda"/>
-        <a:font script="Gujr" typeface="Shruti"/>
-        <a:font script="Khmr" typeface="DaunPenh"/>
-        <a:font script="Knda" typeface="Tunga"/>
-        <a:font script="Guru" typeface="Raavi"/>
-        <a:font script="Cans" typeface="Euphemia"/>
-        <a:font script="Cher" typeface="Plantagenet Cherokee"/>
-        <a:font script="Yiii" typeface="Microsoft Yi Baiti"/>
-        <a:font script="Tibt" typeface="Microsoft Himalaya"/>
-        <a:font script="Thaa" typeface="MV Boli"/>
-        <a:font script="Deva" typeface="Mangal"/>
-        <a:font script="Telu" typeface="Gautami"/>
-        <a:font script="Taml" typeface="Latha"/>
-        <a:font script="Syrc" typeface="Estrangelo Edessa"/>
-        <a:font script="Orya" typeface="Kalinga"/>
-        <a:font script="Mlym" typeface="Kartika"/>
-        <a:font script="Laoo" typeface="DokChampa"/>
-        <a:font script="Sinh" typeface="Iskoola Pota"/>
-        <a:font script="Mong" typeface="Mongolian Baiti"/>
-        <a:font script="Viet" typeface="Arial"/>
-        <a:font script="Uigh" typeface="Microsoft Uighur"/>
-        <a:font script="Geor" typeface="Sylfaen"/>
-      </a:minorFont>
-    </a:fontScheme>
-    <a:fmtScheme name="Office">
-      <a:fillStyleLst>
-        <a:solidFill>
-          <a:schemeClr val="phClr"/>
-        </a:solidFill>
-        <a:gradFill rotWithShape="1">
-          <a:gsLst>
-            <a:gs pos="0">
-              <a:schemeClr val="phClr">
-                <a:tint val="50000"/>
-                <a:satMod val="300000"/>
-              </a:schemeClr>
-            </a:gs>
-            <a:gs pos="35000">
-              <a:schemeClr val="phClr">
-                <a:tint val="37000"/>
-                <a:satMod val="300000"/>
-              </a:schemeClr>
-            </a:gs>
-            <a:gs pos="100000">
-              <a:schemeClr val="phClr">
-                <a:tint val="15000"/>
-                <a:satMod val="350000"/>
-              </a:schemeClr>
-            </a:gs>
-          </a:gsLst>
-          <a:lin ang="16200000" scaled="1"/>
-        </a:gradFill>
-        <a:gradFill rotWithShape="1">
-          <a:gsLst>
-            <a:gs pos="0">
-              <a:schemeClr val="phClr">
-                <a:tint val="100000"/>
-                <a:shade val="100000"/>
-                <a:satMod val="130000"/>
-              </a:schemeClr>
-            </a:gs>
-            <a:gs pos="100000">
-              <a:schemeClr val="phClr">
-                <a:tint val="50000"/>
-                <a:shade val="100000"/>
-                <a:satMod val="350000"/>
-              </a:schemeClr>
-            </a:gs>
-          </a:gsLst>
-          <a:lin ang="16200000" scaled="0"/>
-        </a:gradFill>
-      </a:fillStyleLst>
-      <a:lnStyleLst>
-        <a:ln w="9525" cap="flat" cmpd="sng" algn="ctr">
-          <a:solidFill>
-            <a:schemeClr val="phClr">
-              <a:shade val="95000"/>
-              <a:satMod val="105000"/>
-            </a:schemeClr>
-          </a:solidFill>
-          <a:prstDash val="solid"/>
-        </a:ln>
-        <a:ln w="25400" cap="flat" cmpd="sng" algn="ctr">
-          <a:solidFill>
-            <a:schemeClr val="phClr"/>
-          </a:solidFill>
-          <a:prstDash val="solid"/>
-        </a:ln>
-        <a:ln w="38100" cap="flat" cmpd="sng" algn="ctr">
-          <a:solidFill>
-            <a:schemeClr val="phClr"/>
-          </a:solidFill>
-          <a:prstDash val="solid"/>
-        </a:ln>
-      </a:lnStyleLst>
-      <a:effectStyleLst>
-        <a:effectStyle>
-          <a:effectLst>
-            <a:outerShdw blurRad="40000" dist="20000" dir="5400000" rotWithShape="0">
-              <a:srgbClr val="000000">
-                <a:alpha val="38000"/>
-              </a:srgbClr>
-            </a:outerShdw>
-          </a:effectLst>
-        </a:effectStyle>
-        <a:effectStyle>
-          <a:effectLst>
-            <a:outerShdw blurRad="40000" dist="23000" dir="5400000" rotWithShape="0">
-              <a:srgbClr val="000000">
-                <a:alpha val="35000"/>
-              </a:srgbClr>
-            </a:outerShdw>
-          </a:effectLst>
-        </a:effectStyle>
-        <a:effectStyle>
-          <a:effectLst>
-            <a:outerShdw blurRad="40000" dist="23000" dir="5400000" rotWithShape="0">
-              <a:srgbClr val="000000">
-                <a:alpha val="35000"/>
-              </a:srgbClr>
-            </a:outerShdw>
-          </a:effectLst>
-          <a:scene3d>
-            <a:camera prst="orthographicFront">
-              <a:rot lat="0" lon="0" rev="0"/>
-            </a:camera>
-            <a:lightRig rig="threePt" dir="t">
-              <a:rot lat="0" lon="0" rev="1200000"/>
-            </a:lightRig>
-          </a:scene3d>
-          <a:sp3d>
-            <a:bevelT w="63500" h="25400"/>
-          </a:sp3d>
-        </a:effectStyle>
-      </a:effectStyleLst>
-      <a:bgFillStyleLst>
-        <a:solidFill>
-          <a:schemeClr val="phClr"/>
-        </a:solidFill>
-        <a:gradFill rotWithShape="1">
-          <a:gsLst>
-            <a:gs pos="0">
-              <a:schemeClr val="phClr">
-                <a:tint val="40000"/>
-                <a:satMod val="350000"/>
-              </a:schemeClr>
-            </a:gs>
-            <a:gs pos="40000">
-              <a:schemeClr val="phClr">
-                <a:tint val="45000"/>
-                <a:shade val="99000"/>
-                <a:satMod val="350000"/>
-              </a:schemeClr>
-            </a:gs>
-            <a:gs pos="100000">
-              <a:schemeClr val="phClr">
-                <a:shade val="20000"/>
-                <a:satMod val="255000"/>
-              </a:schemeClr>
-            </a:gs>
-          </a:gsLst>
-          <a:path path="circle">
-            <a:fillToRect l="50000" t="-80000" r="50000" b="180000"/>
-          </a:path>
-        </a:gradFill>
-        <a:gradFill rotWithShape="1">
-          <a:gsLst>
-            <a:gs pos="0">
-              <a:schemeClr val="phClr">
-                <a:tint val="80000"/>
-                <a:satMod val="300000"/>
-              </a:schemeClr>
-            </a:gs>
-            <a:gs pos="100000">
-              <a:schemeClr val="phClr">
-                <a:shade val="30000"/>
-                <a:satMod val="200000"/>
-              </a:schemeClr>
-            </a:gs>
-          </a:gsLst>
-          <a:path path="circle">
-            <a:fillToRect l="50000" t="50000" r="50000" b="50000"/>
-          </a:path>
-        </a:gradFill>
-      </a:bgFillStyleLst>
-    </a:fmtScheme>
-  </a:themeElements>
-</a:theme>
 </file>
--- a/slides/11_exceptions.pptx
+++ b/slides/11_exceptions.pptx
@@ -10015,7 +10015,7 @@
             </a:pPr>
             <a:r>
               <a:rPr lang="de"/>
-              <a:t>10 - Exceptions</a:t>
+              <a:t>11 - Exceptions</a:t>
             </a:r>
             <a:endParaRPr/>
           </a:p>

--- a/slides/11_exceptions.pptx
+++ b/slides/11_exceptions.pptx
@@ -10657,7 +10657,23 @@
                 <a:cs typeface="Arial"/>
                 <a:sym typeface="Arial"/>
               </a:rPr>
-              <a:t>Schreibe die Methode so um, dass sie am Ende auf jeden Fall eine “LolExcpetion” wirft. Die musst du selber schreiben! Es soll möglich sein, der LolException einen String als Nachricht mitzugeben. Fange diese Exception in der main-Funktion. </a:t>
+              <a:t>Schreibe die Methode so um, dass sie am Ende auf jeden Fall eine “</a:t>
+            </a:r>
+            <a:r>
+              <a:rPr lang="de"/>
+              <a:t>Lol</a:t>
+            </a:r>
+            <a:r>
+              <a:rPr b="0" i="0" lang="de" sz="1600" u="none" cap="none" strike="noStrike">
+                <a:solidFill>
+                  <a:schemeClr val="dk1"/>
+                </a:solidFill>
+                <a:latin typeface="Arial"/>
+                <a:ea typeface="Arial"/>
+                <a:cs typeface="Arial"/>
+                <a:sym typeface="Arial"/>
+              </a:rPr>
+              <a:t>Excpetion” wirft. Die musst du selber schreiben! Es soll möglich sein, der LolException einen String als Nachricht mitzugeben. Fange diese Exception in der main-Funktion. </a:t>
             </a:r>
             <a:endParaRPr b="0" i="0" sz="1600" u="none" cap="none" strike="noStrike">
               <a:solidFill>
@@ -12183,7 +12199,7 @@
                 <a:cs typeface="Arial"/>
                 <a:sym typeface="Arial"/>
               </a:rPr>
-              <a:t>Alle Exceptions, sowohl die aus der Java-Bibliothek, als auch eigens definierte erben direkt oder indirekt von Exception.</a:t>
+              <a:t>Alle Exceptions, sowohl die aus der Java-Bibliothek, als auch eigens definierte erben direkt oder indirekt von der Klasse Exception.</a:t>
             </a:r>
             <a:endParaRPr b="0" i="0" sz="1600" u="none" cap="none" strike="noStrike">
               <a:solidFill>
@@ -13542,7 +13558,23 @@
                 <a:cs typeface="Arial"/>
                 <a:sym typeface="Arial"/>
               </a:rPr>
-              <a:t>Exceptions haben in Java einen sogenannten “Stacktrace”. Das ist der Funktionsaufruf-Pfad, auch dem die Exception geworfen wurde. Anhand dessen lässt sich in der Regel super nachvollziehen, an welcher Stelle, </a:t>
+              <a:t>Exceptions haben in Java einen sogenannten “Stacktrace”. Das ist der Funktionsaufruf-Pfad, au</a:t>
+            </a:r>
+            <a:r>
+              <a:rPr lang="de"/>
+              <a:t>f</a:t>
+            </a:r>
+            <a:r>
+              <a:rPr b="0" i="0" lang="de" sz="1600" u="none" cap="none" strike="noStrike">
+                <a:solidFill>
+                  <a:schemeClr val="dk1"/>
+                </a:solidFill>
+                <a:latin typeface="Arial"/>
+                <a:ea typeface="Arial"/>
+                <a:cs typeface="Arial"/>
+                <a:sym typeface="Arial"/>
+              </a:rPr>
+              <a:t> dem die Exception geworfen wurde. Anhand dessen lässt sich in der Regel super nachvollziehen, an welcher Stelle, </a:t>
             </a:r>
             <a:endParaRPr b="0" i="0" sz="1600" u="none" cap="none" strike="noStrike">
               <a:solidFill>
@@ -13582,7 +13614,7 @@
                 <a:cs typeface="Arial"/>
                 <a:sym typeface="Arial"/>
               </a:rPr>
-              <a:t>mit welchen Parametern, warum </a:t>
+              <a:t>mit welchen Parametern, und </a:t>
             </a:r>
             <a:endParaRPr b="0" i="0" sz="1600" u="none" cap="none" strike="noStrike">
               <a:solidFill>
@@ -13622,7 +13654,39 @@
                 <a:cs typeface="Arial"/>
                 <a:sym typeface="Arial"/>
               </a:rPr>
-              <a:t>eine Exception zustande kam</a:t>
+              <a:t>warum eine Exception zustande</a:t>
+            </a:r>
+            <a:endParaRPr/>
+          </a:p>
+          <a:p>
+            <a:pPr indent="0" lvl="0" marL="0" marR="0" rtl="0" algn="l">
+              <a:lnSpc>
+                <a:spcPct val="100000"/>
+              </a:lnSpc>
+              <a:spcBef>
+                <a:spcPts val="320"/>
+              </a:spcBef>
+              <a:spcAft>
+                <a:spcPts val="0"/>
+              </a:spcAft>
+              <a:buClr>
+                <a:srgbClr val="000000"/>
+              </a:buClr>
+              <a:buSzPts val="1400"/>
+              <a:buFont typeface="Arial"/>
+              <a:buNone/>
+            </a:pPr>
+            <a:r>
+              <a:rPr b="0" i="0" lang="de" sz="1600" u="none" cap="none" strike="noStrike">
+                <a:solidFill>
+                  <a:schemeClr val="dk1"/>
+                </a:solidFill>
+                <a:latin typeface="Arial"/>
+                <a:ea typeface="Arial"/>
+                <a:cs typeface="Arial"/>
+                <a:sym typeface="Arial"/>
+              </a:rPr>
+              <a:t>kam</a:t>
             </a:r>
             <a:endParaRPr b="0" i="0" sz="1600" u="none" cap="none" strike="noStrike">
               <a:solidFill>
@@ -13699,6 +13763,285 @@
 </file>
 
 <file path=ppt/theme/theme1.xml><?xml version="1.0" encoding="utf-8"?>
+<a:theme xmlns:a="http://schemas.openxmlformats.org/drawingml/2006/main" xmlns:r="http://schemas.openxmlformats.org/officeDocument/2006/relationships" name="TUBraunschweig_PPT2007_Folienpool_pptx">
+  <a:themeElements>
+    <a:clrScheme name="TU Braunschweig">
+      <a:dk1>
+        <a:srgbClr val="000000"/>
+      </a:dk1>
+      <a:lt1>
+        <a:srgbClr val="FFFFFF"/>
+      </a:lt1>
+      <a:dk2>
+        <a:srgbClr val="000000"/>
+      </a:dk2>
+      <a:lt2>
+        <a:srgbClr val="DDDDDD"/>
+      </a:lt2>
+      <a:accent1>
+        <a:srgbClr val="BE1E3C"/>
+      </a:accent1>
+      <a:accent2>
+        <a:srgbClr val="4DA6CB"/>
+      </a:accent2>
+      <a:accent3>
+        <a:srgbClr val="ADBF4D"/>
+      </a:accent3>
+      <a:accent4>
+        <a:srgbClr val="FA6E00"/>
+      </a:accent4>
+      <a:accent5>
+        <a:srgbClr val="407E97"/>
+      </a:accent5>
+      <a:accent6>
+        <a:srgbClr val="984098"/>
+      </a:accent6>
+      <a:hlink>
+        <a:srgbClr val="BE1E3C"/>
+      </a:hlink>
+      <a:folHlink>
+        <a:srgbClr val="760054"/>
+      </a:folHlink>
+    </a:clrScheme>
+    <a:fontScheme name="Office">
+      <a:majorFont>
+        <a:latin typeface="Arial"/>
+        <a:ea typeface=""/>
+        <a:cs typeface=""/>
+        <a:font script="Jpan" typeface="ＭＳ Ｐゴシック"/>
+        <a:font script="Hang" typeface="맑은 고딕"/>
+        <a:font script="Hans" typeface="宋体"/>
+        <a:font script="Hant" typeface="新細明體"/>
+        <a:font script="Arab" typeface="Times New Roman"/>
+        <a:font script="Hebr" typeface="Times New Roman"/>
+        <a:font script="Thai" typeface="Angsana New"/>
+        <a:font script="Ethi" typeface="Nyala"/>
+        <a:font script="Beng" typeface="Vrinda"/>
+        <a:font script="Gujr" typeface="Shruti"/>
+        <a:font script="Khmr" typeface="MoolBoran"/>
+        <a:font script="Knda" typeface="Tunga"/>
+        <a:font script="Guru" typeface="Raavi"/>
+        <a:font script="Cans" typeface="Euphemia"/>
+        <a:font script="Cher" typeface="Plantagenet Cherokee"/>
+        <a:font script="Yiii" typeface="Microsoft Yi Baiti"/>
+        <a:font script="Tibt" typeface="Microsoft Himalaya"/>
+        <a:font script="Thaa" typeface="MV Boli"/>
+        <a:font script="Deva" typeface="Mangal"/>
+        <a:font script="Telu" typeface="Gautami"/>
+        <a:font script="Taml" typeface="Latha"/>
+        <a:font script="Syrc" typeface="Estrangelo Edessa"/>
+        <a:font script="Orya" typeface="Kalinga"/>
+        <a:font script="Mlym" typeface="Kartika"/>
+        <a:font script="Laoo" typeface="DokChampa"/>
+        <a:font script="Sinh" typeface="Iskoola Pota"/>
+        <a:font script="Mong" typeface="Mongolian Baiti"/>
+        <a:font script="Viet" typeface="Times New Roman"/>
+        <a:font script="Uigh" typeface="Microsoft Uighur"/>
+        <a:font script="Geor" typeface="Sylfaen"/>
+      </a:majorFont>
+      <a:minorFont>
+        <a:latin typeface="Arial"/>
+        <a:ea typeface=""/>
+        <a:cs typeface=""/>
+        <a:font script="Jpan" typeface="ＭＳ Ｐゴシック"/>
+        <a:font script="Hang" typeface="맑은 고딕"/>
+        <a:font script="Hans" typeface="宋体"/>
+        <a:font script="Hant" typeface="新細明體"/>
+        <a:font script="Arab" typeface="Arial"/>
+        <a:font script="Hebr" typeface="Arial"/>
+        <a:font script="Thai" typeface="Cordia New"/>
+        <a:font script="Ethi" typeface="Nyala"/>
+        <a:font script="Beng" typeface="Vrinda"/>
+        <a:font script="Gujr" typeface="Shruti"/>
+        <a:font script="Khmr" typeface="DaunPenh"/>
+        <a:font script="Knda" typeface="Tunga"/>
+        <a:font script="Guru" typeface="Raavi"/>
+        <a:font script="Cans" typeface="Euphemia"/>
+        <a:font script="Cher" typeface="Plantagenet Cherokee"/>
+        <a:font script="Yiii" typeface="Microsoft Yi Baiti"/>
+        <a:font script="Tibt" typeface="Microsoft Himalaya"/>
+        <a:font script="Thaa" typeface="MV Boli"/>
+        <a:font script="Deva" typeface="Mangal"/>
+        <a:font script="Telu" typeface="Gautami"/>
+        <a:font script="Taml" typeface="Latha"/>
+        <a:font script="Syrc" typeface="Estrangelo Edessa"/>
+        <a:font script="Orya" typeface="Kalinga"/>
+        <a:font script="Mlym" typeface="Kartika"/>
+        <a:font script="Laoo" typeface="DokChampa"/>
+        <a:font script="Sinh" typeface="Iskoola Pota"/>
+        <a:font script="Mong" typeface="Mongolian Baiti"/>
+        <a:font script="Viet" typeface="Arial"/>
+        <a:font script="Uigh" typeface="Microsoft Uighur"/>
+        <a:font script="Geor" typeface="Sylfaen"/>
+      </a:minorFont>
+    </a:fontScheme>
+    <a:fmtScheme name="Office">
+      <a:fillStyleLst>
+        <a:solidFill>
+          <a:schemeClr val="phClr"/>
+        </a:solidFill>
+        <a:gradFill rotWithShape="1">
+          <a:gsLst>
+            <a:gs pos="0">
+              <a:schemeClr val="phClr">
+                <a:tint val="50000"/>
+                <a:satMod val="300000"/>
+              </a:schemeClr>
+            </a:gs>
+            <a:gs pos="35000">
+              <a:schemeClr val="phClr">
+                <a:tint val="37000"/>
+                <a:satMod val="300000"/>
+              </a:schemeClr>
+            </a:gs>
+            <a:gs pos="100000">
+              <a:schemeClr val="phClr">
+                <a:tint val="15000"/>
+                <a:satMod val="350000"/>
+              </a:schemeClr>
+            </a:gs>
+          </a:gsLst>
+          <a:lin ang="16200000" scaled="1"/>
+        </a:gradFill>
+        <a:gradFill rotWithShape="1">
+          <a:gsLst>
+            <a:gs pos="0">
+              <a:schemeClr val="phClr">
+                <a:tint val="100000"/>
+                <a:shade val="100000"/>
+                <a:satMod val="130000"/>
+              </a:schemeClr>
+            </a:gs>
+            <a:gs pos="100000">
+              <a:schemeClr val="phClr">
+                <a:tint val="50000"/>
+                <a:shade val="100000"/>
+                <a:satMod val="350000"/>
+              </a:schemeClr>
+            </a:gs>
+          </a:gsLst>
+          <a:lin ang="16200000" scaled="0"/>
+        </a:gradFill>
+      </a:fillStyleLst>
+      <a:lnStyleLst>
+        <a:ln w="9525" cap="flat" cmpd="sng" algn="ctr">
+          <a:solidFill>
+            <a:schemeClr val="phClr">
+              <a:shade val="95000"/>
+              <a:satMod val="105000"/>
+            </a:schemeClr>
+          </a:solidFill>
+          <a:prstDash val="solid"/>
+        </a:ln>
+        <a:ln w="25400" cap="flat" cmpd="sng" algn="ctr">
+          <a:solidFill>
+            <a:schemeClr val="phClr"/>
+          </a:solidFill>
+          <a:prstDash val="solid"/>
+        </a:ln>
+        <a:ln w="38100" cap="flat" cmpd="sng" algn="ctr">
+          <a:solidFill>
+            <a:schemeClr val="phClr"/>
+          </a:solidFill>
+          <a:prstDash val="solid"/>
+        </a:ln>
+      </a:lnStyleLst>
+      <a:effectStyleLst>
+        <a:effectStyle>
+          <a:effectLst>
+            <a:outerShdw blurRad="40000" dist="20000" dir="5400000" rotWithShape="0">
+              <a:srgbClr val="000000">
+                <a:alpha val="38000"/>
+              </a:srgbClr>
+            </a:outerShdw>
+          </a:effectLst>
+        </a:effectStyle>
+        <a:effectStyle>
+          <a:effectLst>
+            <a:outerShdw blurRad="40000" dist="23000" dir="5400000" rotWithShape="0">
+              <a:srgbClr val="000000">
+                <a:alpha val="35000"/>
+              </a:srgbClr>
+            </a:outerShdw>
+          </a:effectLst>
+        </a:effectStyle>
+        <a:effectStyle>
+          <a:effectLst>
+            <a:outerShdw blurRad="40000" dist="23000" dir="5400000" rotWithShape="0">
+              <a:srgbClr val="000000">
+                <a:alpha val="35000"/>
+              </a:srgbClr>
+            </a:outerShdw>
+          </a:effectLst>
+          <a:scene3d>
+            <a:camera prst="orthographicFront">
+              <a:rot lat="0" lon="0" rev="0"/>
+            </a:camera>
+            <a:lightRig rig="threePt" dir="t">
+              <a:rot lat="0" lon="0" rev="1200000"/>
+            </a:lightRig>
+          </a:scene3d>
+          <a:sp3d>
+            <a:bevelT w="63500" h="25400"/>
+          </a:sp3d>
+        </a:effectStyle>
+      </a:effectStyleLst>
+      <a:bgFillStyleLst>
+        <a:solidFill>
+          <a:schemeClr val="phClr"/>
+        </a:solidFill>
+        <a:gradFill rotWithShape="1">
+          <a:gsLst>
+            <a:gs pos="0">
+              <a:schemeClr val="phClr">
+                <a:tint val="40000"/>
+                <a:satMod val="350000"/>
+              </a:schemeClr>
+            </a:gs>
+            <a:gs pos="40000">
+              <a:schemeClr val="phClr">
+                <a:tint val="45000"/>
+                <a:shade val="99000"/>
+                <a:satMod val="350000"/>
+              </a:schemeClr>
+            </a:gs>
+            <a:gs pos="100000">
+              <a:schemeClr val="phClr">
+                <a:shade val="20000"/>
+                <a:satMod val="255000"/>
+              </a:schemeClr>
+            </a:gs>
+          </a:gsLst>
+          <a:path path="circle">
+            <a:fillToRect l="50000" t="-80000" r="50000" b="180000"/>
+          </a:path>
+        </a:gradFill>
+        <a:gradFill rotWithShape="1">
+          <a:gsLst>
+            <a:gs pos="0">
+              <a:schemeClr val="phClr">
+                <a:tint val="80000"/>
+                <a:satMod val="300000"/>
+              </a:schemeClr>
+            </a:gs>
+            <a:gs pos="100000">
+              <a:schemeClr val="phClr">
+                <a:shade val="30000"/>
+                <a:satMod val="200000"/>
+              </a:schemeClr>
+            </a:gs>
+          </a:gsLst>
+          <a:path path="circle">
+            <a:fillToRect l="50000" t="50000" r="50000" b="50000"/>
+          </a:path>
+        </a:gradFill>
+      </a:bgFillStyleLst>
+    </a:fmtScheme>
+  </a:themeElements>
+</a:theme>
+</file>
+
+<file path=ppt/theme/theme2.xml><?xml version="1.0" encoding="utf-8"?>
 <a:theme xmlns:a="http://schemas.openxmlformats.org/drawingml/2006/main" xmlns:r="http://schemas.openxmlformats.org/officeDocument/2006/relationships">
   <a:themeElements>
     <a:clrScheme name="Default">
@@ -13975,283 +14318,4 @@
     </a:fmtScheme>
   </a:themeElements>
 </a:theme>
-</file>
-
-<file path=ppt/theme/theme2.xml><?xml version="1.0" encoding="utf-8"?>
-<a:theme xmlns:a="http://schemas.openxmlformats.org/drawingml/2006/main" xmlns:r="http://schemas.openxmlformats.org/officeDocument/2006/relationships" name="TUBraunschweig_PPT2007_Folienpool_pptx">
-  <a:themeElements>
-    <a:clrScheme name="TU Braunschweig">
-      <a:dk1>
-        <a:srgbClr val="000000"/>
-      </a:dk1>
-      <a:lt1>
-        <a:srgbClr val="FFFFFF"/>
-      </a:lt1>
-      <a:dk2>
-        <a:srgbClr val="000000"/>
-      </a:dk2>
-      <a:lt2>
-        <a:srgbClr val="DDDDDD"/>
-      </a:lt2>
-      <a:accent1>
-        <a:srgbClr val="BE1E3C"/>
-      </a:accent1>
-      <a:accent2>
-        <a:srgbClr val="4DA6CB"/>
-      </a:accent2>
-      <a:accent3>
-        <a:srgbClr val="ADBF4D"/>
-      </a:accent3>
-      <a:accent4>
-        <a:srgbClr val="FA6E00"/>
-      </a:accent4>
-      <a:accent5>
-        <a:srgbClr val="407E97"/>
-      </a:accent5>
-      <a:accent6>
-        <a:srgbClr val="984098"/>
-      </a:accent6>
-      <a:hlink>
-        <a:srgbClr val="BE1E3C"/>
-      </a:hlink>
-      <a:folHlink>
-        <a:srgbClr val="760054"/>
-      </a:folHlink>
-    </a:clrScheme>
-    <a:fontScheme name="Office">
-      <a:majorFont>
-        <a:latin typeface="Arial"/>
-        <a:ea typeface=""/>
-        <a:cs typeface=""/>
-        <a:font script="Jpan" typeface="ＭＳ Ｐゴシック"/>
-        <a:font script="Hang" typeface="맑은 고딕"/>
-        <a:font script="Hans" typeface="宋体"/>
-        <a:font script="Hant" typeface="新細明體"/>
-        <a:font script="Arab" typeface="Times New Roman"/>
-        <a:font script="Hebr" typeface="Times New Roman"/>
-        <a:font script="Thai" typeface="Angsana New"/>
-        <a:font script="Ethi" typeface="Nyala"/>
-        <a:font script="Beng" typeface="Vrinda"/>
-        <a:font script="Gujr" typeface="Shruti"/>
-        <a:font script="Khmr" typeface="MoolBoran"/>
-        <a:font script="Knda" typeface="Tunga"/>
-        <a:font script="Guru" typeface="Raavi"/>
-        <a:font script="Cans" typeface="Euphemia"/>
-        <a:font script="Cher" typeface="Plantagenet Cherokee"/>
-        <a:font script="Yiii" typeface="Microsoft Yi Baiti"/>
-        <a:font script="Tibt" typeface="Microsoft Himalaya"/>
-        <a:font script="Thaa" typeface="MV Boli"/>
-        <a:font script="Deva" typeface="Mangal"/>
-        <a:font script="Telu" typeface="Gautami"/>
-        <a:font script="Taml" typeface="Latha"/>
-        <a:font script="Syrc" typeface="Estrangelo Edessa"/>
-        <a:font script="Orya" typeface="Kalinga"/>
-        <a:font script="Mlym" typeface="Kartika"/>
-        <a:font script="Laoo" typeface="DokChampa"/>
-        <a:font script="Sinh" typeface="Iskoola Pota"/>
-        <a:font script="Mong" typeface="Mongolian Baiti"/>
-        <a:font script="Viet" typeface="Times New Roman"/>
-        <a:font script="Uigh" typeface="Microsoft Uighur"/>
-        <a:font script="Geor" typeface="Sylfaen"/>
-      </a:majorFont>
-      <a:minorFont>
-        <a:latin typeface="Arial"/>
-        <a:ea typeface=""/>
-        <a:cs typeface=""/>
-        <a:font script="Jpan" typeface="ＭＳ Ｐゴシック"/>
-        <a:font script="Hang" typeface="맑은 고딕"/>
-        <a:font script="Hans" typeface="宋体"/>
-        <a:font script="Hant" typeface="新細明體"/>
-        <a:font script="Arab" typeface="Arial"/>
-        <a:font script="Hebr" typeface="Arial"/>
-        <a:font script="Thai" typeface="Cordia New"/>
-        <a:font script="Ethi" typeface="Nyala"/>
-        <a:font script="Beng" typeface="Vrinda"/>
-        <a:font script="Gujr" typeface="Shruti"/>
-        <a:font script="Khmr" typeface="DaunPenh"/>
-        <a:font script="Knda" typeface="Tunga"/>
-        <a:font script="Guru" typeface="Raavi"/>
-        <a:font script="Cans" typeface="Euphemia"/>
-        <a:font script="Cher" typeface="Plantagenet Cherokee"/>
-        <a:font script="Yiii" typeface="Microsoft Yi Baiti"/>
-        <a:font script="Tibt" typeface="Microsoft Himalaya"/>
-        <a:font script="Thaa" typeface="MV Boli"/>
-        <a:font script="Deva" typeface="Mangal"/>
-        <a:font script="Telu" typeface="Gautami"/>
-        <a:font script="Taml" typeface="Latha"/>
-        <a:font script="Syrc" typeface="Estrangelo Edessa"/>
-        <a:font script="Orya" typeface="Kalinga"/>
-        <a:font script="Mlym" typeface="Kartika"/>
-        <a:font script="Laoo" typeface="DokChampa"/>
-        <a:font script="Sinh" typeface="Iskoola Pota"/>
-        <a:font script="Mong" typeface="Mongolian Baiti"/>
-        <a:font script="Viet" typeface="Arial"/>
-        <a:font script="Uigh" typeface="Microsoft Uighur"/>
-        <a:font script="Geor" typeface="Sylfaen"/>
-      </a:minorFont>
-    </a:fontScheme>
-    <a:fmtScheme name="Office">
-      <a:fillStyleLst>
-        <a:solidFill>
-          <a:schemeClr val="phClr"/>
-        </a:solidFill>
-        <a:gradFill rotWithShape="1">
-          <a:gsLst>
-            <a:gs pos="0">
-              <a:schemeClr val="phClr">
-                <a:tint val="50000"/>
-                <a:satMod val="300000"/>
-              </a:schemeClr>
-            </a:gs>
-            <a:gs pos="35000">
-              <a:schemeClr val="phClr">
-                <a:tint val="37000"/>
-                <a:satMod val="300000"/>
-              </a:schemeClr>
-            </a:gs>
-            <a:gs pos="100000">
-              <a:schemeClr val="phClr">
-                <a:tint val="15000"/>
-                <a:satMod val="350000"/>
-              </a:schemeClr>
-            </a:gs>
-          </a:gsLst>
-          <a:lin ang="16200000" scaled="1"/>
-        </a:gradFill>
-        <a:gradFill rotWithShape="1">
-          <a:gsLst>
-            <a:gs pos="0">
-              <a:schemeClr val="phClr">
-                <a:tint val="100000"/>
-                <a:shade val="100000"/>
-                <a:satMod val="130000"/>
-              </a:schemeClr>
-            </a:gs>
-            <a:gs pos="100000">
-              <a:schemeClr val="phClr">
-                <a:tint val="50000"/>
-                <a:shade val="100000"/>
-                <a:satMod val="350000"/>
-              </a:schemeClr>
-            </a:gs>
-          </a:gsLst>
-          <a:lin ang="16200000" scaled="0"/>
-        </a:gradFill>
-      </a:fillStyleLst>
-      <a:lnStyleLst>
-        <a:ln w="9525" cap="flat" cmpd="sng" algn="ctr">
-          <a:solidFill>
-            <a:schemeClr val="phClr">
-              <a:shade val="95000"/>
-              <a:satMod val="105000"/>
-            </a:schemeClr>
-          </a:solidFill>
-          <a:prstDash val="solid"/>
-        </a:ln>
-        <a:ln w="25400" cap="flat" cmpd="sng" algn="ctr">
-          <a:solidFill>
-            <a:schemeClr val="phClr"/>
-          </a:solidFill>
-          <a:prstDash val="solid"/>
-        </a:ln>
-        <a:ln w="38100" cap="flat" cmpd="sng" algn="ctr">
-          <a:solidFill>
-            <a:schemeClr val="phClr"/>
-          </a:solidFill>
-          <a:prstDash val="solid"/>
-        </a:ln>
-      </a:lnStyleLst>
-      <a:effectStyleLst>
-        <a:effectStyle>
-          <a:effectLst>
-            <a:outerShdw blurRad="40000" dist="20000" dir="5400000" rotWithShape="0">
-              <a:srgbClr val="000000">
-                <a:alpha val="38000"/>
-              </a:srgbClr>
-            </a:outerShdw>
-          </a:effectLst>
-        </a:effectStyle>
-        <a:effectStyle>
-          <a:effectLst>
-            <a:outerShdw blurRad="40000" dist="23000" dir="5400000" rotWithShape="0">
-              <a:srgbClr val="000000">
-                <a:alpha val="35000"/>
-              </a:srgbClr>
-            </a:outerShdw>
-          </a:effectLst>
-        </a:effectStyle>
-        <a:effectStyle>
-          <a:effectLst>
-            <a:outerShdw blurRad="40000" dist="23000" dir="5400000" rotWithShape="0">
-              <a:srgbClr val="000000">
-                <a:alpha val="35000"/>
-              </a:srgbClr>
-            </a:outerShdw>
-          </a:effectLst>
-          <a:scene3d>
-            <a:camera prst="orthographicFront">
-              <a:rot lat="0" lon="0" rev="0"/>
-            </a:camera>
-            <a:lightRig rig="threePt" dir="t">
-              <a:rot lat="0" lon="0" rev="1200000"/>
-            </a:lightRig>
-          </a:scene3d>
-          <a:sp3d>
-            <a:bevelT w="63500" h="25400"/>
-          </a:sp3d>
-        </a:effectStyle>
-      </a:effectStyleLst>
-      <a:bgFillStyleLst>
-        <a:solidFill>
-          <a:schemeClr val="phClr"/>
-        </a:solidFill>
-        <a:gradFill rotWithShape="1">
-          <a:gsLst>
-            <a:gs pos="0">
-              <a:schemeClr val="phClr">
-                <a:tint val="40000"/>
-                <a:satMod val="350000"/>
-              </a:schemeClr>
-            </a:gs>
-            <a:gs pos="40000">
-              <a:schemeClr val="phClr">
-                <a:tint val="45000"/>
-                <a:shade val="99000"/>
-                <a:satMod val="350000"/>
-              </a:schemeClr>
-            </a:gs>
-            <a:gs pos="100000">
-              <a:schemeClr val="phClr">
-                <a:shade val="20000"/>
-                <a:satMod val="255000"/>
-              </a:schemeClr>
-            </a:gs>
-          </a:gsLst>
-          <a:path path="circle">
-            <a:fillToRect l="50000" t="-80000" r="50000" b="180000"/>
-          </a:path>
-        </a:gradFill>
-        <a:gradFill rotWithShape="1">
-          <a:gsLst>
-            <a:gs pos="0">
-              <a:schemeClr val="phClr">
-                <a:tint val="80000"/>
-                <a:satMod val="300000"/>
-              </a:schemeClr>
-            </a:gs>
-            <a:gs pos="100000">
-              <a:schemeClr val="phClr">
-                <a:shade val="30000"/>
-                <a:satMod val="200000"/>
-              </a:schemeClr>
-            </a:gs>
-          </a:gsLst>
-          <a:path path="circle">
-            <a:fillToRect l="50000" t="50000" r="50000" b="50000"/>
-          </a:path>
-        </a:gradFill>
-      </a:bgFillStyleLst>
-    </a:fmtScheme>
-  </a:themeElements>
-</a:theme>
 </file>
--- a/slides/11_exceptions.pptx
+++ b/slides/11_exceptions.pptx
@@ -10506,7 +10506,7 @@
                 <a:cs typeface="Arial"/>
                 <a:sym typeface="Arial"/>
               </a:rPr>
-              <a:t>Für die heutige Übungsaufgabe ist die Klasse bereits vorhanden und liegt im Git. Die main-Funktion und eine dubiose Funktion “divide(int[] arr, Object divisor)” sind vorgegeben. Von letzterer ist eigentlich nicht wirklich wichtig was diese macht, denn sie ist in erster Linie extrem schlecht geschrieben und wirft bei passendem Input viele Exceptions.</a:t>
+              <a:t>Für die heutige Übungsaufgabe ist die Klasse bereits vorhanden und liegt im Git. Die main-Funktion und eine dubiose Funktion “divide(int[ ] arr, Object divisor)” sind vorgegeben. Von letzterer ist eigentlich nicht wirklich wichtig was diese macht, denn sie ist in erster Linie extrem schlecht geschrieben und wirft bei passendem Input viele Exceptions.</a:t>
             </a:r>
             <a:endParaRPr b="0" i="0" sz="1600" u="none" cap="none" strike="noStrike">
               <a:solidFill>

--- a/slides/11_exceptions.pptx
+++ b/slides/11_exceptions.pptx
@@ -10673,7 +10673,7 @@
                 <a:cs typeface="Arial"/>
                 <a:sym typeface="Arial"/>
               </a:rPr>
-              <a:t>Excpetion” wirft. Die musst du selber schreiben! Es soll möglich sein, der LolException einen String als Nachricht mitzugeben. Fange diese Exception in der main-Funktion. </a:t>
+              <a:t>Exception” wirft. Die musst du selber schreiben! Es soll möglich sein, der LolException einen String als Nachricht mitzugeben. Fange diese Exception in der main-Funktion. </a:t>
             </a:r>
             <a:endParaRPr b="0" i="0" sz="1600" u="none" cap="none" strike="noStrike">
               <a:solidFill>
@@ -13763,6 +13763,285 @@
 </file>
 
 <file path=ppt/theme/theme1.xml><?xml version="1.0" encoding="utf-8"?>
+<a:theme xmlns:a="http://schemas.openxmlformats.org/drawingml/2006/main" xmlns:r="http://schemas.openxmlformats.org/officeDocument/2006/relationships">
+  <a:themeElements>
+    <a:clrScheme name="Default">
+      <a:dk1>
+        <a:srgbClr val="000000"/>
+      </a:dk1>
+      <a:lt1>
+        <a:srgbClr val="FFFFFF"/>
+      </a:lt1>
+      <a:dk2>
+        <a:srgbClr val="158158"/>
+      </a:dk2>
+      <a:lt2>
+        <a:srgbClr val="F3F3F3"/>
+      </a:lt2>
+      <a:accent1>
+        <a:srgbClr val="058DC7"/>
+      </a:accent1>
+      <a:accent2>
+        <a:srgbClr val="50B432"/>
+      </a:accent2>
+      <a:accent3>
+        <a:srgbClr val="ED561B"/>
+      </a:accent3>
+      <a:accent4>
+        <a:srgbClr val="EDEF00"/>
+      </a:accent4>
+      <a:accent5>
+        <a:srgbClr val="24CBE5"/>
+      </a:accent5>
+      <a:accent6>
+        <a:srgbClr val="64E572"/>
+      </a:accent6>
+      <a:hlink>
+        <a:srgbClr val="2200CC"/>
+      </a:hlink>
+      <a:folHlink>
+        <a:srgbClr val="551A8B"/>
+      </a:folHlink>
+    </a:clrScheme>
+    <a:fontScheme name="Office">
+      <a:majorFont>
+        <a:latin typeface="Arial"/>
+        <a:ea typeface=""/>
+        <a:cs typeface=""/>
+        <a:font script="Jpan" typeface="ＭＳ Ｐゴシック"/>
+        <a:font script="Hang" typeface="맑은 고딕"/>
+        <a:font script="Hans" typeface="宋体"/>
+        <a:font script="Hant" typeface="新細明體"/>
+        <a:font script="Arab" typeface="Times New Roman"/>
+        <a:font script="Hebr" typeface="Times New Roman"/>
+        <a:font script="Thai" typeface="Angsana New"/>
+        <a:font script="Ethi" typeface="Nyala"/>
+        <a:font script="Beng" typeface="Vrinda"/>
+        <a:font script="Gujr" typeface="Shruti"/>
+        <a:font script="Khmr" typeface="MoolBoran"/>
+        <a:font script="Knda" typeface="Tunga"/>
+        <a:font script="Guru" typeface="Raavi"/>
+        <a:font script="Cans" typeface="Euphemia"/>
+        <a:font script="Cher" typeface="Plantagenet Cherokee"/>
+        <a:font script="Yiii" typeface="Microsoft Yi Baiti"/>
+        <a:font script="Tibt" typeface="Microsoft Himalaya"/>
+        <a:font script="Thaa" typeface="MV Boli"/>
+        <a:font script="Deva" typeface="Mangal"/>
+        <a:font script="Telu" typeface="Gautami"/>
+        <a:font script="Taml" typeface="Latha"/>
+        <a:font script="Syrc" typeface="Estrangelo Edessa"/>
+        <a:font script="Orya" typeface="Kalinga"/>
+        <a:font script="Mlym" typeface="Kartika"/>
+        <a:font script="Laoo" typeface="DokChampa"/>
+        <a:font script="Sinh" typeface="Iskoola Pota"/>
+        <a:font script="Mong" typeface="Mongolian Baiti"/>
+        <a:font script="Viet" typeface="Times New Roman"/>
+        <a:font script="Uigh" typeface="Microsoft Uighur"/>
+        <a:font script="Geor" typeface="Sylfaen"/>
+      </a:majorFont>
+      <a:minorFont>
+        <a:latin typeface="Arial"/>
+        <a:ea typeface=""/>
+        <a:cs typeface=""/>
+        <a:font script="Jpan" typeface="ＭＳ Ｐゴシック"/>
+        <a:font script="Hang" typeface="맑은 고딕"/>
+        <a:font script="Hans" typeface="宋体"/>
+        <a:font script="Hant" typeface="新細明體"/>
+        <a:font script="Arab" typeface="Arial"/>
+        <a:font script="Hebr" typeface="Arial"/>
+        <a:font script="Thai" typeface="Cordia New"/>
+        <a:font script="Ethi" typeface="Nyala"/>
+        <a:font script="Beng" typeface="Vrinda"/>
+        <a:font script="Gujr" typeface="Shruti"/>
+        <a:font script="Khmr" typeface="DaunPenh"/>
+        <a:font script="Knda" typeface="Tunga"/>
+        <a:font script="Guru" typeface="Raavi"/>
+        <a:font script="Cans" typeface="Euphemia"/>
+        <a:font script="Cher" typeface="Plantagenet Cherokee"/>
+        <a:font script="Yiii" typeface="Microsoft Yi Baiti"/>
+        <a:font script="Tibt" typeface="Microsoft Himalaya"/>
+        <a:font script="Thaa" typeface="MV Boli"/>
+        <a:font script="Deva" typeface="Mangal"/>
+        <a:font script="Telu" typeface="Gautami"/>
+        <a:font script="Taml" typeface="Latha"/>
+        <a:font script="Syrc" typeface="Estrangelo Edessa"/>
+        <a:font script="Orya" typeface="Kalinga"/>
+        <a:font script="Mlym" typeface="Kartika"/>
+        <a:font script="Laoo" typeface="DokChampa"/>
+        <a:font script="Sinh" typeface="Iskoola Pota"/>
+        <a:font script="Mong" typeface="Mongolian Baiti"/>
+        <a:font script="Viet" typeface="Arial"/>
+        <a:font script="Uigh" typeface="Microsoft Uighur"/>
+        <a:font script="Geor" typeface="Sylfaen"/>
+      </a:minorFont>
+    </a:fontScheme>
+    <a:fmtScheme name="Office">
+      <a:fillStyleLst>
+        <a:solidFill>
+          <a:schemeClr val="phClr"/>
+        </a:solidFill>
+        <a:gradFill rotWithShape="1">
+          <a:gsLst>
+            <a:gs pos="0">
+              <a:schemeClr val="phClr">
+                <a:tint val="50000"/>
+                <a:satMod val="300000"/>
+              </a:schemeClr>
+            </a:gs>
+            <a:gs pos="35000">
+              <a:schemeClr val="phClr">
+                <a:tint val="37000"/>
+                <a:satMod val="300000"/>
+              </a:schemeClr>
+            </a:gs>
+            <a:gs pos="100000">
+              <a:schemeClr val="phClr">
+                <a:tint val="15000"/>
+                <a:satMod val="350000"/>
+              </a:schemeClr>
+            </a:gs>
+          </a:gsLst>
+          <a:lin ang="16200000" scaled="1"/>
+        </a:gradFill>
+        <a:gradFill rotWithShape="1">
+          <a:gsLst>
+            <a:gs pos="0">
+              <a:schemeClr val="phClr">
+                <a:tint val="100000"/>
+                <a:shade val="100000"/>
+                <a:satMod val="130000"/>
+              </a:schemeClr>
+            </a:gs>
+            <a:gs pos="100000">
+              <a:schemeClr val="phClr">
+                <a:tint val="50000"/>
+                <a:shade val="100000"/>
+                <a:satMod val="350000"/>
+              </a:schemeClr>
+            </a:gs>
+          </a:gsLst>
+          <a:lin ang="16200000" scaled="0"/>
+        </a:gradFill>
+      </a:fillStyleLst>
+      <a:lnStyleLst>
+        <a:ln w="9525" cap="flat" cmpd="sng" algn="ctr">
+          <a:solidFill>
+            <a:schemeClr val="phClr">
+              <a:shade val="95000"/>
+              <a:satMod val="105000"/>
+            </a:schemeClr>
+          </a:solidFill>
+          <a:prstDash val="solid"/>
+        </a:ln>
+        <a:ln w="25400" cap="flat" cmpd="sng" algn="ctr">
+          <a:solidFill>
+            <a:schemeClr val="phClr"/>
+          </a:solidFill>
+          <a:prstDash val="solid"/>
+        </a:ln>
+        <a:ln w="38100" cap="flat" cmpd="sng" algn="ctr">
+          <a:solidFill>
+            <a:schemeClr val="phClr"/>
+          </a:solidFill>
+          <a:prstDash val="solid"/>
+        </a:ln>
+      </a:lnStyleLst>
+      <a:effectStyleLst>
+        <a:effectStyle>
+          <a:effectLst>
+            <a:outerShdw blurRad="40000" dist="20000" dir="5400000" rotWithShape="0">
+              <a:srgbClr val="000000">
+                <a:alpha val="38000"/>
+              </a:srgbClr>
+            </a:outerShdw>
+          </a:effectLst>
+        </a:effectStyle>
+        <a:effectStyle>
+          <a:effectLst>
+            <a:outerShdw blurRad="40000" dist="23000" dir="5400000" rotWithShape="0">
+              <a:srgbClr val="000000">
+                <a:alpha val="35000"/>
+              </a:srgbClr>
+            </a:outerShdw>
+          </a:effectLst>
+        </a:effectStyle>
+        <a:effectStyle>
+          <a:effectLst>
+            <a:outerShdw blurRad="40000" dist="23000" dir="5400000" rotWithShape="0">
+              <a:srgbClr val="000000">
+                <a:alpha val="35000"/>
+              </a:srgbClr>
+            </a:outerShdw>
+          </a:effectLst>
+          <a:scene3d>
+            <a:camera prst="orthographicFront">
+              <a:rot lat="0" lon="0" rev="0"/>
+            </a:camera>
+            <a:lightRig rig="threePt" dir="t">
+              <a:rot lat="0" lon="0" rev="1200000"/>
+            </a:lightRig>
+          </a:scene3d>
+          <a:sp3d>
+            <a:bevelT w="63500" h="25400"/>
+          </a:sp3d>
+        </a:effectStyle>
+      </a:effectStyleLst>
+      <a:bgFillStyleLst>
+        <a:solidFill>
+          <a:schemeClr val="phClr"/>
+        </a:solidFill>
+        <a:gradFill rotWithShape="1">
+          <a:gsLst>
+            <a:gs pos="0">
+              <a:schemeClr val="phClr">
+                <a:tint val="40000"/>
+                <a:satMod val="350000"/>
+              </a:schemeClr>
+            </a:gs>
+            <a:gs pos="40000">
+              <a:schemeClr val="phClr">
+                <a:tint val="45000"/>
+                <a:shade val="99000"/>
+                <a:satMod val="350000"/>
+              </a:schemeClr>
+            </a:gs>
+            <a:gs pos="100000">
+              <a:schemeClr val="phClr">
+                <a:shade val="20000"/>
+                <a:satMod val="255000"/>
+              </a:schemeClr>
+            </a:gs>
+          </a:gsLst>
+          <a:path path="circle">
+            <a:fillToRect l="50000" t="-80000" r="50000" b="180000"/>
+          </a:path>
+        </a:gradFill>
+        <a:gradFill rotWithShape="1">
+          <a:gsLst>
+            <a:gs pos="0">
+              <a:schemeClr val="phClr">
+                <a:tint val="80000"/>
+                <a:satMod val="300000"/>
+              </a:schemeClr>
+            </a:gs>
+            <a:gs pos="100000">
+              <a:schemeClr val="phClr">
+                <a:shade val="30000"/>
+                <a:satMod val="200000"/>
+              </a:schemeClr>
+            </a:gs>
+          </a:gsLst>
+          <a:path path="circle">
+            <a:fillToRect l="50000" t="50000" r="50000" b="50000"/>
+          </a:path>
+        </a:gradFill>
+      </a:bgFillStyleLst>
+    </a:fmtScheme>
+  </a:themeElements>
+</a:theme>
+</file>
+
+<file path=ppt/theme/theme2.xml><?xml version="1.0" encoding="utf-8"?>
 <a:theme xmlns:a="http://schemas.openxmlformats.org/drawingml/2006/main" xmlns:r="http://schemas.openxmlformats.org/officeDocument/2006/relationships" name="TUBraunschweig_PPT2007_Folienpool_pptx">
   <a:themeElements>
     <a:clrScheme name="TU Braunschweig">
@@ -14039,283 +14318,4 @@
     </a:fmtScheme>
   </a:themeElements>
 </a:theme>
-</file>
-
-<file path=ppt/theme/theme2.xml><?xml version="1.0" encoding="utf-8"?>
-<a:theme xmlns:a="http://schemas.openxmlformats.org/drawingml/2006/main" xmlns:r="http://schemas.openxmlformats.org/officeDocument/2006/relationships">
-  <a:themeElements>
-    <a:clrScheme name="Default">
-      <a:dk1>
-        <a:srgbClr val="000000"/>
-      </a:dk1>
-      <a:lt1>
-        <a:srgbClr val="FFFFFF"/>
-      </a:lt1>
-      <a:dk2>
-        <a:srgbClr val="158158"/>
-      </a:dk2>
-      <a:lt2>
-        <a:srgbClr val="F3F3F3"/>
-      </a:lt2>
-      <a:accent1>
-        <a:srgbClr val="058DC7"/>
-      </a:accent1>
-      <a:accent2>
-        <a:srgbClr val="50B432"/>
-      </a:accent2>
-      <a:accent3>
-        <a:srgbClr val="ED561B"/>
-      </a:accent3>
-      <a:accent4>
-        <a:srgbClr val="EDEF00"/>
-      </a:accent4>
-      <a:accent5>
-        <a:srgbClr val="24CBE5"/>
-      </a:accent5>
-      <a:accent6>
-        <a:srgbClr val="64E572"/>
-      </a:accent6>
-      <a:hlink>
-        <a:srgbClr val="2200CC"/>
-      </a:hlink>
-      <a:folHlink>
-        <a:srgbClr val="551A8B"/>
-      </a:folHlink>
-    </a:clrScheme>
-    <a:fontScheme name="Office">
-      <a:majorFont>
-        <a:latin typeface="Arial"/>
-        <a:ea typeface=""/>
-        <a:cs typeface=""/>
-        <a:font script="Jpan" typeface="ＭＳ Ｐゴシック"/>
-        <a:font script="Hang" typeface="맑은 고딕"/>
-        <a:font script="Hans" typeface="宋体"/>
-        <a:font script="Hant" typeface="新細明體"/>
-        <a:font script="Arab" typeface="Times New Roman"/>
-        <a:font script="Hebr" typeface="Times New Roman"/>
-        <a:font script="Thai" typeface="Angsana New"/>
-        <a:font script="Ethi" typeface="Nyala"/>
-        <a:font script="Beng" typeface="Vrinda"/>
-        <a:font script="Gujr" typeface="Shruti"/>
-        <a:font script="Khmr" typeface="MoolBoran"/>
-        <a:font script="Knda" typeface="Tunga"/>
-        <a:font script="Guru" typeface="Raavi"/>
-        <a:font script="Cans" typeface="Euphemia"/>
-        <a:font script="Cher" typeface="Plantagenet Cherokee"/>
-        <a:font script="Yiii" typeface="Microsoft Yi Baiti"/>
-        <a:font script="Tibt" typeface="Microsoft Himalaya"/>
-        <a:font script="Thaa" typeface="MV Boli"/>
-        <a:font script="Deva" typeface="Mangal"/>
-        <a:font script="Telu" typeface="Gautami"/>
-        <a:font script="Taml" typeface="Latha"/>
-        <a:font script="Syrc" typeface="Estrangelo Edessa"/>
-        <a:font script="Orya" typeface="Kalinga"/>
-        <a:font script="Mlym" typeface="Kartika"/>
-        <a:font script="Laoo" typeface="DokChampa"/>
-        <a:font script="Sinh" typeface="Iskoola Pota"/>
-        <a:font script="Mong" typeface="Mongolian Baiti"/>
-        <a:font script="Viet" typeface="Times New Roman"/>
-        <a:font script="Uigh" typeface="Microsoft Uighur"/>
-        <a:font script="Geor" typeface="Sylfaen"/>
-      </a:majorFont>
-      <a:minorFont>
-        <a:latin typeface="Arial"/>
-        <a:ea typeface=""/>
-        <a:cs typeface=""/>
-        <a:font script="Jpan" typeface="ＭＳ Ｐゴシック"/>
-        <a:font script="Hang" typeface="맑은 고딕"/>
-        <a:font script="Hans" typeface="宋体"/>
-        <a:font script="Hant" typeface="新細明體"/>
-        <a:font script="Arab" typeface="Arial"/>
-        <a:font script="Hebr" typeface="Arial"/>
-        <a:font script="Thai" typeface="Cordia New"/>
-        <a:font script="Ethi" typeface="Nyala"/>
-        <a:font script="Beng" typeface="Vrinda"/>
-        <a:font script="Gujr" typeface="Shruti"/>
-        <a:font script="Khmr" typeface="DaunPenh"/>
-        <a:font script="Knda" typeface="Tunga"/>
-        <a:font script="Guru" typeface="Raavi"/>
-        <a:font script="Cans" typeface="Euphemia"/>
-        <a:font script="Cher" typeface="Plantagenet Cherokee"/>
-        <a:font script="Yiii" typeface="Microsoft Yi Baiti"/>
-        <a:font script="Tibt" typeface="Microsoft Himalaya"/>
-        <a:font script="Thaa" typeface="MV Boli"/>
-        <a:font script="Deva" typeface="Mangal"/>
-        <a:font script="Telu" typeface="Gautami"/>
-        <a:font script="Taml" typeface="Latha"/>
-        <a:font script="Syrc" typeface="Estrangelo Edessa"/>
-        <a:font script="Orya" typeface="Kalinga"/>
-        <a:font script="Mlym" typeface="Kartika"/>
-        <a:font script="Laoo" typeface="DokChampa"/>
-        <a:font script="Sinh" typeface="Iskoola Pota"/>
-        <a:font script="Mong" typeface="Mongolian Baiti"/>
-        <a:font script="Viet" typeface="Arial"/>
-        <a:font script="Uigh" typeface="Microsoft Uighur"/>
-        <a:font script="Geor" typeface="Sylfaen"/>
-      </a:minorFont>
-    </a:fontScheme>
-    <a:fmtScheme name="Office">
-      <a:fillStyleLst>
-        <a:solidFill>
-          <a:schemeClr val="phClr"/>
-        </a:solidFill>
-        <a:gradFill rotWithShape="1">
-          <a:gsLst>
-            <a:gs pos="0">
-              <a:schemeClr val="phClr">
-                <a:tint val="50000"/>
-                <a:satMod val="300000"/>
-              </a:schemeClr>
-            </a:gs>
-            <a:gs pos="35000">
-              <a:schemeClr val="phClr">
-                <a:tint val="37000"/>
-                <a:satMod val="300000"/>
-              </a:schemeClr>
-            </a:gs>
-            <a:gs pos="100000">
-              <a:schemeClr val="phClr">
-                <a:tint val="15000"/>
-                <a:satMod val="350000"/>
-              </a:schemeClr>
-            </a:gs>
-          </a:gsLst>
-          <a:lin ang="16200000" scaled="1"/>
-        </a:gradFill>
-        <a:gradFill rotWithShape="1">
-          <a:gsLst>
-            <a:gs pos="0">
-              <a:schemeClr val="phClr">
-                <a:tint val="100000"/>
-                <a:shade val="100000"/>
-                <a:satMod val="130000"/>
-              </a:schemeClr>
-            </a:gs>
-            <a:gs pos="100000">
-              <a:schemeClr val="phClr">
-                <a:tint val="50000"/>
-                <a:shade val="100000"/>
-                <a:satMod val="350000"/>
-              </a:schemeClr>
-            </a:gs>
-          </a:gsLst>
-          <a:lin ang="16200000" scaled="0"/>
-        </a:gradFill>
-      </a:fillStyleLst>
-      <a:lnStyleLst>
-        <a:ln w="9525" cap="flat" cmpd="sng" algn="ctr">
-          <a:solidFill>
-            <a:schemeClr val="phClr">
-              <a:shade val="95000"/>
-              <a:satMod val="105000"/>
-            </a:schemeClr>
-          </a:solidFill>
-          <a:prstDash val="solid"/>
-        </a:ln>
-        <a:ln w="25400" cap="flat" cmpd="sng" algn="ctr">
-          <a:solidFill>
-            <a:schemeClr val="phClr"/>
-          </a:solidFill>
-          <a:prstDash val="solid"/>
-        </a:ln>
-        <a:ln w="38100" cap="flat" cmpd="sng" algn="ctr">
-          <a:solidFill>
-            <a:schemeClr val="phClr"/>
-          </a:solidFill>
-          <a:prstDash val="solid"/>
-        </a:ln>
-      </a:lnStyleLst>
-      <a:effectStyleLst>
-        <a:effectStyle>
-          <a:effectLst>
-            <a:outerShdw blurRad="40000" dist="20000" dir="5400000" rotWithShape="0">
-              <a:srgbClr val="000000">
-                <a:alpha val="38000"/>
-              </a:srgbClr>
-            </a:outerShdw>
-          </a:effectLst>
-        </a:effectStyle>
-        <a:effectStyle>
-          <a:effectLst>
-            <a:outerShdw blurRad="40000" dist="23000" dir="5400000" rotWithShape="0">
-              <a:srgbClr val="000000">
-                <a:alpha val="35000"/>
-              </a:srgbClr>
-            </a:outerShdw>
-          </a:effectLst>
-        </a:effectStyle>
-        <a:effectStyle>
-          <a:effectLst>
-            <a:outerShdw blurRad="40000" dist="23000" dir="5400000" rotWithShape="0">
-              <a:srgbClr val="000000">
-                <a:alpha val="35000"/>
-              </a:srgbClr>
-            </a:outerShdw>
-          </a:effectLst>
-          <a:scene3d>
-            <a:camera prst="orthographicFront">
-              <a:rot lat="0" lon="0" rev="0"/>
-            </a:camera>
-            <a:lightRig rig="threePt" dir="t">
-              <a:rot lat="0" lon="0" rev="1200000"/>
-            </a:lightRig>
-          </a:scene3d>
-          <a:sp3d>
-            <a:bevelT w="63500" h="25400"/>
-          </a:sp3d>
-        </a:effectStyle>
-      </a:effectStyleLst>
-      <a:bgFillStyleLst>
-        <a:solidFill>
-          <a:schemeClr val="phClr"/>
-        </a:solidFill>
-        <a:gradFill rotWithShape="1">
-          <a:gsLst>
-            <a:gs pos="0">
-              <a:schemeClr val="phClr">
-                <a:tint val="40000"/>
-                <a:satMod val="350000"/>
-              </a:schemeClr>
-            </a:gs>
-            <a:gs pos="40000">
-              <a:schemeClr val="phClr">
-                <a:tint val="45000"/>
-                <a:shade val="99000"/>
-                <a:satMod val="350000"/>
-              </a:schemeClr>
-            </a:gs>
-            <a:gs pos="100000">
-              <a:schemeClr val="phClr">
-                <a:shade val="20000"/>
-                <a:satMod val="255000"/>
-              </a:schemeClr>
-            </a:gs>
-          </a:gsLst>
-          <a:path path="circle">
-            <a:fillToRect l="50000" t="-80000" r="50000" b="180000"/>
-          </a:path>
-        </a:gradFill>
-        <a:gradFill rotWithShape="1">
-          <a:gsLst>
-            <a:gs pos="0">
-              <a:schemeClr val="phClr">
-                <a:tint val="80000"/>
-                <a:satMod val="300000"/>
-              </a:schemeClr>
-            </a:gs>
-            <a:gs pos="100000">
-              <a:schemeClr val="phClr">
-                <a:shade val="30000"/>
-                <a:satMod val="200000"/>
-              </a:schemeClr>
-            </a:gs>
-          </a:gsLst>
-          <a:path path="circle">
-            <a:fillToRect l="50000" t="50000" r="50000" b="50000"/>
-          </a:path>
-        </a:gradFill>
-      </a:bgFillStyleLst>
-    </a:fmtScheme>
-  </a:themeElements>
-</a:theme>
 </file>
--- a/slides/11_exceptions.pptx
+++ b/slides/11_exceptions.pptx
@@ -11553,7 +11553,7 @@
                 <a:cs typeface="Arial"/>
                 <a:sym typeface="Arial"/>
               </a:rPr>
-              <a:t>Es gibt in Java zwei verschiedene Arten von Exceptions: Die die von der Klasse RuntimeException erben, und die die es nicht tun.</a:t>
+              <a:t>Es gibt in Java zwei verschiedene Arten von Exceptions: Die, die von der Klasse RuntimeException erben, und die, die es nicht tun.</a:t>
             </a:r>
             <a:endParaRPr b="0" i="0" sz="1600" u="none" cap="none" strike="noStrike">
               <a:solidFill>
@@ -12004,7 +12004,7 @@
                 <a:cs typeface="Arial"/>
                 <a:sym typeface="Arial"/>
               </a:rPr>
-              <a:t>In Java ist es möglich, sich eigene Exceptions mit eigenem Verhalten zu definieren.</a:t>
+              <a:t>In Java ist es möglich sich eigene Exceptions mit eigenem Verhalten zu definieren.</a:t>
             </a:r>
             <a:endParaRPr b="0" i="0" sz="1600" u="none" cap="none" strike="noStrike">
               <a:solidFill>
@@ -13763,6 +13763,285 @@
 </file>
 
 <file path=ppt/theme/theme1.xml><?xml version="1.0" encoding="utf-8"?>
+<a:theme xmlns:a="http://schemas.openxmlformats.org/drawingml/2006/main" xmlns:r="http://schemas.openxmlformats.org/officeDocument/2006/relationships" name="TUBraunschweig_PPT2007_Folienpool_pptx">
+  <a:themeElements>
+    <a:clrScheme name="TU Braunschweig">
+      <a:dk1>
+        <a:srgbClr val="000000"/>
+      </a:dk1>
+      <a:lt1>
+        <a:srgbClr val="FFFFFF"/>
+      </a:lt1>
+      <a:dk2>
+        <a:srgbClr val="000000"/>
+      </a:dk2>
+      <a:lt2>
+        <a:srgbClr val="DDDDDD"/>
+      </a:lt2>
+      <a:accent1>
+        <a:srgbClr val="BE1E3C"/>
+      </a:accent1>
+      <a:accent2>
+        <a:srgbClr val="4DA6CB"/>
+      </a:accent2>
+      <a:accent3>
+        <a:srgbClr val="ADBF4D"/>
+      </a:accent3>
+      <a:accent4>
+        <a:srgbClr val="FA6E00"/>
+      </a:accent4>
+      <a:accent5>
+        <a:srgbClr val="407E97"/>
+      </a:accent5>
+      <a:accent6>
+        <a:srgbClr val="984098"/>
+      </a:accent6>
+      <a:hlink>
+        <a:srgbClr val="BE1E3C"/>
+      </a:hlink>
+      <a:folHlink>
+        <a:srgbClr val="760054"/>
+      </a:folHlink>
+    </a:clrScheme>
+    <a:fontScheme name="Office">
+      <a:majorFont>
+        <a:latin typeface="Arial"/>
+        <a:ea typeface=""/>
+        <a:cs typeface=""/>
+        <a:font script="Jpan" typeface="ＭＳ Ｐゴシック"/>
+        <a:font script="Hang" typeface="맑은 고딕"/>
+        <a:font script="Hans" typeface="宋体"/>
+        <a:font script="Hant" typeface="新細明體"/>
+        <a:font script="Arab" typeface="Times New Roman"/>
+        <a:font script="Hebr" typeface="Times New Roman"/>
+        <a:font script="Thai" typeface="Angsana New"/>
+        <a:font script="Ethi" typeface="Nyala"/>
+        <a:font script="Beng" typeface="Vrinda"/>
+        <a:font script="Gujr" typeface="Shruti"/>
+        <a:font script="Khmr" typeface="MoolBoran"/>
+        <a:font script="Knda" typeface="Tunga"/>
+        <a:font script="Guru" typeface="Raavi"/>
+        <a:font script="Cans" typeface="Euphemia"/>
+        <a:font script="Cher" typeface="Plantagenet Cherokee"/>
+        <a:font script="Yiii" typeface="Microsoft Yi Baiti"/>
+        <a:font script="Tibt" typeface="Microsoft Himalaya"/>
+        <a:font script="Thaa" typeface="MV Boli"/>
+        <a:font script="Deva" typeface="Mangal"/>
+        <a:font script="Telu" typeface="Gautami"/>
+        <a:font script="Taml" typeface="Latha"/>
+        <a:font script="Syrc" typeface="Estrangelo Edessa"/>
+        <a:font script="Orya" typeface="Kalinga"/>
+        <a:font script="Mlym" typeface="Kartika"/>
+        <a:font script="Laoo" typeface="DokChampa"/>
+        <a:font script="Sinh" typeface="Iskoola Pota"/>
+        <a:font script="Mong" typeface="Mongolian Baiti"/>
+        <a:font script="Viet" typeface="Times New Roman"/>
+        <a:font script="Uigh" typeface="Microsoft Uighur"/>
+        <a:font script="Geor" typeface="Sylfaen"/>
+      </a:majorFont>
+      <a:minorFont>
+        <a:latin typeface="Arial"/>
+        <a:ea typeface=""/>
+        <a:cs typeface=""/>
+        <a:font script="Jpan" typeface="ＭＳ Ｐゴシック"/>
+        <a:font script="Hang" typeface="맑은 고딕"/>
+        <a:font script="Hans" typeface="宋体"/>
+        <a:font script="Hant" typeface="新細明體"/>
+        <a:font script="Arab" typeface="Arial"/>
+        <a:font script="Hebr" typeface="Arial"/>
+        <a:font script="Thai" typeface="Cordia New"/>
+        <a:font script="Ethi" typeface="Nyala"/>
+        <a:font script="Beng" typeface="Vrinda"/>
+        <a:font script="Gujr" typeface="Shruti"/>
+        <a:font script="Khmr" typeface="DaunPenh"/>
+        <a:font script="Knda" typeface="Tunga"/>
+        <a:font script="Guru" typeface="Raavi"/>
+        <a:font script="Cans" typeface="Euphemia"/>
+        <a:font script="Cher" typeface="Plantagenet Cherokee"/>
+        <a:font script="Yiii" typeface="Microsoft Yi Baiti"/>
+        <a:font script="Tibt" typeface="Microsoft Himalaya"/>
+        <a:font script="Thaa" typeface="MV Boli"/>
+        <a:font script="Deva" typeface="Mangal"/>
+        <a:font script="Telu" typeface="Gautami"/>
+        <a:font script="Taml" typeface="Latha"/>
+        <a:font script="Syrc" typeface="Estrangelo Edessa"/>
+        <a:font script="Orya" typeface="Kalinga"/>
+        <a:font script="Mlym" typeface="Kartika"/>
+        <a:font script="Laoo" typeface="DokChampa"/>
+        <a:font script="Sinh" typeface="Iskoola Pota"/>
+        <a:font script="Mong" typeface="Mongolian Baiti"/>
+        <a:font script="Viet" typeface="Arial"/>
+        <a:font script="Uigh" typeface="Microsoft Uighur"/>
+        <a:font script="Geor" typeface="Sylfaen"/>
+      </a:minorFont>
+    </a:fontScheme>
+    <a:fmtScheme name="Office">
+      <a:fillStyleLst>
+        <a:solidFill>
+          <a:schemeClr val="phClr"/>
+        </a:solidFill>
+        <a:gradFill rotWithShape="1">
+          <a:gsLst>
+            <a:gs pos="0">
+              <a:schemeClr val="phClr">
+                <a:tint val="50000"/>
+                <a:satMod val="300000"/>
+              </a:schemeClr>
+            </a:gs>
+            <a:gs pos="35000">
+              <a:schemeClr val="phClr">
+                <a:tint val="37000"/>
+                <a:satMod val="300000"/>
+              </a:schemeClr>
+            </a:gs>
+            <a:gs pos="100000">
+              <a:schemeClr val="phClr">
+                <a:tint val="15000"/>
+                <a:satMod val="350000"/>
+              </a:schemeClr>
+            </a:gs>
+          </a:gsLst>
+          <a:lin ang="16200000" scaled="1"/>
+        </a:gradFill>
+        <a:gradFill rotWithShape="1">
+          <a:gsLst>
+            <a:gs pos="0">
+              <a:schemeClr val="phClr">
+                <a:tint val="100000"/>
+                <a:shade val="100000"/>
+                <a:satMod val="130000"/>
+              </a:schemeClr>
+            </a:gs>
+            <a:gs pos="100000">
+              <a:schemeClr val="phClr">
+                <a:tint val="50000"/>
+                <a:shade val="100000"/>
+                <a:satMod val="350000"/>
+              </a:schemeClr>
+            </a:gs>
+          </a:gsLst>
+          <a:lin ang="16200000" scaled="0"/>
+        </a:gradFill>
+      </a:fillStyleLst>
+      <a:lnStyleLst>
+        <a:ln w="9525" cap="flat" cmpd="sng" algn="ctr">
+          <a:solidFill>
+            <a:schemeClr val="phClr">
+              <a:shade val="95000"/>
+              <a:satMod val="105000"/>
+            </a:schemeClr>
+          </a:solidFill>
+          <a:prstDash val="solid"/>
+        </a:ln>
+        <a:ln w="25400" cap="flat" cmpd="sng" algn="ctr">
+          <a:solidFill>
+            <a:schemeClr val="phClr"/>
+          </a:solidFill>
+          <a:prstDash val="solid"/>
+        </a:ln>
+        <a:ln w="38100" cap="flat" cmpd="sng" algn="ctr">
+          <a:solidFill>
+            <a:schemeClr val="phClr"/>
+          </a:solidFill>
+          <a:prstDash val="solid"/>
+        </a:ln>
+      </a:lnStyleLst>
+      <a:effectStyleLst>
+        <a:effectStyle>
+          <a:effectLst>
+            <a:outerShdw blurRad="40000" dist="20000" dir="5400000" rotWithShape="0">
+              <a:srgbClr val="000000">
+                <a:alpha val="38000"/>
+              </a:srgbClr>
+            </a:outerShdw>
+          </a:effectLst>
+        </a:effectStyle>
+        <a:effectStyle>
+          <a:effectLst>
+            <a:outerShdw blurRad="40000" dist="23000" dir="5400000" rotWithShape="0">
+              <a:srgbClr val="000000">
+                <a:alpha val="35000"/>
+              </a:srgbClr>
+            </a:outerShdw>
+          </a:effectLst>
+        </a:effectStyle>
+        <a:effectStyle>
+          <a:effectLst>
+            <a:outerShdw blurRad="40000" dist="23000" dir="5400000" rotWithShape="0">
+              <a:srgbClr val="000000">
+                <a:alpha val="35000"/>
+              </a:srgbClr>
+            </a:outerShdw>
+          </a:effectLst>
+          <a:scene3d>
+            <a:camera prst="orthographicFront">
+              <a:rot lat="0" lon="0" rev="0"/>
+            </a:camera>
+            <a:lightRig rig="threePt" dir="t">
+              <a:rot lat="0" lon="0" rev="1200000"/>
+            </a:lightRig>
+          </a:scene3d>
+          <a:sp3d>
+            <a:bevelT w="63500" h="25400"/>
+          </a:sp3d>
+        </a:effectStyle>
+      </a:effectStyleLst>
+      <a:bgFillStyleLst>
+        <a:solidFill>
+          <a:schemeClr val="phClr"/>
+        </a:solidFill>
+        <a:gradFill rotWithShape="1">
+          <a:gsLst>
+            <a:gs pos="0">
+              <a:schemeClr val="phClr">
+                <a:tint val="40000"/>
+                <a:satMod val="350000"/>
+              </a:schemeClr>
+            </a:gs>
+            <a:gs pos="40000">
+              <a:schemeClr val="phClr">
+                <a:tint val="45000"/>
+                <a:shade val="99000"/>
+                <a:satMod val="350000"/>
+              </a:schemeClr>
+            </a:gs>
+            <a:gs pos="100000">
+              <a:schemeClr val="phClr">
+                <a:shade val="20000"/>
+                <a:satMod val="255000"/>
+              </a:schemeClr>
+            </a:gs>
+          </a:gsLst>
+          <a:path path="circle">
+            <a:fillToRect l="50000" t="-80000" r="50000" b="180000"/>
+          </a:path>
+        </a:gradFill>
+        <a:gradFill rotWithShape="1">
+          <a:gsLst>
+            <a:gs pos="0">
+              <a:schemeClr val="phClr">
+                <a:tint val="80000"/>
+                <a:satMod val="300000"/>
+              </a:schemeClr>
+            </a:gs>
+            <a:gs pos="100000">
+              <a:schemeClr val="phClr">
+                <a:shade val="30000"/>
+                <a:satMod val="200000"/>
+              </a:schemeClr>
+            </a:gs>
+          </a:gsLst>
+          <a:path path="circle">
+            <a:fillToRect l="50000" t="50000" r="50000" b="50000"/>
+          </a:path>
+        </a:gradFill>
+      </a:bgFillStyleLst>
+    </a:fmtScheme>
+  </a:themeElements>
+</a:theme>
+</file>
+
+<file path=ppt/theme/theme2.xml><?xml version="1.0" encoding="utf-8"?>
 <a:theme xmlns:a="http://schemas.openxmlformats.org/drawingml/2006/main" xmlns:r="http://schemas.openxmlformats.org/officeDocument/2006/relationships">
   <a:themeElements>
     <a:clrScheme name="Default">
@@ -14039,283 +14318,4 @@
     </a:fmtScheme>
   </a:themeElements>
 </a:theme>
-</file>
-
-<file path=ppt/theme/theme2.xml><?xml version="1.0" encoding="utf-8"?>
-<a:theme xmlns:a="http://schemas.openxmlformats.org/drawingml/2006/main" xmlns:r="http://schemas.openxmlformats.org/officeDocument/2006/relationships" name="TUBraunschweig_PPT2007_Folienpool_pptx">
-  <a:themeElements>
-    <a:clrScheme name="TU Braunschweig">
-      <a:dk1>
-        <a:srgbClr val="000000"/>
-      </a:dk1>
-      <a:lt1>
-        <a:srgbClr val="FFFFFF"/>
-      </a:lt1>
-      <a:dk2>
-        <a:srgbClr val="000000"/>
-      </a:dk2>
-      <a:lt2>
-        <a:srgbClr val="DDDDDD"/>
-      </a:lt2>
-      <a:accent1>
-        <a:srgbClr val="BE1E3C"/>
-      </a:accent1>
-      <a:accent2>
-        <a:srgbClr val="4DA6CB"/>
-      </a:accent2>
-      <a:accent3>
-        <a:srgbClr val="ADBF4D"/>
-      </a:accent3>
-      <a:accent4>
-        <a:srgbClr val="FA6E00"/>
-      </a:accent4>
-      <a:accent5>
-        <a:srgbClr val="407E97"/>
-      </a:accent5>
-      <a:accent6>
-        <a:srgbClr val="984098"/>
-      </a:accent6>
-      <a:hlink>
-        <a:srgbClr val="BE1E3C"/>
-      </a:hlink>
-      <a:folHlink>
-        <a:srgbClr val="760054"/>
-      </a:folHlink>
-    </a:clrScheme>
-    <a:fontScheme name="Office">
-      <a:majorFont>
-        <a:latin typeface="Arial"/>
-        <a:ea typeface=""/>
-        <a:cs typeface=""/>
-        <a:font script="Jpan" typeface="ＭＳ Ｐゴシック"/>
-        <a:font script="Hang" typeface="맑은 고딕"/>
-        <a:font script="Hans" typeface="宋体"/>
-        <a:font script="Hant" typeface="新細明體"/>
-        <a:font script="Arab" typeface="Times New Roman"/>
-        <a:font script="Hebr" typeface="Times New Roman"/>
-        <a:font script="Thai" typeface="Angsana New"/>
-        <a:font script="Ethi" typeface="Nyala"/>
-        <a:font script="Beng" typeface="Vrinda"/>
-        <a:font script="Gujr" typeface="Shruti"/>
-        <a:font script="Khmr" typeface="MoolBoran"/>
-        <a:font script="Knda" typeface="Tunga"/>
-        <a:font script="Guru" typeface="Raavi"/>
-        <a:font script="Cans" typeface="Euphemia"/>
-        <a:font script="Cher" typeface="Plantagenet Cherokee"/>
-        <a:font script="Yiii" typeface="Microsoft Yi Baiti"/>
-        <a:font script="Tibt" typeface="Microsoft Himalaya"/>
-        <a:font script="Thaa" typeface="MV Boli"/>
-        <a:font script="Deva" typeface="Mangal"/>
-        <a:font script="Telu" typeface="Gautami"/>
-        <a:font script="Taml" typeface="Latha"/>
-        <a:font script="Syrc" typeface="Estrangelo Edessa"/>
-        <a:font script="Orya" typeface="Kalinga"/>
-        <a:font script="Mlym" typeface="Kartika"/>
-        <a:font script="Laoo" typeface="DokChampa"/>
-        <a:font script="Sinh" typeface="Iskoola Pota"/>
-        <a:font script="Mong" typeface="Mongolian Baiti"/>
-        <a:font script="Viet" typeface="Times New Roman"/>
-        <a:font script="Uigh" typeface="Microsoft Uighur"/>
-        <a:font script="Geor" typeface="Sylfaen"/>
-      </a:majorFont>
-      <a:minorFont>
-        <a:latin typeface="Arial"/>
-        <a:ea typeface=""/>
-        <a:cs typeface=""/>
-        <a:font script="Jpan" typeface="ＭＳ Ｐゴシック"/>
-        <a:font script="Hang" typeface="맑은 고딕"/>
-        <a:font script="Hans" typeface="宋体"/>
-        <a:font script="Hant" typeface="新細明體"/>
-        <a:font script="Arab" typeface="Arial"/>
-        <a:font script="Hebr" typeface="Arial"/>
-        <a:font script="Thai" typeface="Cordia New"/>
-        <a:font script="Ethi" typeface="Nyala"/>
-        <a:font script="Beng" typeface="Vrinda"/>
-        <a:font script="Gujr" typeface="Shruti"/>
-        <a:font script="Khmr" typeface="DaunPenh"/>
-        <a:font script="Knda" typeface="Tunga"/>
-        <a:font script="Guru" typeface="Raavi"/>
-        <a:font script="Cans" typeface="Euphemia"/>
-        <a:font script="Cher" typeface="Plantagenet Cherokee"/>
-        <a:font script="Yiii" typeface="Microsoft Yi Baiti"/>
-        <a:font script="Tibt" typeface="Microsoft Himalaya"/>
-        <a:font script="Thaa" typeface="MV Boli"/>
-        <a:font script="Deva" typeface="Mangal"/>
-        <a:font script="Telu" typeface="Gautami"/>
-        <a:font script="Taml" typeface="Latha"/>
-        <a:font script="Syrc" typeface="Estrangelo Edessa"/>
-        <a:font script="Orya" typeface="Kalinga"/>
-        <a:font script="Mlym" typeface="Kartika"/>
-        <a:font script="Laoo" typeface="DokChampa"/>
-        <a:font script="Sinh" typeface="Iskoola Pota"/>
-        <a:font script="Mong" typeface="Mongolian Baiti"/>
-        <a:font script="Viet" typeface="Arial"/>
-        <a:font script="Uigh" typeface="Microsoft Uighur"/>
-        <a:font script="Geor" typeface="Sylfaen"/>
-      </a:minorFont>
-    </a:fontScheme>
-    <a:fmtScheme name="Office">
-      <a:fillStyleLst>
-        <a:solidFill>
-          <a:schemeClr val="phClr"/>
-        </a:solidFill>
-        <a:gradFill rotWithShape="1">
-          <a:gsLst>
-            <a:gs pos="0">
-              <a:schemeClr val="phClr">
-                <a:tint val="50000"/>
-                <a:satMod val="300000"/>
-              </a:schemeClr>
-            </a:gs>
-            <a:gs pos="35000">
-              <a:schemeClr val="phClr">
-                <a:tint val="37000"/>
-                <a:satMod val="300000"/>
-              </a:schemeClr>
-            </a:gs>
-            <a:gs pos="100000">
-              <a:schemeClr val="phClr">
-                <a:tint val="15000"/>
-                <a:satMod val="350000"/>
-              </a:schemeClr>
-            </a:gs>
-          </a:gsLst>
-          <a:lin ang="16200000" scaled="1"/>
-        </a:gradFill>
-        <a:gradFill rotWithShape="1">
-          <a:gsLst>
-            <a:gs pos="0">
-              <a:schemeClr val="phClr">
-                <a:tint val="100000"/>
-                <a:shade val="100000"/>
-                <a:satMod val="130000"/>
-              </a:schemeClr>
-            </a:gs>
-            <a:gs pos="100000">
-              <a:schemeClr val="phClr">
-                <a:tint val="50000"/>
-                <a:shade val="100000"/>
-                <a:satMod val="350000"/>
-              </a:schemeClr>
-            </a:gs>
-          </a:gsLst>
-          <a:lin ang="16200000" scaled="0"/>
-        </a:gradFill>
-      </a:fillStyleLst>
-      <a:lnStyleLst>
-        <a:ln w="9525" cap="flat" cmpd="sng" algn="ctr">
-          <a:solidFill>
-            <a:schemeClr val="phClr">
-              <a:shade val="95000"/>
-              <a:satMod val="105000"/>
-            </a:schemeClr>
-          </a:solidFill>
-          <a:prstDash val="solid"/>
-        </a:ln>
-        <a:ln w="25400" cap="flat" cmpd="sng" algn="ctr">
-          <a:solidFill>
-            <a:schemeClr val="phClr"/>
-          </a:solidFill>
-          <a:prstDash val="solid"/>
-        </a:ln>
-        <a:ln w="38100" cap="flat" cmpd="sng" algn="ctr">
-          <a:solidFill>
-            <a:schemeClr val="phClr"/>
-          </a:solidFill>
-          <a:prstDash val="solid"/>
-        </a:ln>
-      </a:lnStyleLst>
-      <a:effectStyleLst>
-        <a:effectStyle>
-          <a:effectLst>
-            <a:outerShdw blurRad="40000" dist="20000" dir="5400000" rotWithShape="0">
-              <a:srgbClr val="000000">
-                <a:alpha val="38000"/>
-              </a:srgbClr>
-            </a:outerShdw>
-          </a:effectLst>
-        </a:effectStyle>
-        <a:effectStyle>
-          <a:effectLst>
-            <a:outerShdw blurRad="40000" dist="23000" dir="5400000" rotWithShape="0">
-              <a:srgbClr val="000000">
-                <a:alpha val="35000"/>
-              </a:srgbClr>
-            </a:outerShdw>
-          </a:effectLst>
-        </a:effectStyle>
-        <a:effectStyle>
-          <a:effectLst>
-            <a:outerShdw blurRad="40000" dist="23000" dir="5400000" rotWithShape="0">
-              <a:srgbClr val="000000">
-                <a:alpha val="35000"/>
-              </a:srgbClr>
-            </a:outerShdw>
-          </a:effectLst>
-          <a:scene3d>
-            <a:camera prst="orthographicFront">
-              <a:rot lat="0" lon="0" rev="0"/>
-            </a:camera>
-            <a:lightRig rig="threePt" dir="t">
-              <a:rot lat="0" lon="0" rev="1200000"/>
-            </a:lightRig>
-          </a:scene3d>
-          <a:sp3d>
-            <a:bevelT w="63500" h="25400"/>
-          </a:sp3d>
-        </a:effectStyle>
-      </a:effectStyleLst>
-      <a:bgFillStyleLst>
-        <a:solidFill>
-          <a:schemeClr val="phClr"/>
-        </a:solidFill>
-        <a:gradFill rotWithShape="1">
-          <a:gsLst>
-            <a:gs pos="0">
-              <a:schemeClr val="phClr">
-                <a:tint val="40000"/>
-                <a:satMod val="350000"/>
-              </a:schemeClr>
-            </a:gs>
-            <a:gs pos="40000">
-              <a:schemeClr val="phClr">
-                <a:tint val="45000"/>
-                <a:shade val="99000"/>
-                <a:satMod val="350000"/>
-              </a:schemeClr>
-            </a:gs>
-            <a:gs pos="100000">
-              <a:schemeClr val="phClr">
-                <a:shade val="20000"/>
-                <a:satMod val="255000"/>
-              </a:schemeClr>
-            </a:gs>
-          </a:gsLst>
-          <a:path path="circle">
-            <a:fillToRect l="50000" t="-80000" r="50000" b="180000"/>
-          </a:path>
-        </a:gradFill>
-        <a:gradFill rotWithShape="1">
-          <a:gsLst>
-            <a:gs pos="0">
-              <a:schemeClr val="phClr">
-                <a:tint val="80000"/>
-                <a:satMod val="300000"/>
-              </a:schemeClr>
-            </a:gs>
-            <a:gs pos="100000">
-              <a:schemeClr val="phClr">
-                <a:shade val="30000"/>
-                <a:satMod val="200000"/>
-              </a:schemeClr>
-            </a:gs>
-          </a:gsLst>
-          <a:path path="circle">
-            <a:fillToRect l="50000" t="50000" r="50000" b="50000"/>
-          </a:path>
-        </a:gradFill>
-      </a:bgFillStyleLst>
-    </a:fmtScheme>
-  </a:themeElements>
-</a:theme>
 </file>
--- a/slides/11_exceptions.pptx
+++ b/slides/11_exceptions.pptx
@@ -9059,7 +9059,7 @@
                 <a:cs typeface="Arial"/>
                 <a:sym typeface="Arial"/>
               </a:rPr>
-              <a:t>David Gemen und Andriyan Lapychak | Seite </a:t>
+              <a:t>David Gemen | Seite </a:t>
             </a:r>
             <a:fld id="{00000000-1234-1234-1234-123412341234}" type="slidenum">
               <a:rPr b="0" i="0" lang="de" sz="800" u="none" cap="none" strike="noStrike">
@@ -13763,6 +13763,285 @@
 </file>
 
 <file path=ppt/theme/theme1.xml><?xml version="1.0" encoding="utf-8"?>
+<a:theme xmlns:a="http://schemas.openxmlformats.org/drawingml/2006/main" xmlns:r="http://schemas.openxmlformats.org/officeDocument/2006/relationships">
+  <a:themeElements>
+    <a:clrScheme name="Default">
+      <a:dk1>
+        <a:srgbClr val="000000"/>
+      </a:dk1>
+      <a:lt1>
+        <a:srgbClr val="FFFFFF"/>
+      </a:lt1>
+      <a:dk2>
+        <a:srgbClr val="158158"/>
+      </a:dk2>
+      <a:lt2>
+        <a:srgbClr val="F3F3F3"/>
+      </a:lt2>
+      <a:accent1>
+        <a:srgbClr val="058DC7"/>
+      </a:accent1>
+      <a:accent2>
+        <a:srgbClr val="50B432"/>
+      </a:accent2>
+      <a:accent3>
+        <a:srgbClr val="ED561B"/>
+      </a:accent3>
+      <a:accent4>
+        <a:srgbClr val="EDEF00"/>
+      </a:accent4>
+      <a:accent5>
+        <a:srgbClr val="24CBE5"/>
+      </a:accent5>
+      <a:accent6>
+        <a:srgbClr val="64E572"/>
+      </a:accent6>
+      <a:hlink>
+        <a:srgbClr val="2200CC"/>
+      </a:hlink>
+      <a:folHlink>
+        <a:srgbClr val="551A8B"/>
+      </a:folHlink>
+    </a:clrScheme>
+    <a:fontScheme name="Office">
+      <a:majorFont>
+        <a:latin typeface="Arial"/>
+        <a:ea typeface=""/>
+        <a:cs typeface=""/>
+        <a:font script="Jpan" typeface="ＭＳ Ｐゴシック"/>
+        <a:font script="Hang" typeface="맑은 고딕"/>
+        <a:font script="Hans" typeface="宋体"/>
+        <a:font script="Hant" typeface="新細明體"/>
+        <a:font script="Arab" typeface="Times New Roman"/>
+        <a:font script="Hebr" typeface="Times New Roman"/>
+        <a:font script="Thai" typeface="Angsana New"/>
+        <a:font script="Ethi" typeface="Nyala"/>
+        <a:font script="Beng" typeface="Vrinda"/>
+        <a:font script="Gujr" typeface="Shruti"/>
+        <a:font script="Khmr" typeface="MoolBoran"/>
+        <a:font script="Knda" typeface="Tunga"/>
+        <a:font script="Guru" typeface="Raavi"/>
+        <a:font script="Cans" typeface="Euphemia"/>
+        <a:font script="Cher" typeface="Plantagenet Cherokee"/>
+        <a:font script="Yiii" typeface="Microsoft Yi Baiti"/>
+        <a:font script="Tibt" typeface="Microsoft Himalaya"/>
+        <a:font script="Thaa" typeface="MV Boli"/>
+        <a:font script="Deva" typeface="Mangal"/>
+        <a:font script="Telu" typeface="Gautami"/>
+        <a:font script="Taml" typeface="Latha"/>
+        <a:font script="Syrc" typeface="Estrangelo Edessa"/>
+        <a:font script="Orya" typeface="Kalinga"/>
+        <a:font script="Mlym" typeface="Kartika"/>
+        <a:font script="Laoo" typeface="DokChampa"/>
+        <a:font script="Sinh" typeface="Iskoola Pota"/>
+        <a:font script="Mong" typeface="Mongolian Baiti"/>
+        <a:font script="Viet" typeface="Times New Roman"/>
+        <a:font script="Uigh" typeface="Microsoft Uighur"/>
+        <a:font script="Geor" typeface="Sylfaen"/>
+      </a:majorFont>
+      <a:minorFont>
+        <a:latin typeface="Arial"/>
+        <a:ea typeface=""/>
+        <a:cs typeface=""/>
+        <a:font script="Jpan" typeface="ＭＳ Ｐゴシック"/>
+        <a:font script="Hang" typeface="맑은 고딕"/>
+        <a:font script="Hans" typeface="宋体"/>
+        <a:font script="Hant" typeface="新細明體"/>
+        <a:font script="Arab" typeface="Arial"/>
+        <a:font script="Hebr" typeface="Arial"/>
+        <a:font script="Thai" typeface="Cordia New"/>
+        <a:font script="Ethi" typeface="Nyala"/>
+        <a:font script="Beng" typeface="Vrinda"/>
+        <a:font script="Gujr" typeface="Shruti"/>
+        <a:font script="Khmr" typeface="DaunPenh"/>
+        <a:font script="Knda" typeface="Tunga"/>
+        <a:font script="Guru" typeface="Raavi"/>
+        <a:font script="Cans" typeface="Euphemia"/>
+        <a:font script="Cher" typeface="Plantagenet Cherokee"/>
+        <a:font script="Yiii" typeface="Microsoft Yi Baiti"/>
+        <a:font script="Tibt" typeface="Microsoft Himalaya"/>
+        <a:font script="Thaa" typeface="MV Boli"/>
+        <a:font script="Deva" typeface="Mangal"/>
+        <a:font script="Telu" typeface="Gautami"/>
+        <a:font script="Taml" typeface="Latha"/>
+        <a:font script="Syrc" typeface="Estrangelo Edessa"/>
+        <a:font script="Orya" typeface="Kalinga"/>
+        <a:font script="Mlym" typeface="Kartika"/>
+        <a:font script="Laoo" typeface="DokChampa"/>
+        <a:font script="Sinh" typeface="Iskoola Pota"/>
+        <a:font script="Mong" typeface="Mongolian Baiti"/>
+        <a:font script="Viet" typeface="Arial"/>
+        <a:font script="Uigh" typeface="Microsoft Uighur"/>
+        <a:font script="Geor" typeface="Sylfaen"/>
+      </a:minorFont>
+    </a:fontScheme>
+    <a:fmtScheme name="Office">
+      <a:fillStyleLst>
+        <a:solidFill>
+          <a:schemeClr val="phClr"/>
+        </a:solidFill>
+        <a:gradFill rotWithShape="1">
+          <a:gsLst>
+            <a:gs pos="0">
+              <a:schemeClr val="phClr">
+                <a:tint val="50000"/>
+                <a:satMod val="300000"/>
+              </a:schemeClr>
+            </a:gs>
+            <a:gs pos="35000">
+              <a:schemeClr val="phClr">
+                <a:tint val="37000"/>
+                <a:satMod val="300000"/>
+              </a:schemeClr>
+            </a:gs>
+            <a:gs pos="100000">
+              <a:schemeClr val="phClr">
+                <a:tint val="15000"/>
+                <a:satMod val="350000"/>
+              </a:schemeClr>
+            </a:gs>
+          </a:gsLst>
+          <a:lin ang="16200000" scaled="1"/>
+        </a:gradFill>
+        <a:gradFill rotWithShape="1">
+          <a:gsLst>
+            <a:gs pos="0">
+              <a:schemeClr val="phClr">
+                <a:tint val="100000"/>
+                <a:shade val="100000"/>
+                <a:satMod val="130000"/>
+              </a:schemeClr>
+            </a:gs>
+            <a:gs pos="100000">
+              <a:schemeClr val="phClr">
+                <a:tint val="50000"/>
+                <a:shade val="100000"/>
+                <a:satMod val="350000"/>
+              </a:schemeClr>
+            </a:gs>
+          </a:gsLst>
+          <a:lin ang="16200000" scaled="0"/>
+        </a:gradFill>
+      </a:fillStyleLst>
+      <a:lnStyleLst>
+        <a:ln w="9525" cap="flat" cmpd="sng" algn="ctr">
+          <a:solidFill>
+            <a:schemeClr val="phClr">
+              <a:shade val="95000"/>
+              <a:satMod val="105000"/>
+            </a:schemeClr>
+          </a:solidFill>
+          <a:prstDash val="solid"/>
+        </a:ln>
+        <a:ln w="25400" cap="flat" cmpd="sng" algn="ctr">
+          <a:solidFill>
+            <a:schemeClr val="phClr"/>
+          </a:solidFill>
+          <a:prstDash val="solid"/>
+        </a:ln>
+        <a:ln w="38100" cap="flat" cmpd="sng" algn="ctr">
+          <a:solidFill>
+            <a:schemeClr val="phClr"/>
+          </a:solidFill>
+          <a:prstDash val="solid"/>
+        </a:ln>
+      </a:lnStyleLst>
+      <a:effectStyleLst>
+        <a:effectStyle>
+          <a:effectLst>
+            <a:outerShdw blurRad="40000" dist="20000" dir="5400000" rotWithShape="0">
+              <a:srgbClr val="000000">
+                <a:alpha val="38000"/>
+              </a:srgbClr>
+            </a:outerShdw>
+          </a:effectLst>
+        </a:effectStyle>
+        <a:effectStyle>
+          <a:effectLst>
+            <a:outerShdw blurRad="40000" dist="23000" dir="5400000" rotWithShape="0">
+              <a:srgbClr val="000000">
+                <a:alpha val="35000"/>
+              </a:srgbClr>
+            </a:outerShdw>
+          </a:effectLst>
+        </a:effectStyle>
+        <a:effectStyle>
+          <a:effectLst>
+            <a:outerShdw blurRad="40000" dist="23000" dir="5400000" rotWithShape="0">
+              <a:srgbClr val="000000">
+                <a:alpha val="35000"/>
+              </a:srgbClr>
+            </a:outerShdw>
+          </a:effectLst>
+          <a:scene3d>
+            <a:camera prst="orthographicFront">
+              <a:rot lat="0" lon="0" rev="0"/>
+            </a:camera>
+            <a:lightRig rig="threePt" dir="t">
+              <a:rot lat="0" lon="0" rev="1200000"/>
+            </a:lightRig>
+          </a:scene3d>
+          <a:sp3d>
+            <a:bevelT w="63500" h="25400"/>
+          </a:sp3d>
+        </a:effectStyle>
+      </a:effectStyleLst>
+      <a:bgFillStyleLst>
+        <a:solidFill>
+          <a:schemeClr val="phClr"/>
+        </a:solidFill>
+        <a:gradFill rotWithShape="1">
+          <a:gsLst>
+            <a:gs pos="0">
+              <a:schemeClr val="phClr">
+                <a:tint val="40000"/>
+                <a:satMod val="350000"/>
+              </a:schemeClr>
+            </a:gs>
+            <a:gs pos="40000">
+              <a:schemeClr val="phClr">
+                <a:tint val="45000"/>
+                <a:shade val="99000"/>
+                <a:satMod val="350000"/>
+              </a:schemeClr>
+            </a:gs>
+            <a:gs pos="100000">
+              <a:schemeClr val="phClr">
+                <a:shade val="20000"/>
+                <a:satMod val="255000"/>
+              </a:schemeClr>
+            </a:gs>
+          </a:gsLst>
+          <a:path path="circle">
+            <a:fillToRect l="50000" t="-80000" r="50000" b="180000"/>
+          </a:path>
+        </a:gradFill>
+        <a:gradFill rotWithShape="1">
+          <a:gsLst>
+            <a:gs pos="0">
+              <a:schemeClr val="phClr">
+                <a:tint val="80000"/>
+                <a:satMod val="300000"/>
+              </a:schemeClr>
+            </a:gs>
+            <a:gs pos="100000">
+              <a:schemeClr val="phClr">
+                <a:shade val="30000"/>
+                <a:satMod val="200000"/>
+              </a:schemeClr>
+            </a:gs>
+          </a:gsLst>
+          <a:path path="circle">
+            <a:fillToRect l="50000" t="50000" r="50000" b="50000"/>
+          </a:path>
+        </a:gradFill>
+      </a:bgFillStyleLst>
+    </a:fmtScheme>
+  </a:themeElements>
+</a:theme>
+</file>
+
+<file path=ppt/theme/theme2.xml><?xml version="1.0" encoding="utf-8"?>
 <a:theme xmlns:a="http://schemas.openxmlformats.org/drawingml/2006/main" xmlns:r="http://schemas.openxmlformats.org/officeDocument/2006/relationships" name="TUBraunschweig_PPT2007_Folienpool_pptx">
   <a:themeElements>
     <a:clrScheme name="TU Braunschweig">
@@ -14039,283 +14318,4 @@
     </a:fmtScheme>
   </a:themeElements>
 </a:theme>
-</file>
-
-<file path=ppt/theme/theme2.xml><?xml version="1.0" encoding="utf-8"?>
-<a:theme xmlns:a="http://schemas.openxmlformats.org/drawingml/2006/main" xmlns:r="http://schemas.openxmlformats.org/officeDocument/2006/relationships">
-  <a:themeElements>
-    <a:clrScheme name="Default">
-      <a:dk1>
-        <a:srgbClr val="000000"/>
-      </a:dk1>
-      <a:lt1>
-        <a:srgbClr val="FFFFFF"/>
-      </a:lt1>
-      <a:dk2>
-        <a:srgbClr val="158158"/>
-      </a:dk2>
-      <a:lt2>
-        <a:srgbClr val="F3F3F3"/>
-      </a:lt2>
-      <a:accent1>
-        <a:srgbClr val="058DC7"/>
-      </a:accent1>
-      <a:accent2>
-        <a:srgbClr val="50B432"/>
-      </a:accent2>
-      <a:accent3>
-        <a:srgbClr val="ED561B"/>
-      </a:accent3>
-      <a:accent4>
-        <a:srgbClr val="EDEF00"/>
-      </a:accent4>
-      <a:accent5>
-        <a:srgbClr val="24CBE5"/>
-      </a:accent5>
-      <a:accent6>
-        <a:srgbClr val="64E572"/>
-      </a:accent6>
-      <a:hlink>
-        <a:srgbClr val="2200CC"/>
-      </a:hlink>
-      <a:folHlink>
-        <a:srgbClr val="551A8B"/>
-      </a:folHlink>
-    </a:clrScheme>
-    <a:fontScheme name="Office">
-      <a:majorFont>
-        <a:latin typeface="Arial"/>
-        <a:ea typeface=""/>
-        <a:cs typeface=""/>
-        <a:font script="Jpan" typeface="ＭＳ Ｐゴシック"/>
-        <a:font script="Hang" typeface="맑은 고딕"/>
-        <a:font script="Hans" typeface="宋体"/>
-        <a:font script="Hant" typeface="新細明體"/>
-        <a:font script="Arab" typeface="Times New Roman"/>
-        <a:font script="Hebr" typeface="Times New Roman"/>
-        <a:font script="Thai" typeface="Angsana New"/>
-        <a:font script="Ethi" typeface="Nyala"/>
-        <a:font script="Beng" typeface="Vrinda"/>
-        <a:font script="Gujr" typeface="Shruti"/>
-        <a:font script="Khmr" typeface="MoolBoran"/>
-        <a:font script="Knda" typeface="Tunga"/>
-        <a:font script="Guru" typeface="Raavi"/>
-        <a:font script="Cans" typeface="Euphemia"/>
-        <a:font script="Cher" typeface="Plantagenet Cherokee"/>
-        <a:font script="Yiii" typeface="Microsoft Yi Baiti"/>
-        <a:font script="Tibt" typeface="Microsoft Himalaya"/>
-        <a:font script="Thaa" typeface="MV Boli"/>
-        <a:font script="Deva" typeface="Mangal"/>
-        <a:font script="Telu" typeface="Gautami"/>
-        <a:font script="Taml" typeface="Latha"/>
-        <a:font script="Syrc" typeface="Estrangelo Edessa"/>
-        <a:font script="Orya" typeface="Kalinga"/>
-        <a:font script="Mlym" typeface="Kartika"/>
-        <a:font script="Laoo" typeface="DokChampa"/>
-        <a:font script="Sinh" typeface="Iskoola Pota"/>
-        <a:font script="Mong" typeface="Mongolian Baiti"/>
-        <a:font script="Viet" typeface="Times New Roman"/>
-        <a:font script="Uigh" typeface="Microsoft Uighur"/>
-        <a:font script="Geor" typeface="Sylfaen"/>
-      </a:majorFont>
-      <a:minorFont>
-        <a:latin typeface="Arial"/>
-        <a:ea typeface=""/>
-        <a:cs typeface=""/>
-        <a:font script="Jpan" typeface="ＭＳ Ｐゴシック"/>
-        <a:font script="Hang" typeface="맑은 고딕"/>
-        <a:font script="Hans" typeface="宋体"/>
-        <a:font script="Hant" typeface="新細明體"/>
-        <a:font script="Arab" typeface="Arial"/>
-        <a:font script="Hebr" typeface="Arial"/>
-        <a:font script="Thai" typeface="Cordia New"/>
-        <a:font script="Ethi" typeface="Nyala"/>
-        <a:font script="Beng" typeface="Vrinda"/>
-        <a:font script="Gujr" typeface="Shruti"/>
-        <a:font script="Khmr" typeface="DaunPenh"/>
-        <a:font script="Knda" typeface="Tunga"/>
-        <a:font script="Guru" typeface="Raavi"/>
-        <a:font script="Cans" typeface="Euphemia"/>
-        <a:font script="Cher" typeface="Plantagenet Cherokee"/>
-        <a:font script="Yiii" typeface="Microsoft Yi Baiti"/>
-        <a:font script="Tibt" typeface="Microsoft Himalaya"/>
-        <a:font script="Thaa" typeface="MV Boli"/>
-        <a:font script="Deva" typeface="Mangal"/>
-        <a:font script="Telu" typeface="Gautami"/>
-        <a:font script="Taml" typeface="Latha"/>
-        <a:font script="Syrc" typeface="Estrangelo Edessa"/>
-        <a:font script="Orya" typeface="Kalinga"/>
-        <a:font script="Mlym" typeface="Kartika"/>
-        <a:font script="Laoo" typeface="DokChampa"/>
-        <a:font script="Sinh" typeface="Iskoola Pota"/>
-        <a:font script="Mong" typeface="Mongolian Baiti"/>
-        <a:font script="Viet" typeface="Arial"/>
-        <a:font script="Uigh" typeface="Microsoft Uighur"/>
-        <a:font script="Geor" typeface="Sylfaen"/>
-      </a:minorFont>
-    </a:fontScheme>
-    <a:fmtScheme name="Office">
-      <a:fillStyleLst>
-        <a:solidFill>
-          <a:schemeClr val="phClr"/>
-        </a:solidFill>
-        <a:gradFill rotWithShape="1">
-          <a:gsLst>
-            <a:gs pos="0">
-              <a:schemeClr val="phClr">
-                <a:tint val="50000"/>
-                <a:satMod val="300000"/>
-              </a:schemeClr>
-            </a:gs>
-            <a:gs pos="35000">
-              <a:schemeClr val="phClr">
-                <a:tint val="37000"/>
-                <a:satMod val="300000"/>
-              </a:schemeClr>
-            </a:gs>
-            <a:gs pos="100000">
-              <a:schemeClr val="phClr">
-                <a:tint val="15000"/>
-                <a:satMod val="350000"/>
-              </a:schemeClr>
-            </a:gs>
-          </a:gsLst>
-          <a:lin ang="16200000" scaled="1"/>
-        </a:gradFill>
-        <a:gradFill rotWithShape="1">
-          <a:gsLst>
-            <a:gs pos="0">
-              <a:schemeClr val="phClr">
-                <a:tint val="100000"/>
-                <a:shade val="100000"/>
-                <a:satMod val="130000"/>
-              </a:schemeClr>
-            </a:gs>
-            <a:gs pos="100000">
-              <a:schemeClr val="phClr">
-                <a:tint val="50000"/>
-                <a:shade val="100000"/>
-                <a:satMod val="350000"/>
-              </a:schemeClr>
-            </a:gs>
-          </a:gsLst>
-          <a:lin ang="16200000" scaled="0"/>
-        </a:gradFill>
-      </a:fillStyleLst>
-      <a:lnStyleLst>
-        <a:ln w="9525" cap="flat" cmpd="sng" algn="ctr">
-          <a:solidFill>
-            <a:schemeClr val="phClr">
-              <a:shade val="95000"/>
-              <a:satMod val="105000"/>
-            </a:schemeClr>
-          </a:solidFill>
-          <a:prstDash val="solid"/>
-        </a:ln>
-        <a:ln w="25400" cap="flat" cmpd="sng" algn="ctr">
-          <a:solidFill>
-            <a:schemeClr val="phClr"/>
-          </a:solidFill>
-          <a:prstDash val="solid"/>
-        </a:ln>
-        <a:ln w="38100" cap="flat" cmpd="sng" algn="ctr">
-          <a:solidFill>
-            <a:schemeClr val="phClr"/>
-          </a:solidFill>
-          <a:prstDash val="solid"/>
-        </a:ln>
-      </a:lnStyleLst>
-      <a:effectStyleLst>
-        <a:effectStyle>
-          <a:effectLst>
-            <a:outerShdw blurRad="40000" dist="20000" dir="5400000" rotWithShape="0">
-              <a:srgbClr val="000000">
-                <a:alpha val="38000"/>
-              </a:srgbClr>
-            </a:outerShdw>
-          </a:effectLst>
-        </a:effectStyle>
-        <a:effectStyle>
-          <a:effectLst>
-            <a:outerShdw blurRad="40000" dist="23000" dir="5400000" rotWithShape="0">
-              <a:srgbClr val="000000">
-                <a:alpha val="35000"/>
-              </a:srgbClr>
-            </a:outerShdw>
-          </a:effectLst>
-        </a:effectStyle>
-        <a:effectStyle>
-          <a:effectLst>
-            <a:outerShdw blurRad="40000" dist="23000" dir="5400000" rotWithShape="0">
-              <a:srgbClr val="000000">
-                <a:alpha val="35000"/>
-              </a:srgbClr>
-            </a:outerShdw>
-          </a:effectLst>
-          <a:scene3d>
-            <a:camera prst="orthographicFront">
-              <a:rot lat="0" lon="0" rev="0"/>
-            </a:camera>
-            <a:lightRig rig="threePt" dir="t">
-              <a:rot lat="0" lon="0" rev="1200000"/>
-            </a:lightRig>
-          </a:scene3d>
-          <a:sp3d>
-            <a:bevelT w="63500" h="25400"/>
-          </a:sp3d>
-        </a:effectStyle>
-      </a:effectStyleLst>
-      <a:bgFillStyleLst>
-        <a:solidFill>
-          <a:schemeClr val="phClr"/>
-        </a:solidFill>
-        <a:gradFill rotWithShape="1">
-          <a:gsLst>
-            <a:gs pos="0">
-              <a:schemeClr val="phClr">
-                <a:tint val="40000"/>
-                <a:satMod val="350000"/>
-              </a:schemeClr>
-            </a:gs>
-            <a:gs pos="40000">
-              <a:schemeClr val="phClr">
-                <a:tint val="45000"/>
-                <a:shade val="99000"/>
-                <a:satMod val="350000"/>
-              </a:schemeClr>
-            </a:gs>
-            <a:gs pos="100000">
-              <a:schemeClr val="phClr">
-                <a:shade val="20000"/>
-                <a:satMod val="255000"/>
-              </a:schemeClr>
-            </a:gs>
-          </a:gsLst>
-          <a:path path="circle">
-            <a:fillToRect l="50000" t="-80000" r="50000" b="180000"/>
-          </a:path>
-        </a:gradFill>
-        <a:gradFill rotWithShape="1">
-          <a:gsLst>
-            <a:gs pos="0">
-              <a:schemeClr val="phClr">
-                <a:tint val="80000"/>
-                <a:satMod val="300000"/>
-              </a:schemeClr>
-            </a:gs>
-            <a:gs pos="100000">
-              <a:schemeClr val="phClr">
-                <a:shade val="30000"/>
-                <a:satMod val="200000"/>
-              </a:schemeClr>
-            </a:gs>
-          </a:gsLst>
-          <a:path path="circle">
-            <a:fillToRect l="50000" t="50000" r="50000" b="50000"/>
-          </a:path>
-        </a:gradFill>
-      </a:bgFillStyleLst>
-    </a:fmtScheme>
-  </a:themeElements>
-</a:theme>
 </file>